--- a/subjects/Microcontrollers2/Micros_2.pptx
+++ b/subjects/Microcontrollers2/Micros_2.pptx
@@ -6,70 +6,72 @@
   </p:sldMasterIdLst>
   <p:sldIdLst>
     <p:sldId id="256" r:id="rId2"/>
-    <p:sldId id="264" r:id="rId3"/>
+    <p:sldId id="329" r:id="rId3"/>
     <p:sldId id="266" r:id="rId4"/>
     <p:sldId id="265" r:id="rId5"/>
     <p:sldId id="259" r:id="rId6"/>
     <p:sldId id="268" r:id="rId7"/>
     <p:sldId id="269" r:id="rId8"/>
     <p:sldId id="270" r:id="rId9"/>
-    <p:sldId id="295" r:id="rId10"/>
-    <p:sldId id="297" r:id="rId11"/>
-    <p:sldId id="296" r:id="rId12"/>
-    <p:sldId id="286" r:id="rId13"/>
-    <p:sldId id="283" r:id="rId14"/>
-    <p:sldId id="279" r:id="rId15"/>
-    <p:sldId id="280" r:id="rId16"/>
-    <p:sldId id="281" r:id="rId17"/>
-    <p:sldId id="282" r:id="rId18"/>
-    <p:sldId id="271" r:id="rId19"/>
-    <p:sldId id="284" r:id="rId20"/>
-    <p:sldId id="285" r:id="rId21"/>
-    <p:sldId id="299" r:id="rId22"/>
-    <p:sldId id="298" r:id="rId23"/>
-    <p:sldId id="267" r:id="rId24"/>
-    <p:sldId id="274" r:id="rId25"/>
-    <p:sldId id="272" r:id="rId26"/>
-    <p:sldId id="275" r:id="rId27"/>
-    <p:sldId id="273" r:id="rId28"/>
-    <p:sldId id="277" r:id="rId29"/>
-    <p:sldId id="278" r:id="rId30"/>
-    <p:sldId id="261" r:id="rId31"/>
-    <p:sldId id="319" r:id="rId32"/>
-    <p:sldId id="320" r:id="rId33"/>
-    <p:sldId id="321" r:id="rId34"/>
-    <p:sldId id="322" r:id="rId35"/>
-    <p:sldId id="288" r:id="rId36"/>
-    <p:sldId id="290" r:id="rId37"/>
-    <p:sldId id="291" r:id="rId38"/>
-    <p:sldId id="289" r:id="rId39"/>
-    <p:sldId id="287" r:id="rId40"/>
-    <p:sldId id="258" r:id="rId41"/>
-    <p:sldId id="301" r:id="rId42"/>
-    <p:sldId id="302" r:id="rId43"/>
-    <p:sldId id="303" r:id="rId44"/>
-    <p:sldId id="304" r:id="rId45"/>
-    <p:sldId id="305" r:id="rId46"/>
-    <p:sldId id="300" r:id="rId47"/>
-    <p:sldId id="307" r:id="rId48"/>
-    <p:sldId id="293" r:id="rId49"/>
-    <p:sldId id="308" r:id="rId50"/>
-    <p:sldId id="310" r:id="rId51"/>
-    <p:sldId id="309" r:id="rId52"/>
-    <p:sldId id="311" r:id="rId53"/>
-    <p:sldId id="327" r:id="rId54"/>
-    <p:sldId id="292" r:id="rId55"/>
-    <p:sldId id="325" r:id="rId56"/>
-    <p:sldId id="317" r:id="rId57"/>
-    <p:sldId id="318" r:id="rId58"/>
-    <p:sldId id="323" r:id="rId59"/>
-    <p:sldId id="316" r:id="rId60"/>
-    <p:sldId id="324" r:id="rId61"/>
-    <p:sldId id="328" r:id="rId62"/>
-    <p:sldId id="326" r:id="rId63"/>
-    <p:sldId id="294" r:id="rId64"/>
-    <p:sldId id="312" r:id="rId65"/>
-    <p:sldId id="313" r:id="rId66"/>
+    <p:sldId id="330" r:id="rId10"/>
+    <p:sldId id="295" r:id="rId11"/>
+    <p:sldId id="297" r:id="rId12"/>
+    <p:sldId id="331" r:id="rId13"/>
+    <p:sldId id="296" r:id="rId14"/>
+    <p:sldId id="286" r:id="rId15"/>
+    <p:sldId id="283" r:id="rId16"/>
+    <p:sldId id="279" r:id="rId17"/>
+    <p:sldId id="280" r:id="rId18"/>
+    <p:sldId id="281" r:id="rId19"/>
+    <p:sldId id="282" r:id="rId20"/>
+    <p:sldId id="271" r:id="rId21"/>
+    <p:sldId id="284" r:id="rId22"/>
+    <p:sldId id="285" r:id="rId23"/>
+    <p:sldId id="299" r:id="rId24"/>
+    <p:sldId id="298" r:id="rId25"/>
+    <p:sldId id="267" r:id="rId26"/>
+    <p:sldId id="274" r:id="rId27"/>
+    <p:sldId id="272" r:id="rId28"/>
+    <p:sldId id="275" r:id="rId29"/>
+    <p:sldId id="273" r:id="rId30"/>
+    <p:sldId id="277" r:id="rId31"/>
+    <p:sldId id="278" r:id="rId32"/>
+    <p:sldId id="288" r:id="rId33"/>
+    <p:sldId id="290" r:id="rId34"/>
+    <p:sldId id="291" r:id="rId35"/>
+    <p:sldId id="289" r:id="rId36"/>
+    <p:sldId id="287" r:id="rId37"/>
+    <p:sldId id="261" r:id="rId38"/>
+    <p:sldId id="319" r:id="rId39"/>
+    <p:sldId id="320" r:id="rId40"/>
+    <p:sldId id="321" r:id="rId41"/>
+    <p:sldId id="322" r:id="rId42"/>
+    <p:sldId id="258" r:id="rId43"/>
+    <p:sldId id="301" r:id="rId44"/>
+    <p:sldId id="302" r:id="rId45"/>
+    <p:sldId id="303" r:id="rId46"/>
+    <p:sldId id="304" r:id="rId47"/>
+    <p:sldId id="305" r:id="rId48"/>
+    <p:sldId id="300" r:id="rId49"/>
+    <p:sldId id="307" r:id="rId50"/>
+    <p:sldId id="293" r:id="rId51"/>
+    <p:sldId id="308" r:id="rId52"/>
+    <p:sldId id="310" r:id="rId53"/>
+    <p:sldId id="309" r:id="rId54"/>
+    <p:sldId id="311" r:id="rId55"/>
+    <p:sldId id="327" r:id="rId56"/>
+    <p:sldId id="292" r:id="rId57"/>
+    <p:sldId id="325" r:id="rId58"/>
+    <p:sldId id="317" r:id="rId59"/>
+    <p:sldId id="318" r:id="rId60"/>
+    <p:sldId id="323" r:id="rId61"/>
+    <p:sldId id="316" r:id="rId62"/>
+    <p:sldId id="324" r:id="rId63"/>
+    <p:sldId id="328" r:id="rId64"/>
+    <p:sldId id="326" r:id="rId65"/>
+    <p:sldId id="294" r:id="rId66"/>
+    <p:sldId id="312" r:id="rId67"/>
+    <p:sldId id="313" r:id="rId68"/>
   </p:sldIdLst>
   <p:sldSz cx="12192000" cy="6858000"/>
   <p:notesSz cx="6858000" cy="9144000"/>
@@ -174,7 +176,7 @@
         <p14:section name="Introduction" id="{6E6B3057-5919-4B17-84BC-C0FF90636CEE}">
           <p14:sldIdLst>
             <p14:sldId id="256"/>
-            <p14:sldId id="264"/>
+            <p14:sldId id="329"/>
           </p14:sldIdLst>
         </p14:section>
         <p14:section name="C vs Assembly" id="{20D8E4FB-D969-4925-B271-32356FD42144}">
@@ -187,10 +189,16 @@
             <p14:sldId id="270"/>
           </p14:sldIdLst>
         </p14:section>
+        <p14:section name="ESP32 Overview" id="{7BB1933F-A114-42A7-8583-5E210512AF2E}">
+          <p14:sldIdLst>
+            <p14:sldId id="330"/>
+          </p14:sldIdLst>
+        </p14:section>
         <p14:section name="Memory" id="{5514234D-A399-47DB-8025-A48BDC5CDB4E}">
           <p14:sldIdLst>
             <p14:sldId id="295"/>
             <p14:sldId id="297"/>
+            <p14:sldId id="331"/>
             <p14:sldId id="296"/>
             <p14:sldId id="286"/>
             <p14:sldId id="283"/>
@@ -216,6 +224,15 @@
             <p14:sldId id="278"/>
           </p14:sldIdLst>
         </p14:section>
+        <p14:section name="GPIO" id="{0FF80751-DF73-40F7-9131-23CC28636685}">
+          <p14:sldIdLst>
+            <p14:sldId id="288"/>
+            <p14:sldId id="290"/>
+            <p14:sldId id="291"/>
+            <p14:sldId id="289"/>
+            <p14:sldId id="287"/>
+          </p14:sldIdLst>
+        </p14:section>
         <p14:section name="Interrupt Vector" id="{367310A5-D89D-4955-B613-A50257C82471}">
           <p14:sldIdLst>
             <p14:sldId id="261"/>
@@ -223,15 +240,6 @@
             <p14:sldId id="320"/>
             <p14:sldId id="321"/>
             <p14:sldId id="322"/>
-          </p14:sldIdLst>
-        </p14:section>
-        <p14:section name="GPIO" id="{0FF80751-DF73-40F7-9131-23CC28636685}">
-          <p14:sldIdLst>
-            <p14:sldId id="288"/>
-            <p14:sldId id="290"/>
-            <p14:sldId id="291"/>
-            <p14:sldId id="289"/>
-            <p14:sldId id="287"/>
           </p14:sldIdLst>
         </p14:section>
         <p14:section name="ADC" id="{8BFD466B-43B7-4DE6-AE6F-01B7EFEB3A77}">
@@ -4576,7 +4584,7 @@
           <a:p>
             <a:fld id="{A414B342-398C-4BA8-99D4-A90D57C515B7}" type="datetimeFigureOut">
               <a:rPr lang="en-US" smtClean="0"/>
-              <a:t>8/27/2023</a:t>
+              <a:t>8/5/2024</a:t>
             </a:fld>
             <a:endParaRPr lang="en-US"/>
           </a:p>
@@ -4843,7 +4851,7 @@
           <a:p>
             <a:fld id="{A414B342-398C-4BA8-99D4-A90D57C515B7}" type="datetimeFigureOut">
               <a:rPr lang="en-US" smtClean="0"/>
-              <a:t>8/27/2023</a:t>
+              <a:t>8/5/2024</a:t>
             </a:fld>
             <a:endParaRPr lang="en-US"/>
           </a:p>
@@ -5039,7 +5047,7 @@
           <a:p>
             <a:fld id="{A414B342-398C-4BA8-99D4-A90D57C515B7}" type="datetimeFigureOut">
               <a:rPr lang="en-US" smtClean="0"/>
-              <a:t>8/27/2023</a:t>
+              <a:t>8/5/2024</a:t>
             </a:fld>
             <a:endParaRPr lang="en-US"/>
           </a:p>
@@ -5302,7 +5310,7 @@
           <a:p>
             <a:fld id="{A414B342-398C-4BA8-99D4-A90D57C515B7}" type="datetimeFigureOut">
               <a:rPr lang="en-US" smtClean="0"/>
-              <a:t>8/27/2023</a:t>
+              <a:t>8/5/2024</a:t>
             </a:fld>
             <a:endParaRPr lang="en-US"/>
           </a:p>
@@ -5736,7 +5744,7 @@
           <a:p>
             <a:fld id="{A414B342-398C-4BA8-99D4-A90D57C515B7}" type="datetimeFigureOut">
               <a:rPr lang="en-US" smtClean="0"/>
-              <a:t>8/27/2023</a:t>
+              <a:t>8/5/2024</a:t>
             </a:fld>
             <a:endParaRPr lang="en-US"/>
           </a:p>
@@ -6282,7 +6290,7 @@
           <a:p>
             <a:fld id="{A414B342-398C-4BA8-99D4-A90D57C515B7}" type="datetimeFigureOut">
               <a:rPr lang="en-US" smtClean="0"/>
-              <a:t>8/27/2023</a:t>
+              <a:t>8/5/2024</a:t>
             </a:fld>
             <a:endParaRPr lang="en-US"/>
           </a:p>
@@ -7002,7 +7010,7 @@
           <a:p>
             <a:fld id="{A414B342-398C-4BA8-99D4-A90D57C515B7}" type="datetimeFigureOut">
               <a:rPr lang="en-US" smtClean="0"/>
-              <a:t>8/27/2023</a:t>
+              <a:t>8/5/2024</a:t>
             </a:fld>
             <a:endParaRPr lang="en-US"/>
           </a:p>
@@ -7172,7 +7180,7 @@
           <a:p>
             <a:fld id="{A414B342-398C-4BA8-99D4-A90D57C515B7}" type="datetimeFigureOut">
               <a:rPr lang="en-US" smtClean="0"/>
-              <a:t>8/27/2023</a:t>
+              <a:t>8/5/2024</a:t>
             </a:fld>
             <a:endParaRPr lang="en-US"/>
           </a:p>
@@ -7352,7 +7360,7 @@
           <a:p>
             <a:fld id="{A414B342-398C-4BA8-99D4-A90D57C515B7}" type="datetimeFigureOut">
               <a:rPr lang="en-US" smtClean="0"/>
-              <a:t>8/27/2023</a:t>
+              <a:t>8/5/2024</a:t>
             </a:fld>
             <a:endParaRPr lang="en-US"/>
           </a:p>
@@ -7522,7 +7530,7 @@
           <a:p>
             <a:fld id="{A414B342-398C-4BA8-99D4-A90D57C515B7}" type="datetimeFigureOut">
               <a:rPr lang="en-US" smtClean="0"/>
-              <a:t>8/27/2023</a:t>
+              <a:t>8/5/2024</a:t>
             </a:fld>
             <a:endParaRPr lang="en-US"/>
           </a:p>
@@ -7772,7 +7780,7 @@
           <a:p>
             <a:fld id="{A414B342-398C-4BA8-99D4-A90D57C515B7}" type="datetimeFigureOut">
               <a:rPr lang="en-US" smtClean="0"/>
-              <a:t>8/27/2023</a:t>
+              <a:t>8/5/2024</a:t>
             </a:fld>
             <a:endParaRPr lang="en-US"/>
           </a:p>
@@ -8004,7 +8012,7 @@
           <a:p>
             <a:fld id="{A414B342-398C-4BA8-99D4-A90D57C515B7}" type="datetimeFigureOut">
               <a:rPr lang="en-US" smtClean="0"/>
-              <a:t>8/27/2023</a:t>
+              <a:t>8/5/2024</a:t>
             </a:fld>
             <a:endParaRPr lang="en-US"/>
           </a:p>
@@ -8385,7 +8393,7 @@
           <a:p>
             <a:fld id="{A414B342-398C-4BA8-99D4-A90D57C515B7}" type="datetimeFigureOut">
               <a:rPr lang="en-US" smtClean="0"/>
-              <a:t>8/27/2023</a:t>
+              <a:t>8/5/2024</a:t>
             </a:fld>
             <a:endParaRPr lang="en-US"/>
           </a:p>
@@ -8503,7 +8511,7 @@
           <a:p>
             <a:fld id="{A414B342-398C-4BA8-99D4-A90D57C515B7}" type="datetimeFigureOut">
               <a:rPr lang="en-US" smtClean="0"/>
-              <a:t>8/27/2023</a:t>
+              <a:t>8/5/2024</a:t>
             </a:fld>
             <a:endParaRPr lang="en-US"/>
           </a:p>
@@ -8598,7 +8606,7 @@
           <a:p>
             <a:fld id="{A414B342-398C-4BA8-99D4-A90D57C515B7}" type="datetimeFigureOut">
               <a:rPr lang="en-US" smtClean="0"/>
-              <a:t>8/27/2023</a:t>
+              <a:t>8/5/2024</a:t>
             </a:fld>
             <a:endParaRPr lang="en-US"/>
           </a:p>
@@ -8847,7 +8855,7 @@
           <a:p>
             <a:fld id="{A414B342-398C-4BA8-99D4-A90D57C515B7}" type="datetimeFigureOut">
               <a:rPr lang="en-US" smtClean="0"/>
-              <a:t>8/27/2023</a:t>
+              <a:t>8/5/2024</a:t>
             </a:fld>
             <a:endParaRPr lang="en-US"/>
           </a:p>
@@ -9127,7 +9135,7 @@
           <a:p>
             <a:fld id="{A414B342-398C-4BA8-99D4-A90D57C515B7}" type="datetimeFigureOut">
               <a:rPr lang="en-US" smtClean="0"/>
-              <a:t>8/27/2023</a:t>
+              <a:t>8/5/2024</a:t>
             </a:fld>
             <a:endParaRPr lang="en-US"/>
           </a:p>
@@ -12211,7 +12219,7 @@
           <a:p>
             <a:fld id="{A414B342-398C-4BA8-99D4-A90D57C515B7}" type="datetimeFigureOut">
               <a:rPr lang="en-US" smtClean="0"/>
-              <a:t>8/27/2023</a:t>
+              <a:t>8/5/2024</a:t>
             </a:fld>
             <a:endParaRPr lang="en-US"/>
           </a:p>
@@ -12730,7 +12738,7 @@
           <a:p>
             <a:r>
               <a:rPr lang="es-MX" dirty="0"/>
-              <a:t>Claudia Prieto</a:t>
+              <a:t>Jose Arzaga</a:t>
             </a:r>
           </a:p>
         </p:txBody>
@@ -12770,7 +12778,7 @@
           <p:cNvPr id="2" name="Title 1">
             <a:extLst>
               <a:ext uri="{FF2B5EF4-FFF2-40B4-BE49-F238E27FC236}">
-                <a16:creationId xmlns:a16="http://schemas.microsoft.com/office/drawing/2014/main" id="{6A040963-BE72-199E-CD08-68606252DCC3}"/>
+                <a16:creationId xmlns:a16="http://schemas.microsoft.com/office/drawing/2014/main" id="{CE895F25-B8E3-58E9-2A41-C8F488672062}"/>
               </a:ext>
             </a:extLst>
           </p:cNvPr>
@@ -12788,7 +12796,7 @@
           <a:p>
             <a:r>
               <a:rPr lang="en-US" dirty="0"/>
-              <a:t>Memory Types –Volatile</a:t>
+              <a:t>Memory Types – Non-Volatile</a:t>
             </a:r>
           </a:p>
         </p:txBody>
@@ -12798,7 +12806,7 @@
           <p:cNvPr id="3" name="Content Placeholder 2">
             <a:extLst>
               <a:ext uri="{FF2B5EF4-FFF2-40B4-BE49-F238E27FC236}">
-                <a16:creationId xmlns:a16="http://schemas.microsoft.com/office/drawing/2014/main" id="{610C51FD-B0A0-AED3-D642-96FFCEEAAA98}"/>
+                <a16:creationId xmlns:a16="http://schemas.microsoft.com/office/drawing/2014/main" id="{966791B4-2343-6597-739F-3E1DB49D0B9D}"/>
               </a:ext>
             </a:extLst>
           </p:cNvPr>
@@ -12816,21 +12824,28 @@
           <a:p>
             <a:r>
               <a:rPr lang="en-US" dirty="0"/>
-              <a:t>RAM (Random Access Memory): its contents are erased if the board loses power. Any location can be accessed directly and randomly.</a:t>
+              <a:t>ROM (Read Only Memory): can be used to store data on an embedded system permanently. It is usually used to store at least the software required by an embedded device to function on the field.</a:t>
             </a:r>
           </a:p>
           <a:p>
             <a:pPr lvl="1"/>
             <a:r>
               <a:rPr lang="en-US" dirty="0"/>
-              <a:t>SRAM (Static RAM): stores data using transistors. Faster and consume less power than DRAM.</a:t>
+              <a:t>Mask ROM: Data is permanently programmed into a chip by the manufacturer.</a:t>
             </a:r>
           </a:p>
           <a:p>
             <a:pPr lvl="1"/>
             <a:r>
               <a:rPr lang="en-US" dirty="0"/>
-              <a:t>DRAM (Dynamic RAM) : stores data using capacitors, so it requires a “refresh” mechanism to maintain the integrity of its data. Cheaper and have more storage space than SRAM.</a:t>
+              <a:t>EEPROM (Electrically Erasable Programable ROM): can be erased and reprogrammed more than once . Its contents can be written and erased “in bytes” electrically.</a:t>
+            </a:r>
+          </a:p>
+          <a:p>
+            <a:pPr lvl="1"/>
+            <a:r>
+              <a:rPr lang="en-US" dirty="0"/>
+              <a:t>FLASH: can be written and erased in blocks/sectors. It is cheaper and faster than an EEPROM.</a:t>
             </a:r>
           </a:p>
         </p:txBody>
@@ -12838,7 +12853,7 @@
     </p:spTree>
     <p:extLst>
       <p:ext uri="{BB962C8B-B14F-4D97-AF65-F5344CB8AC3E}">
-        <p14:creationId xmlns:p14="http://schemas.microsoft.com/office/powerpoint/2010/main" val="3908267651"/>
+        <p14:creationId xmlns:p14="http://schemas.microsoft.com/office/powerpoint/2010/main" val="1476329464"/>
       </p:ext>
     </p:extLst>
   </p:cSld>
@@ -12870,6 +12885,264 @@
           <p:cNvPr id="2" name="Title 1">
             <a:extLst>
               <a:ext uri="{FF2B5EF4-FFF2-40B4-BE49-F238E27FC236}">
+                <a16:creationId xmlns:a16="http://schemas.microsoft.com/office/drawing/2014/main" id="{6A040963-BE72-199E-CD08-68606252DCC3}"/>
+              </a:ext>
+            </a:extLst>
+          </p:cNvPr>
+          <p:cNvSpPr>
+            <a:spLocks noGrp="1"/>
+          </p:cNvSpPr>
+          <p:nvPr>
+            <p:ph type="title"/>
+          </p:nvPr>
+        </p:nvSpPr>
+        <p:spPr/>
+        <p:txBody>
+          <a:bodyPr/>
+          <a:lstStyle/>
+          <a:p>
+            <a:r>
+              <a:rPr lang="en-US" dirty="0"/>
+              <a:t>Memory Types –Volatile</a:t>
+            </a:r>
+          </a:p>
+        </p:txBody>
+      </p:sp>
+      <p:sp>
+        <p:nvSpPr>
+          <p:cNvPr id="3" name="Content Placeholder 2">
+            <a:extLst>
+              <a:ext uri="{FF2B5EF4-FFF2-40B4-BE49-F238E27FC236}">
+                <a16:creationId xmlns:a16="http://schemas.microsoft.com/office/drawing/2014/main" id="{610C51FD-B0A0-AED3-D642-96FFCEEAAA98}"/>
+              </a:ext>
+            </a:extLst>
+          </p:cNvPr>
+          <p:cNvSpPr>
+            <a:spLocks noGrp="1"/>
+          </p:cNvSpPr>
+          <p:nvPr>
+            <p:ph idx="1"/>
+          </p:nvPr>
+        </p:nvSpPr>
+        <p:spPr/>
+        <p:txBody>
+          <a:bodyPr/>
+          <a:lstStyle/>
+          <a:p>
+            <a:r>
+              <a:rPr lang="en-US" dirty="0"/>
+              <a:t>RAM (Random Access Memory): its contents are erased if the board loses power. Any location can be accessed directly and randomly.</a:t>
+            </a:r>
+          </a:p>
+          <a:p>
+            <a:pPr lvl="1"/>
+            <a:r>
+              <a:rPr lang="en-US" dirty="0"/>
+              <a:t>SRAM (Static RAM): stores data using transistors. Faster and consume less power than DRAM.</a:t>
+            </a:r>
+          </a:p>
+          <a:p>
+            <a:pPr lvl="1"/>
+            <a:r>
+              <a:rPr lang="en-US" dirty="0"/>
+              <a:t>DRAM (Dynamic RAM) : stores data using capacitors, so it requires a “refresh” mechanism to maintain the integrity of its data. Cheaper and have more storage space than SRAM.</a:t>
+            </a:r>
+          </a:p>
+        </p:txBody>
+      </p:sp>
+    </p:spTree>
+    <p:extLst>
+      <p:ext uri="{BB962C8B-B14F-4D97-AF65-F5344CB8AC3E}">
+        <p14:creationId xmlns:p14="http://schemas.microsoft.com/office/powerpoint/2010/main" val="3908267651"/>
+      </p:ext>
+    </p:extLst>
+  </p:cSld>
+  <p:clrMapOvr>
+    <a:masterClrMapping/>
+  </p:clrMapOvr>
+</p:sld>
+</file>
+
+<file path=ppt/slides/slide12.xml><?xml version="1.0" encoding="utf-8"?>
+<p:sld xmlns:a="http://schemas.openxmlformats.org/drawingml/2006/main" xmlns:r="http://schemas.openxmlformats.org/officeDocument/2006/relationships" xmlns:p="http://schemas.openxmlformats.org/presentationml/2006/main">
+  <p:cSld>
+    <p:spTree>
+      <p:nvGrpSpPr>
+        <p:cNvPr id="1" name=""/>
+        <p:cNvGrpSpPr/>
+        <p:nvPr/>
+      </p:nvGrpSpPr>
+      <p:grpSpPr>
+        <a:xfrm>
+          <a:off x="0" y="0"/>
+          <a:ext cx="0" cy="0"/>
+          <a:chOff x="0" y="0"/>
+          <a:chExt cx="0" cy="0"/>
+        </a:xfrm>
+      </p:grpSpPr>
+      <p:sp>
+        <p:nvSpPr>
+          <p:cNvPr id="2" name="Title 1">
+            <a:extLst>
+              <a:ext uri="{FF2B5EF4-FFF2-40B4-BE49-F238E27FC236}">
+                <a16:creationId xmlns:a16="http://schemas.microsoft.com/office/drawing/2014/main" id="{1DA61A3E-2718-8A88-938D-A4BB18A5326B}"/>
+              </a:ext>
+            </a:extLst>
+          </p:cNvPr>
+          <p:cNvSpPr>
+            <a:spLocks noGrp="1"/>
+          </p:cNvSpPr>
+          <p:nvPr>
+            <p:ph type="title"/>
+          </p:nvPr>
+        </p:nvSpPr>
+        <p:spPr/>
+        <p:txBody>
+          <a:bodyPr/>
+          <a:lstStyle/>
+          <a:p>
+            <a:r>
+              <a:rPr lang="en-US" dirty="0"/>
+              <a:t>Memory Types –registers</a:t>
+            </a:r>
+          </a:p>
+        </p:txBody>
+      </p:sp>
+      <p:sp>
+        <p:nvSpPr>
+          <p:cNvPr id="3" name="Content Placeholder 2">
+            <a:extLst>
+              <a:ext uri="{FF2B5EF4-FFF2-40B4-BE49-F238E27FC236}">
+                <a16:creationId xmlns:a16="http://schemas.microsoft.com/office/drawing/2014/main" id="{9FC372DE-FD80-4D0B-7401-C37181604CDC}"/>
+              </a:ext>
+            </a:extLst>
+          </p:cNvPr>
+          <p:cNvSpPr>
+            <a:spLocks noGrp="1"/>
+          </p:cNvSpPr>
+          <p:nvPr>
+            <p:ph idx="1"/>
+          </p:nvPr>
+        </p:nvSpPr>
+        <p:spPr>
+          <a:xfrm>
+            <a:off x="1141413" y="2249486"/>
+            <a:ext cx="5744418" cy="3846513"/>
+          </a:xfrm>
+        </p:spPr>
+        <p:txBody>
+          <a:bodyPr/>
+          <a:lstStyle/>
+          <a:p>
+            <a:r>
+              <a:rPr lang="en-US" dirty="0"/>
+              <a:t>Can:</a:t>
+            </a:r>
+          </a:p>
+          <a:p>
+            <a:pPr lvl="1"/>
+            <a:r>
+              <a:rPr lang="en-US" dirty="0"/>
+              <a:t>Reside inside the CPU Core. High speed memory locations that hold data temporarily during the execution cycle of program instructions.</a:t>
+            </a:r>
+          </a:p>
+          <a:p>
+            <a:pPr lvl="1"/>
+            <a:r>
+              <a:rPr lang="en-US" dirty="0"/>
+              <a:t>Be memory mapped to HW Peripherals, these registers are used to configure and control </a:t>
+            </a:r>
+          </a:p>
+          <a:p>
+            <a:r>
+              <a:rPr lang="en-US" dirty="0"/>
+              <a:t>Hold a fixed number of bits (Ex. 8, 16, 32)</a:t>
+            </a:r>
+          </a:p>
+        </p:txBody>
+      </p:sp>
+      <p:pic>
+        <p:nvPicPr>
+          <p:cNvPr id="1026" name="Picture 2" descr="Peripheral Access Layer for Microcontrollers - Open4Tech">
+            <a:extLst>
+              <a:ext uri="{FF2B5EF4-FFF2-40B4-BE49-F238E27FC236}">
+                <a16:creationId xmlns:a16="http://schemas.microsoft.com/office/drawing/2014/main" id="{A8BA746F-1880-6A7B-302F-4ECC08A5922E}"/>
+              </a:ext>
+            </a:extLst>
+          </p:cNvPr>
+          <p:cNvPicPr>
+            <a:picLocks noChangeAspect="1" noChangeArrowheads="1"/>
+          </p:cNvPicPr>
+          <p:nvPr/>
+        </p:nvPicPr>
+        <p:blipFill>
+          <a:blip r:embed="rId2">
+            <a:extLst>
+              <a:ext uri="{28A0092B-C50C-407E-A947-70E740481C1C}">
+                <a14:useLocalDpi xmlns:a14="http://schemas.microsoft.com/office/drawing/2010/main" val="0"/>
+              </a:ext>
+            </a:extLst>
+          </a:blip>
+          <a:srcRect/>
+          <a:stretch>
+            <a:fillRect/>
+          </a:stretch>
+        </p:blipFill>
+        <p:spPr bwMode="auto">
+          <a:xfrm>
+            <a:off x="6885831" y="2097088"/>
+            <a:ext cx="5100276" cy="3650077"/>
+          </a:xfrm>
+          <a:prstGeom prst="rect">
+            <a:avLst/>
+          </a:prstGeom>
+          <a:noFill/>
+          <a:extLst>
+            <a:ext uri="{909E8E84-426E-40DD-AFC4-6F175D3DCCD1}">
+              <a14:hiddenFill xmlns:a14="http://schemas.microsoft.com/office/drawing/2010/main">
+                <a:solidFill>
+                  <a:srgbClr val="FFFFFF"/>
+                </a:solidFill>
+              </a14:hiddenFill>
+            </a:ext>
+          </a:extLst>
+        </p:spPr>
+      </p:pic>
+    </p:spTree>
+    <p:extLst>
+      <p:ext uri="{BB962C8B-B14F-4D97-AF65-F5344CB8AC3E}">
+        <p14:creationId xmlns:p14="http://schemas.microsoft.com/office/powerpoint/2010/main" val="1803531839"/>
+      </p:ext>
+    </p:extLst>
+  </p:cSld>
+  <p:clrMapOvr>
+    <a:masterClrMapping/>
+  </p:clrMapOvr>
+</p:sld>
+</file>
+
+<file path=ppt/slides/slide13.xml><?xml version="1.0" encoding="utf-8"?>
+<p:sld xmlns:a="http://schemas.openxmlformats.org/drawingml/2006/main" xmlns:r="http://schemas.openxmlformats.org/officeDocument/2006/relationships" xmlns:p="http://schemas.openxmlformats.org/presentationml/2006/main">
+  <p:cSld>
+    <p:spTree>
+      <p:nvGrpSpPr>
+        <p:cNvPr id="1" name=""/>
+        <p:cNvGrpSpPr/>
+        <p:nvPr/>
+      </p:nvGrpSpPr>
+      <p:grpSpPr>
+        <a:xfrm>
+          <a:off x="0" y="0"/>
+          <a:ext cx="0" cy="0"/>
+          <a:chOff x="0" y="0"/>
+          <a:chExt cx="0" cy="0"/>
+        </a:xfrm>
+      </p:grpSpPr>
+      <p:sp>
+        <p:nvSpPr>
+          <p:cNvPr id="2" name="Title 1">
+            <a:extLst>
+              <a:ext uri="{FF2B5EF4-FFF2-40B4-BE49-F238E27FC236}">
                 <a16:creationId xmlns:a16="http://schemas.microsoft.com/office/drawing/2014/main" id="{1A40661A-8549-905C-2C9E-00EA8C002059}"/>
               </a:ext>
             </a:extLst>
@@ -12964,7 +13237,7 @@
 </p:sld>
 </file>
 
-<file path=ppt/slides/slide12.xml><?xml version="1.0" encoding="utf-8"?>
+<file path=ppt/slides/slide14.xml><?xml version="1.0" encoding="utf-8"?>
 <p:sld xmlns:a="http://schemas.openxmlformats.org/drawingml/2006/main" xmlns:r="http://schemas.openxmlformats.org/officeDocument/2006/relationships" xmlns:p="http://schemas.openxmlformats.org/presentationml/2006/main">
   <p:cSld>
     <p:spTree>
@@ -13052,7 +13325,7 @@
 </p:sld>
 </file>
 
-<file path=ppt/slides/slide13.xml><?xml version="1.0" encoding="utf-8"?>
+<file path=ppt/slides/slide15.xml><?xml version="1.0" encoding="utf-8"?>
 <p:sld xmlns:a="http://schemas.openxmlformats.org/drawingml/2006/main" xmlns:r="http://schemas.openxmlformats.org/officeDocument/2006/relationships" xmlns:p="http://schemas.openxmlformats.org/presentationml/2006/main">
   <p:cSld>
     <p:bg>
@@ -13343,7 +13616,7 @@
 </p:sld>
 </file>
 
-<file path=ppt/slides/slide14.xml><?xml version="1.0" encoding="utf-8"?>
+<file path=ppt/slides/slide16.xml><?xml version="1.0" encoding="utf-8"?>
 <p:sld xmlns:a="http://schemas.openxmlformats.org/drawingml/2006/main" xmlns:r="http://schemas.openxmlformats.org/officeDocument/2006/relationships" xmlns:p="http://schemas.openxmlformats.org/presentationml/2006/main">
   <p:cSld>
     <p:spTree>
@@ -14113,7 +14386,7 @@
 </p:sld>
 </file>
 
-<file path=ppt/slides/slide15.xml><?xml version="1.0" encoding="utf-8"?>
+<file path=ppt/slides/slide17.xml><?xml version="1.0" encoding="utf-8"?>
 <p:sld xmlns:a="http://schemas.openxmlformats.org/drawingml/2006/main" xmlns:r="http://schemas.openxmlformats.org/officeDocument/2006/relationships" xmlns:p="http://schemas.openxmlformats.org/presentationml/2006/main">
   <p:cSld>
     <p:spTree>
@@ -14201,7 +14474,7 @@
 </p:sld>
 </file>
 
-<file path=ppt/slides/slide16.xml><?xml version="1.0" encoding="utf-8"?>
+<file path=ppt/slides/slide18.xml><?xml version="1.0" encoding="utf-8"?>
 <p:sld xmlns:a="http://schemas.openxmlformats.org/drawingml/2006/main" xmlns:r="http://schemas.openxmlformats.org/officeDocument/2006/relationships" xmlns:p="http://schemas.openxmlformats.org/presentationml/2006/main">
   <p:cSld>
     <p:spTree>
@@ -14742,7 +15015,7 @@
 </p:sld>
 </file>
 
-<file path=ppt/slides/slide17.xml><?xml version="1.0" encoding="utf-8"?>
+<file path=ppt/slides/slide19.xml><?xml version="1.0" encoding="utf-8"?>
 <p:sld xmlns:a="http://schemas.openxmlformats.org/drawingml/2006/main" xmlns:r="http://schemas.openxmlformats.org/officeDocument/2006/relationships" xmlns:p="http://schemas.openxmlformats.org/presentationml/2006/main">
   <p:cSld>
     <p:spTree>
@@ -14830,7 +15103,7 @@
 </p:sld>
 </file>
 
-<file path=ppt/slides/slide18.xml><?xml version="1.0" encoding="utf-8"?>
+<file path=ppt/slides/slide2.xml><?xml version="1.0" encoding="utf-8"?>
 <p:sld xmlns:a="http://schemas.openxmlformats.org/drawingml/2006/main" xmlns:r="http://schemas.openxmlformats.org/officeDocument/2006/relationships" xmlns:p="http://schemas.openxmlformats.org/presentationml/2006/main">
   <p:cSld>
     <p:spTree>
@@ -14852,6 +15125,244 @@
           <p:cNvPr id="2" name="Title 1">
             <a:extLst>
               <a:ext uri="{FF2B5EF4-FFF2-40B4-BE49-F238E27FC236}">
+                <a16:creationId xmlns:a16="http://schemas.microsoft.com/office/drawing/2014/main" id="{3FF4809A-D7D1-24A9-081F-84109579FCF4}"/>
+              </a:ext>
+            </a:extLst>
+          </p:cNvPr>
+          <p:cNvSpPr>
+            <a:spLocks noGrp="1"/>
+          </p:cNvSpPr>
+          <p:nvPr>
+            <p:ph type="title"/>
+          </p:nvPr>
+        </p:nvSpPr>
+        <p:spPr>
+          <a:xfrm>
+            <a:off x="1019015" y="1093787"/>
+            <a:ext cx="3059969" cy="4697413"/>
+          </a:xfrm>
+        </p:spPr>
+        <p:txBody>
+          <a:bodyPr>
+            <a:normAutofit/>
+          </a:bodyPr>
+          <a:lstStyle/>
+          <a:p>
+            <a:r>
+              <a:rPr lang="en-US" dirty="0"/>
+              <a:t>Index</a:t>
+            </a:r>
+          </a:p>
+        </p:txBody>
+      </p:sp>
+      <p:sp>
+        <p:nvSpPr>
+          <p:cNvPr id="3" name="Content Placeholder 2">
+            <a:extLst>
+              <a:ext uri="{FF2B5EF4-FFF2-40B4-BE49-F238E27FC236}">
+                <a16:creationId xmlns:a16="http://schemas.microsoft.com/office/drawing/2014/main" id="{DD9900B4-E608-3F41-1A77-13B0FB1E051A}"/>
+              </a:ext>
+            </a:extLst>
+          </p:cNvPr>
+          <p:cNvSpPr>
+            <a:spLocks noGrp="1"/>
+          </p:cNvSpPr>
+          <p:nvPr>
+            <p:ph idx="1"/>
+          </p:nvPr>
+        </p:nvSpPr>
+        <p:spPr>
+          <a:xfrm>
+            <a:off x="5215467" y="1093788"/>
+            <a:ext cx="5831944" cy="4697413"/>
+          </a:xfrm>
+        </p:spPr>
+        <p:txBody>
+          <a:bodyPr>
+            <a:noAutofit/>
+          </a:bodyPr>
+          <a:lstStyle/>
+          <a:p>
+            <a:pPr marL="457200" indent="-457200">
+              <a:lnSpc>
+                <a:spcPct val="110000"/>
+              </a:lnSpc>
+              <a:buFont typeface="+mj-lt"/>
+              <a:buAutoNum type="arabicPeriod"/>
+            </a:pPr>
+            <a:r>
+              <a:rPr lang="en-US" sz="2000" dirty="0"/>
+              <a:t>C and assembly languages</a:t>
+            </a:r>
+          </a:p>
+          <a:p>
+            <a:pPr marL="457200" indent="-457200">
+              <a:lnSpc>
+                <a:spcPct val="110000"/>
+              </a:lnSpc>
+              <a:buFont typeface="+mj-lt"/>
+              <a:buAutoNum type="arabicPeriod"/>
+            </a:pPr>
+            <a:r>
+              <a:rPr lang="en-US" sz="2000" dirty="0"/>
+              <a:t>Memory </a:t>
+            </a:r>
+          </a:p>
+          <a:p>
+            <a:pPr marL="457200" indent="-457200">
+              <a:lnSpc>
+                <a:spcPct val="110000"/>
+              </a:lnSpc>
+              <a:buFont typeface="+mj-lt"/>
+              <a:buAutoNum type="arabicPeriod"/>
+            </a:pPr>
+            <a:r>
+              <a:rPr lang="en-US" sz="2000" dirty="0"/>
+              <a:t>ESP32-C3 Overview</a:t>
+            </a:r>
+          </a:p>
+          <a:p>
+            <a:pPr marL="457200" indent="-457200">
+              <a:lnSpc>
+                <a:spcPct val="110000"/>
+              </a:lnSpc>
+              <a:buFont typeface="+mj-lt"/>
+              <a:buAutoNum type="arabicPeriod"/>
+            </a:pPr>
+            <a:r>
+              <a:rPr lang="en-US" sz="2000" dirty="0"/>
+              <a:t>Startup Process</a:t>
+            </a:r>
+          </a:p>
+          <a:p>
+            <a:pPr marL="457200" indent="-457200">
+              <a:lnSpc>
+                <a:spcPct val="110000"/>
+              </a:lnSpc>
+              <a:buFont typeface="+mj-lt"/>
+              <a:buAutoNum type="arabicPeriod"/>
+            </a:pPr>
+            <a:r>
+              <a:rPr lang="en-US" sz="2000" dirty="0"/>
+              <a:t>Interrupts</a:t>
+            </a:r>
+          </a:p>
+          <a:p>
+            <a:pPr marL="457200" indent="-457200">
+              <a:lnSpc>
+                <a:spcPct val="110000"/>
+              </a:lnSpc>
+              <a:buFont typeface="+mj-lt"/>
+              <a:buAutoNum type="arabicPeriod"/>
+            </a:pPr>
+            <a:r>
+              <a:rPr lang="en-US" sz="2000" dirty="0"/>
+              <a:t>Peripherals</a:t>
+            </a:r>
+          </a:p>
+          <a:p>
+            <a:pPr lvl="1">
+              <a:lnSpc>
+                <a:spcPct val="110000"/>
+              </a:lnSpc>
+            </a:pPr>
+            <a:r>
+              <a:rPr lang="en-US" sz="1800" dirty="0"/>
+              <a:t>GPIO</a:t>
+            </a:r>
+          </a:p>
+          <a:p>
+            <a:pPr lvl="1">
+              <a:lnSpc>
+                <a:spcPct val="110000"/>
+              </a:lnSpc>
+            </a:pPr>
+            <a:r>
+              <a:rPr lang="en-US" sz="1800" dirty="0"/>
+              <a:t>ADC</a:t>
+            </a:r>
+          </a:p>
+          <a:p>
+            <a:pPr lvl="1">
+              <a:lnSpc>
+                <a:spcPct val="110000"/>
+              </a:lnSpc>
+            </a:pPr>
+            <a:r>
+              <a:rPr lang="en-US" sz="1800" dirty="0"/>
+              <a:t>DAC</a:t>
+            </a:r>
+          </a:p>
+          <a:p>
+            <a:pPr lvl="1">
+              <a:lnSpc>
+                <a:spcPct val="110000"/>
+              </a:lnSpc>
+            </a:pPr>
+            <a:r>
+              <a:rPr lang="en-US" sz="1800" dirty="0"/>
+              <a:t>UART</a:t>
+            </a:r>
+          </a:p>
+          <a:p>
+            <a:pPr lvl="1">
+              <a:lnSpc>
+                <a:spcPct val="110000"/>
+              </a:lnSpc>
+            </a:pPr>
+            <a:r>
+              <a:rPr lang="en-US" sz="1800" dirty="0"/>
+              <a:t>Timer/CCP</a:t>
+            </a:r>
+          </a:p>
+          <a:p>
+            <a:pPr lvl="1">
+              <a:lnSpc>
+                <a:spcPct val="110000"/>
+              </a:lnSpc>
+            </a:pPr>
+            <a:r>
+              <a:rPr lang="en-US" sz="1800" dirty="0"/>
+              <a:t>RTC</a:t>
+            </a:r>
+          </a:p>
+        </p:txBody>
+      </p:sp>
+    </p:spTree>
+    <p:extLst>
+      <p:ext uri="{BB962C8B-B14F-4D97-AF65-F5344CB8AC3E}">
+        <p14:creationId xmlns:p14="http://schemas.microsoft.com/office/powerpoint/2010/main" val="948141138"/>
+      </p:ext>
+    </p:extLst>
+  </p:cSld>
+  <p:clrMapOvr>
+    <a:masterClrMapping/>
+  </p:clrMapOvr>
+</p:sld>
+</file>
+
+<file path=ppt/slides/slide20.xml><?xml version="1.0" encoding="utf-8"?>
+<p:sld xmlns:a="http://schemas.openxmlformats.org/drawingml/2006/main" xmlns:r="http://schemas.openxmlformats.org/officeDocument/2006/relationships" xmlns:p="http://schemas.openxmlformats.org/presentationml/2006/main">
+  <p:cSld>
+    <p:spTree>
+      <p:nvGrpSpPr>
+        <p:cNvPr id="1" name=""/>
+        <p:cNvGrpSpPr/>
+        <p:nvPr/>
+      </p:nvGrpSpPr>
+      <p:grpSpPr>
+        <a:xfrm>
+          <a:off x="0" y="0"/>
+          <a:ext cx="0" cy="0"/>
+          <a:chOff x="0" y="0"/>
+          <a:chExt cx="0" cy="0"/>
+        </a:xfrm>
+      </p:grpSpPr>
+      <p:sp>
+        <p:nvSpPr>
+          <p:cNvPr id="2" name="Title 1">
+            <a:extLst>
+              <a:ext uri="{FF2B5EF4-FFF2-40B4-BE49-F238E27FC236}">
                 <a16:creationId xmlns:a16="http://schemas.microsoft.com/office/drawing/2014/main" id="{F1C6B499-852C-82B5-AF66-55580F06B3CD}"/>
               </a:ext>
             </a:extLst>
@@ -15289,7 +15800,7 @@
 </p:sld>
 </file>
 
-<file path=ppt/slides/slide19.xml><?xml version="1.0" encoding="utf-8"?>
+<file path=ppt/slides/slide21.xml><?xml version="1.0" encoding="utf-8"?>
 <p:sld xmlns:a="http://schemas.openxmlformats.org/drawingml/2006/main" xmlns:r="http://schemas.openxmlformats.org/officeDocument/2006/relationships" xmlns:p="http://schemas.openxmlformats.org/presentationml/2006/main">
   <p:cSld>
     <p:bg>
@@ -15418,240 +15929,7 @@
 </p:sld>
 </file>
 
-<file path=ppt/slides/slide2.xml><?xml version="1.0" encoding="utf-8"?>
-<p:sld xmlns:a="http://schemas.openxmlformats.org/drawingml/2006/main" xmlns:r="http://schemas.openxmlformats.org/officeDocument/2006/relationships" xmlns:p="http://schemas.openxmlformats.org/presentationml/2006/main">
-  <p:cSld>
-    <p:bg>
-      <p:bgPr>
-        <a:solidFill>
-          <a:schemeClr val="bg2"/>
-        </a:solidFill>
-        <a:effectLst/>
-      </p:bgPr>
-    </p:bg>
-    <p:spTree>
-      <p:nvGrpSpPr>
-        <p:cNvPr id="1" name=""/>
-        <p:cNvGrpSpPr/>
-        <p:nvPr/>
-      </p:nvGrpSpPr>
-      <p:grpSpPr>
-        <a:xfrm>
-          <a:off x="0" y="0"/>
-          <a:ext cx="0" cy="0"/>
-          <a:chOff x="0" y="0"/>
-          <a:chExt cx="0" cy="0"/>
-        </a:xfrm>
-      </p:grpSpPr>
-      <p:sp>
-        <p:nvSpPr>
-          <p:cNvPr id="2" name="Title 1">
-            <a:extLst>
-              <a:ext uri="{FF2B5EF4-FFF2-40B4-BE49-F238E27FC236}">
-                <a16:creationId xmlns:a16="http://schemas.microsoft.com/office/drawing/2014/main" id="{3FF4809A-D7D1-24A9-081F-84109579FCF4}"/>
-              </a:ext>
-            </a:extLst>
-          </p:cNvPr>
-          <p:cNvSpPr>
-            <a:spLocks noGrp="1"/>
-          </p:cNvSpPr>
-          <p:nvPr>
-            <p:ph type="title"/>
-          </p:nvPr>
-        </p:nvSpPr>
-        <p:spPr>
-          <a:xfrm>
-            <a:off x="1019015" y="1093787"/>
-            <a:ext cx="3059969" cy="4697413"/>
-          </a:xfrm>
-        </p:spPr>
-        <p:txBody>
-          <a:bodyPr>
-            <a:normAutofit/>
-          </a:bodyPr>
-          <a:lstStyle/>
-          <a:p>
-            <a:r>
-              <a:rPr lang="en-US" dirty="0"/>
-              <a:t>Index</a:t>
-            </a:r>
-          </a:p>
-        </p:txBody>
-      </p:sp>
-      <p:sp>
-        <p:nvSpPr>
-          <p:cNvPr id="3" name="Content Placeholder 2">
-            <a:extLst>
-              <a:ext uri="{FF2B5EF4-FFF2-40B4-BE49-F238E27FC236}">
-                <a16:creationId xmlns:a16="http://schemas.microsoft.com/office/drawing/2014/main" id="{DD9900B4-E608-3F41-1A77-13B0FB1E051A}"/>
-              </a:ext>
-            </a:extLst>
-          </p:cNvPr>
-          <p:cNvSpPr>
-            <a:spLocks noGrp="1"/>
-          </p:cNvSpPr>
-          <p:nvPr>
-            <p:ph idx="1"/>
-          </p:nvPr>
-        </p:nvSpPr>
-        <p:spPr>
-          <a:xfrm>
-            <a:off x="5215467" y="1093788"/>
-            <a:ext cx="5831944" cy="4697413"/>
-          </a:xfrm>
-        </p:spPr>
-        <p:txBody>
-          <a:bodyPr>
-            <a:noAutofit/>
-          </a:bodyPr>
-          <a:lstStyle/>
-          <a:p>
-            <a:pPr marL="457200" indent="-457200">
-              <a:lnSpc>
-                <a:spcPct val="110000"/>
-              </a:lnSpc>
-              <a:buFont typeface="+mj-lt"/>
-              <a:buAutoNum type="arabicPeriod"/>
-            </a:pPr>
-            <a:r>
-              <a:rPr lang="en-US" sz="2000" dirty="0"/>
-              <a:t>C and assembly languages</a:t>
-            </a:r>
-          </a:p>
-          <a:p>
-            <a:pPr marL="457200" indent="-457200">
-              <a:lnSpc>
-                <a:spcPct val="110000"/>
-              </a:lnSpc>
-              <a:buFont typeface="+mj-lt"/>
-              <a:buAutoNum type="arabicPeriod"/>
-            </a:pPr>
-            <a:r>
-              <a:rPr lang="en-US" sz="2000" dirty="0"/>
-              <a:t>Memory </a:t>
-            </a:r>
-          </a:p>
-          <a:p>
-            <a:pPr marL="457200" indent="-457200">
-              <a:lnSpc>
-                <a:spcPct val="110000"/>
-              </a:lnSpc>
-              <a:buFont typeface="+mj-lt"/>
-              <a:buAutoNum type="arabicPeriod"/>
-            </a:pPr>
-            <a:r>
-              <a:rPr lang="en-US" sz="2000" dirty="0"/>
-              <a:t>Startup Process</a:t>
-            </a:r>
-          </a:p>
-          <a:p>
-            <a:pPr marL="457200" indent="-457200">
-              <a:lnSpc>
-                <a:spcPct val="110000"/>
-              </a:lnSpc>
-              <a:buFont typeface="+mj-lt"/>
-              <a:buAutoNum type="arabicPeriod"/>
-            </a:pPr>
-            <a:r>
-              <a:rPr lang="en-US" sz="2000" dirty="0"/>
-              <a:t>Interrupts</a:t>
-            </a:r>
-          </a:p>
-          <a:p>
-            <a:pPr marL="457200" indent="-457200">
-              <a:lnSpc>
-                <a:spcPct val="110000"/>
-              </a:lnSpc>
-              <a:buFont typeface="+mj-lt"/>
-              <a:buAutoNum type="arabicPeriod"/>
-            </a:pPr>
-            <a:r>
-              <a:rPr lang="en-US" sz="2000" dirty="0"/>
-              <a:t>Peripherals</a:t>
-            </a:r>
-          </a:p>
-          <a:p>
-            <a:pPr lvl="1">
-              <a:lnSpc>
-                <a:spcPct val="110000"/>
-              </a:lnSpc>
-            </a:pPr>
-            <a:r>
-              <a:rPr lang="en-US" sz="1800" dirty="0"/>
-              <a:t>GPIO</a:t>
-            </a:r>
-          </a:p>
-          <a:p>
-            <a:pPr lvl="1">
-              <a:lnSpc>
-                <a:spcPct val="110000"/>
-              </a:lnSpc>
-            </a:pPr>
-            <a:r>
-              <a:rPr lang="en-US" sz="1800" dirty="0"/>
-              <a:t>ADC</a:t>
-            </a:r>
-          </a:p>
-          <a:p>
-            <a:pPr lvl="1">
-              <a:lnSpc>
-                <a:spcPct val="110000"/>
-              </a:lnSpc>
-            </a:pPr>
-            <a:r>
-              <a:rPr lang="en-US" sz="1800" dirty="0"/>
-              <a:t>DAC</a:t>
-            </a:r>
-          </a:p>
-          <a:p>
-            <a:pPr lvl="1">
-              <a:lnSpc>
-                <a:spcPct val="110000"/>
-              </a:lnSpc>
-            </a:pPr>
-            <a:r>
-              <a:rPr lang="en-US" sz="1800" dirty="0"/>
-              <a:t>UART</a:t>
-            </a:r>
-          </a:p>
-          <a:p>
-            <a:pPr lvl="1">
-              <a:lnSpc>
-                <a:spcPct val="110000"/>
-              </a:lnSpc>
-            </a:pPr>
-            <a:r>
-              <a:rPr lang="en-US" sz="1800" dirty="0"/>
-              <a:t>Timer/CCP</a:t>
-            </a:r>
-          </a:p>
-          <a:p>
-            <a:pPr lvl="1">
-              <a:lnSpc>
-                <a:spcPct val="110000"/>
-              </a:lnSpc>
-            </a:pPr>
-            <a:r>
-              <a:rPr lang="en-US" sz="1800" dirty="0"/>
-              <a:t>RTC</a:t>
-            </a:r>
-          </a:p>
-        </p:txBody>
-      </p:sp>
-    </p:spTree>
-    <p:extLst>
-      <p:ext uri="{BB962C8B-B14F-4D97-AF65-F5344CB8AC3E}">
-        <p14:creationId xmlns:p14="http://schemas.microsoft.com/office/powerpoint/2010/main" val="3843519977"/>
-      </p:ext>
-    </p:extLst>
-  </p:cSld>
-  <p:clrMapOvr>
-    <a:masterClrMapping/>
-  </p:clrMapOvr>
-</p:sld>
-</file>
-
-<file path=ppt/slides/slide20.xml><?xml version="1.0" encoding="utf-8"?>
+<file path=ppt/slides/slide22.xml><?xml version="1.0" encoding="utf-8"?>
 <p:sld xmlns:a="http://schemas.openxmlformats.org/drawingml/2006/main" xmlns:r="http://schemas.openxmlformats.org/officeDocument/2006/relationships" xmlns:p="http://schemas.openxmlformats.org/presentationml/2006/main">
   <p:cSld>
     <p:spTree>
@@ -15789,7 +16067,7 @@
 </p:sld>
 </file>
 
-<file path=ppt/slides/slide21.xml><?xml version="1.0" encoding="utf-8"?>
+<file path=ppt/slides/slide23.xml><?xml version="1.0" encoding="utf-8"?>
 <p:sld xmlns:a="http://schemas.openxmlformats.org/drawingml/2006/main" xmlns:r="http://schemas.openxmlformats.org/officeDocument/2006/relationships" xmlns:p="http://schemas.openxmlformats.org/presentationml/2006/main">
   <p:cSld>
     <p:spTree>
@@ -15945,7 +16223,7 @@
 </p:sld>
 </file>
 
-<file path=ppt/slides/slide22.xml><?xml version="1.0" encoding="utf-8"?>
+<file path=ppt/slides/slide24.xml><?xml version="1.0" encoding="utf-8"?>
 <p:sld xmlns:a="http://schemas.openxmlformats.org/drawingml/2006/main" xmlns:r="http://schemas.openxmlformats.org/officeDocument/2006/relationships" xmlns:p="http://schemas.openxmlformats.org/presentationml/2006/main">
   <p:cSld>
     <p:spTree>
@@ -16080,7 +16358,7 @@
 </p:sld>
 </file>
 
-<file path=ppt/slides/slide23.xml><?xml version="1.0" encoding="utf-8"?>
+<file path=ppt/slides/slide25.xml><?xml version="1.0" encoding="utf-8"?>
 <p:sld xmlns:a="http://schemas.openxmlformats.org/drawingml/2006/main" xmlns:r="http://schemas.openxmlformats.org/officeDocument/2006/relationships" xmlns:p="http://schemas.openxmlformats.org/presentationml/2006/main">
   <p:cSld>
     <p:spTree>
@@ -16186,7 +16464,7 @@
 </p:sld>
 </file>
 
-<file path=ppt/slides/slide24.xml><?xml version="1.0" encoding="utf-8"?>
+<file path=ppt/slides/slide26.xml><?xml version="1.0" encoding="utf-8"?>
 <p:sld xmlns:a="http://schemas.openxmlformats.org/drawingml/2006/main" xmlns:r="http://schemas.openxmlformats.org/officeDocument/2006/relationships" xmlns:p="http://schemas.openxmlformats.org/presentationml/2006/main">
   <p:cSld>
     <p:spTree>
@@ -16335,7 +16613,7 @@
 </p:sld>
 </file>
 
-<file path=ppt/slides/slide25.xml><?xml version="1.0" encoding="utf-8"?>
+<file path=ppt/slides/slide27.xml><?xml version="1.0" encoding="utf-8"?>
 <p:sld xmlns:a="http://schemas.openxmlformats.org/drawingml/2006/main" xmlns:r="http://schemas.openxmlformats.org/officeDocument/2006/relationships" xmlns:p="http://schemas.openxmlformats.org/presentationml/2006/main">
   <p:cSld>
     <p:spTree>
@@ -16500,7 +16778,7 @@
 </p:sld>
 </file>
 
-<file path=ppt/slides/slide26.xml><?xml version="1.0" encoding="utf-8"?>
+<file path=ppt/slides/slide28.xml><?xml version="1.0" encoding="utf-8"?>
 <p:sld xmlns:a="http://schemas.openxmlformats.org/drawingml/2006/main" xmlns:r="http://schemas.openxmlformats.org/officeDocument/2006/relationships" xmlns:p="http://schemas.openxmlformats.org/presentationml/2006/main">
   <p:cSld>
     <p:bg>
@@ -16803,7 +17081,7 @@
 </p:sld>
 </file>
 
-<file path=ppt/slides/slide27.xml><?xml version="1.0" encoding="utf-8"?>
+<file path=ppt/slides/slide29.xml><?xml version="1.0" encoding="utf-8"?>
 <p:sld xmlns:a="http://schemas.openxmlformats.org/drawingml/2006/main" xmlns:r="http://schemas.openxmlformats.org/officeDocument/2006/relationships" xmlns:p="http://schemas.openxmlformats.org/presentationml/2006/main">
   <p:cSld>
     <p:spTree>
@@ -17146,775 +17424,6 @@
     <p:extLst>
       <p:ext uri="{BB962C8B-B14F-4D97-AF65-F5344CB8AC3E}">
         <p14:creationId xmlns:p14="http://schemas.microsoft.com/office/powerpoint/2010/main" val="1477878860"/>
-      </p:ext>
-    </p:extLst>
-  </p:cSld>
-  <p:clrMapOvr>
-    <a:masterClrMapping/>
-  </p:clrMapOvr>
-</p:sld>
-</file>
-
-<file path=ppt/slides/slide28.xml><?xml version="1.0" encoding="utf-8"?>
-<p:sld xmlns:a="http://schemas.openxmlformats.org/drawingml/2006/main" xmlns:r="http://schemas.openxmlformats.org/officeDocument/2006/relationships" xmlns:p="http://schemas.openxmlformats.org/presentationml/2006/main">
-  <p:cSld>
-    <p:spTree>
-      <p:nvGrpSpPr>
-        <p:cNvPr id="1" name=""/>
-        <p:cNvGrpSpPr/>
-        <p:nvPr/>
-      </p:nvGrpSpPr>
-      <p:grpSpPr>
-        <a:xfrm>
-          <a:off x="0" y="0"/>
-          <a:ext cx="0" cy="0"/>
-          <a:chOff x="0" y="0"/>
-          <a:chExt cx="0" cy="0"/>
-        </a:xfrm>
-      </p:grpSpPr>
-      <p:sp>
-        <p:nvSpPr>
-          <p:cNvPr id="2" name="Title 1">
-            <a:extLst>
-              <a:ext uri="{FF2B5EF4-FFF2-40B4-BE49-F238E27FC236}">
-                <a16:creationId xmlns:a16="http://schemas.microsoft.com/office/drawing/2014/main" id="{82314533-667E-EEF4-A76A-6F86F9050724}"/>
-              </a:ext>
-            </a:extLst>
-          </p:cNvPr>
-          <p:cNvSpPr>
-            <a:spLocks noGrp="1"/>
-          </p:cNvSpPr>
-          <p:nvPr>
-            <p:ph type="title"/>
-          </p:nvPr>
-        </p:nvSpPr>
-        <p:spPr/>
-        <p:txBody>
-          <a:bodyPr/>
-          <a:lstStyle/>
-          <a:p>
-            <a:r>
-              <a:rPr lang="en-US" dirty="0"/>
-              <a:t>ES32-C3 STARTUP PROCESS</a:t>
-            </a:r>
-          </a:p>
-        </p:txBody>
-      </p:sp>
-      <p:sp>
-        <p:nvSpPr>
-          <p:cNvPr id="3" name="Content Placeholder 2">
-            <a:extLst>
-              <a:ext uri="{FF2B5EF4-FFF2-40B4-BE49-F238E27FC236}">
-                <a16:creationId xmlns:a16="http://schemas.microsoft.com/office/drawing/2014/main" id="{FB55BD32-B40F-3B7C-B2E9-E4F124EE47E6}"/>
-              </a:ext>
-            </a:extLst>
-          </p:cNvPr>
-          <p:cNvSpPr>
-            <a:spLocks noGrp="1"/>
-          </p:cNvSpPr>
-          <p:nvPr>
-            <p:ph idx="1"/>
-          </p:nvPr>
-        </p:nvSpPr>
-        <p:spPr>
-          <a:xfrm>
-            <a:off x="1141412" y="2249487"/>
-            <a:ext cx="7024578" cy="3541714"/>
-          </a:xfrm>
-        </p:spPr>
-        <p:txBody>
-          <a:bodyPr/>
-          <a:lstStyle/>
-          <a:p>
-            <a:pPr marL="0" indent="0">
-              <a:buNone/>
-            </a:pPr>
-            <a:r>
-              <a:rPr lang="en-US" dirty="0"/>
-              <a:t>2.  Second Stage Bootloader:</a:t>
-            </a:r>
-          </a:p>
-          <a:p>
-            <a:pPr lvl="1"/>
-            <a:r>
-              <a:rPr lang="en-US" dirty="0"/>
-              <a:t>Minimal configuration of internal modules.</a:t>
-            </a:r>
-          </a:p>
-          <a:p>
-            <a:pPr lvl="1"/>
-            <a:r>
-              <a:rPr lang="en-US" dirty="0"/>
-              <a:t>Initializes FLASH encryption and secure features (If enabled).</a:t>
-            </a:r>
-          </a:p>
-          <a:p>
-            <a:pPr lvl="1"/>
-            <a:r>
-              <a:rPr lang="en-US" dirty="0"/>
-              <a:t>Select application partition to boot.</a:t>
-            </a:r>
-          </a:p>
-          <a:p>
-            <a:pPr lvl="1"/>
-            <a:r>
-              <a:rPr lang="en-US" dirty="0"/>
-              <a:t>Load image to RAM </a:t>
-            </a:r>
-          </a:p>
-          <a:p>
-            <a:pPr lvl="1"/>
-            <a:r>
-              <a:rPr lang="en-US" dirty="0"/>
-              <a:t>Verify integrity of the application and jumps to main app.</a:t>
-            </a:r>
-          </a:p>
-          <a:p>
-            <a:pPr lvl="1"/>
-            <a:endParaRPr lang="en-US" dirty="0"/>
-          </a:p>
-        </p:txBody>
-      </p:sp>
-      <p:sp>
-        <p:nvSpPr>
-          <p:cNvPr id="4" name="Rectangle 3">
-            <a:extLst>
-              <a:ext uri="{FF2B5EF4-FFF2-40B4-BE49-F238E27FC236}">
-                <a16:creationId xmlns:a16="http://schemas.microsoft.com/office/drawing/2014/main" id="{22795DFA-E86E-F6EE-E852-C22DB2884553}"/>
-              </a:ext>
-            </a:extLst>
-          </p:cNvPr>
-          <p:cNvSpPr/>
-          <p:nvPr/>
-        </p:nvSpPr>
-        <p:spPr>
-          <a:xfrm>
-            <a:off x="8785334" y="1572610"/>
-            <a:ext cx="1706618" cy="851338"/>
-          </a:xfrm>
-          <a:prstGeom prst="rect">
-            <a:avLst/>
-          </a:prstGeom>
-          <a:ln w="12700"/>
-        </p:spPr>
-        <p:style>
-          <a:lnRef idx="2">
-            <a:schemeClr val="accent1">
-              <a:shade val="50000"/>
-            </a:schemeClr>
-          </a:lnRef>
-          <a:fillRef idx="1">
-            <a:schemeClr val="accent1"/>
-          </a:fillRef>
-          <a:effectRef idx="0">
-            <a:schemeClr val="accent1"/>
-          </a:effectRef>
-          <a:fontRef idx="minor">
-            <a:schemeClr val="lt1"/>
-          </a:fontRef>
-        </p:style>
-        <p:txBody>
-          <a:bodyPr rtlCol="0" anchor="ctr"/>
-          <a:lstStyle/>
-          <a:p>
-            <a:pPr algn="ctr"/>
-            <a:r>
-              <a:rPr lang="en-US" dirty="0"/>
-              <a:t>First Stage Bootloader</a:t>
-            </a:r>
-          </a:p>
-        </p:txBody>
-      </p:sp>
-      <p:sp>
-        <p:nvSpPr>
-          <p:cNvPr id="5" name="Rectangle 4">
-            <a:extLst>
-              <a:ext uri="{FF2B5EF4-FFF2-40B4-BE49-F238E27FC236}">
-                <a16:creationId xmlns:a16="http://schemas.microsoft.com/office/drawing/2014/main" id="{AEE04AD0-B6D6-EFAE-D765-2702EE24A0E8}"/>
-              </a:ext>
-            </a:extLst>
-          </p:cNvPr>
-          <p:cNvSpPr/>
-          <p:nvPr/>
-        </p:nvSpPr>
-        <p:spPr>
-          <a:xfrm>
-            <a:off x="8785334" y="2728748"/>
-            <a:ext cx="1706618" cy="851338"/>
-          </a:xfrm>
-          <a:prstGeom prst="rect">
-            <a:avLst/>
-          </a:prstGeom>
-          <a:ln w="76200"/>
-        </p:spPr>
-        <p:style>
-          <a:lnRef idx="2">
-            <a:schemeClr val="accent1">
-              <a:shade val="50000"/>
-            </a:schemeClr>
-          </a:lnRef>
-          <a:fillRef idx="1">
-            <a:schemeClr val="accent1"/>
-          </a:fillRef>
-          <a:effectRef idx="0">
-            <a:schemeClr val="accent1"/>
-          </a:effectRef>
-          <a:fontRef idx="minor">
-            <a:schemeClr val="lt1"/>
-          </a:fontRef>
-        </p:style>
-        <p:txBody>
-          <a:bodyPr rtlCol="0" anchor="ctr"/>
-          <a:lstStyle/>
-          <a:p>
-            <a:pPr algn="ctr"/>
-            <a:r>
-              <a:rPr lang="en-US" dirty="0"/>
-              <a:t>Second Stage Bootloader</a:t>
-            </a:r>
-          </a:p>
-        </p:txBody>
-      </p:sp>
-      <p:sp>
-        <p:nvSpPr>
-          <p:cNvPr id="6" name="Rectangle 5">
-            <a:extLst>
-              <a:ext uri="{FF2B5EF4-FFF2-40B4-BE49-F238E27FC236}">
-                <a16:creationId xmlns:a16="http://schemas.microsoft.com/office/drawing/2014/main" id="{6184B33C-0371-2291-BBF7-CF2EE434AB02}"/>
-              </a:ext>
-            </a:extLst>
-          </p:cNvPr>
-          <p:cNvSpPr/>
-          <p:nvPr/>
-        </p:nvSpPr>
-        <p:spPr>
-          <a:xfrm>
-            <a:off x="8785334" y="3884886"/>
-            <a:ext cx="1706618" cy="851338"/>
-          </a:xfrm>
-          <a:prstGeom prst="rect">
-            <a:avLst/>
-          </a:prstGeom>
-        </p:spPr>
-        <p:style>
-          <a:lnRef idx="2">
-            <a:schemeClr val="accent1">
-              <a:shade val="50000"/>
-            </a:schemeClr>
-          </a:lnRef>
-          <a:fillRef idx="1">
-            <a:schemeClr val="accent1"/>
-          </a:fillRef>
-          <a:effectRef idx="0">
-            <a:schemeClr val="accent1"/>
-          </a:effectRef>
-          <a:fontRef idx="minor">
-            <a:schemeClr val="lt1"/>
-          </a:fontRef>
-        </p:style>
-        <p:txBody>
-          <a:bodyPr rtlCol="0" anchor="ctr"/>
-          <a:lstStyle/>
-          <a:p>
-            <a:pPr algn="ctr"/>
-            <a:r>
-              <a:rPr lang="en-US" dirty="0"/>
-              <a:t>Application Startup</a:t>
-            </a:r>
-          </a:p>
-        </p:txBody>
-      </p:sp>
-      <p:cxnSp>
-        <p:nvCxnSpPr>
-          <p:cNvPr id="7" name="Straight Arrow Connector 6">
-            <a:extLst>
-              <a:ext uri="{FF2B5EF4-FFF2-40B4-BE49-F238E27FC236}">
-                <a16:creationId xmlns:a16="http://schemas.microsoft.com/office/drawing/2014/main" id="{0D17C71B-0F75-9B6A-5268-C8FEF7C16952}"/>
-              </a:ext>
-            </a:extLst>
-          </p:cNvPr>
-          <p:cNvCxnSpPr>
-            <a:stCxn id="4" idx="2"/>
-            <a:endCxn id="5" idx="0"/>
-          </p:cNvCxnSpPr>
-          <p:nvPr/>
-        </p:nvCxnSpPr>
-        <p:spPr>
-          <a:xfrm>
-            <a:off x="9638643" y="2423948"/>
-            <a:ext cx="0" cy="304800"/>
-          </a:xfrm>
-          <a:prstGeom prst="straightConnector1">
-            <a:avLst/>
-          </a:prstGeom>
-          <a:ln>
-            <a:tailEnd type="triangle"/>
-          </a:ln>
-        </p:spPr>
-        <p:style>
-          <a:lnRef idx="1">
-            <a:schemeClr val="accent1"/>
-          </a:lnRef>
-          <a:fillRef idx="0">
-            <a:schemeClr val="accent1"/>
-          </a:fillRef>
-          <a:effectRef idx="0">
-            <a:schemeClr val="accent1"/>
-          </a:effectRef>
-          <a:fontRef idx="minor">
-            <a:schemeClr val="tx1"/>
-          </a:fontRef>
-        </p:style>
-      </p:cxnSp>
-      <p:cxnSp>
-        <p:nvCxnSpPr>
-          <p:cNvPr id="8" name="Straight Arrow Connector 7">
-            <a:extLst>
-              <a:ext uri="{FF2B5EF4-FFF2-40B4-BE49-F238E27FC236}">
-                <a16:creationId xmlns:a16="http://schemas.microsoft.com/office/drawing/2014/main" id="{BFBDA7A6-8399-C876-9C5A-B1769E86E1C6}"/>
-              </a:ext>
-            </a:extLst>
-          </p:cNvPr>
-          <p:cNvCxnSpPr>
-            <a:cxnSpLocks/>
-            <a:stCxn id="5" idx="2"/>
-            <a:endCxn id="6" idx="0"/>
-          </p:cNvCxnSpPr>
-          <p:nvPr/>
-        </p:nvCxnSpPr>
-        <p:spPr>
-          <a:xfrm>
-            <a:off x="9638643" y="3580086"/>
-            <a:ext cx="0" cy="304800"/>
-          </a:xfrm>
-          <a:prstGeom prst="straightConnector1">
-            <a:avLst/>
-          </a:prstGeom>
-          <a:ln>
-            <a:tailEnd type="triangle"/>
-          </a:ln>
-        </p:spPr>
-        <p:style>
-          <a:lnRef idx="1">
-            <a:schemeClr val="accent1"/>
-          </a:lnRef>
-          <a:fillRef idx="0">
-            <a:schemeClr val="accent1"/>
-          </a:fillRef>
-          <a:effectRef idx="0">
-            <a:schemeClr val="accent1"/>
-          </a:effectRef>
-          <a:fontRef idx="minor">
-            <a:schemeClr val="tx1"/>
-          </a:fontRef>
-        </p:style>
-      </p:cxnSp>
-    </p:spTree>
-    <p:extLst>
-      <p:ext uri="{BB962C8B-B14F-4D97-AF65-F5344CB8AC3E}">
-        <p14:creationId xmlns:p14="http://schemas.microsoft.com/office/powerpoint/2010/main" val="2716480474"/>
-      </p:ext>
-    </p:extLst>
-  </p:cSld>
-  <p:clrMapOvr>
-    <a:masterClrMapping/>
-  </p:clrMapOvr>
-</p:sld>
-</file>
-
-<file path=ppt/slides/slide29.xml><?xml version="1.0" encoding="utf-8"?>
-<p:sld xmlns:a="http://schemas.openxmlformats.org/drawingml/2006/main" xmlns:r="http://schemas.openxmlformats.org/officeDocument/2006/relationships" xmlns:p="http://schemas.openxmlformats.org/presentationml/2006/main">
-  <p:cSld>
-    <p:spTree>
-      <p:nvGrpSpPr>
-        <p:cNvPr id="1" name=""/>
-        <p:cNvGrpSpPr/>
-        <p:nvPr/>
-      </p:nvGrpSpPr>
-      <p:grpSpPr>
-        <a:xfrm>
-          <a:off x="0" y="0"/>
-          <a:ext cx="0" cy="0"/>
-          <a:chOff x="0" y="0"/>
-          <a:chExt cx="0" cy="0"/>
-        </a:xfrm>
-      </p:grpSpPr>
-      <p:sp>
-        <p:nvSpPr>
-          <p:cNvPr id="2" name="Title 1">
-            <a:extLst>
-              <a:ext uri="{FF2B5EF4-FFF2-40B4-BE49-F238E27FC236}">
-                <a16:creationId xmlns:a16="http://schemas.microsoft.com/office/drawing/2014/main" id="{82314533-667E-EEF4-A76A-6F86F9050724}"/>
-              </a:ext>
-            </a:extLst>
-          </p:cNvPr>
-          <p:cNvSpPr>
-            <a:spLocks noGrp="1"/>
-          </p:cNvSpPr>
-          <p:nvPr>
-            <p:ph type="title"/>
-          </p:nvPr>
-        </p:nvSpPr>
-        <p:spPr/>
-        <p:txBody>
-          <a:bodyPr/>
-          <a:lstStyle/>
-          <a:p>
-            <a:r>
-              <a:rPr lang="en-US" dirty="0"/>
-              <a:t>ES32-C3 STARTUP PROCESS</a:t>
-            </a:r>
-          </a:p>
-        </p:txBody>
-      </p:sp>
-      <p:sp>
-        <p:nvSpPr>
-          <p:cNvPr id="3" name="Content Placeholder 2">
-            <a:extLst>
-              <a:ext uri="{FF2B5EF4-FFF2-40B4-BE49-F238E27FC236}">
-                <a16:creationId xmlns:a16="http://schemas.microsoft.com/office/drawing/2014/main" id="{FB55BD32-B40F-3B7C-B2E9-E4F124EE47E6}"/>
-              </a:ext>
-            </a:extLst>
-          </p:cNvPr>
-          <p:cNvSpPr>
-            <a:spLocks noGrp="1"/>
-          </p:cNvSpPr>
-          <p:nvPr>
-            <p:ph idx="1"/>
-          </p:nvPr>
-        </p:nvSpPr>
-        <p:spPr>
-          <a:xfrm>
-            <a:off x="1141412" y="2249487"/>
-            <a:ext cx="7024578" cy="3541714"/>
-          </a:xfrm>
-        </p:spPr>
-        <p:txBody>
-          <a:bodyPr>
-            <a:normAutofit fontScale="92500" lnSpcReduction="10000"/>
-          </a:bodyPr>
-          <a:lstStyle/>
-          <a:p>
-            <a:pPr marL="0" indent="0">
-              <a:buNone/>
-            </a:pPr>
-            <a:r>
-              <a:rPr lang="en-US" dirty="0"/>
-              <a:t>3. Application Startup:</a:t>
-            </a:r>
-          </a:p>
-          <a:p>
-            <a:pPr lvl="1"/>
-            <a:r>
-              <a:rPr lang="en-US" dirty="0"/>
-              <a:t>Clocks are configured</a:t>
-            </a:r>
-          </a:p>
-          <a:p>
-            <a:pPr lvl="1"/>
-            <a:r>
-              <a:rPr lang="en-US" dirty="0"/>
-              <a:t>Initialize memory data (.data and .</a:t>
-            </a:r>
-            <a:r>
-              <a:rPr lang="en-US" dirty="0" err="1"/>
-              <a:t>bss</a:t>
-            </a:r>
-            <a:r>
-              <a:rPr lang="en-US" dirty="0"/>
-              <a:t>).</a:t>
-            </a:r>
-          </a:p>
-          <a:p>
-            <a:pPr lvl="1"/>
-            <a:r>
-              <a:rPr lang="en-US" dirty="0"/>
-              <a:t>SPI flash is reconfigured.</a:t>
-            </a:r>
-          </a:p>
-          <a:p>
-            <a:pPr lvl="1"/>
-            <a:r>
-              <a:rPr lang="en-US" dirty="0"/>
-              <a:t>MMU is configured.</a:t>
-            </a:r>
-          </a:p>
-          <a:p>
-            <a:pPr lvl="1"/>
-            <a:r>
-              <a:rPr lang="en-US" dirty="0"/>
-              <a:t>Configures brown out detector.</a:t>
-            </a:r>
-          </a:p>
-          <a:p>
-            <a:pPr lvl="1"/>
-            <a:r>
-              <a:rPr lang="en-US" dirty="0"/>
-              <a:t>Initialize serial console.</a:t>
-            </a:r>
-          </a:p>
-          <a:p>
-            <a:pPr lvl="1"/>
-            <a:r>
-              <a:rPr lang="en-US" dirty="0"/>
-              <a:t>Create main task and run scheduler.</a:t>
-            </a:r>
-          </a:p>
-          <a:p>
-            <a:pPr lvl="1"/>
-            <a:r>
-              <a:rPr lang="en-US" dirty="0" err="1"/>
-              <a:t>app_main</a:t>
-            </a:r>
-            <a:r>
-              <a:rPr lang="en-US" dirty="0"/>
-              <a:t>() function is called.</a:t>
-            </a:r>
-          </a:p>
-          <a:p>
-            <a:pPr lvl="1"/>
-            <a:endParaRPr lang="en-US" dirty="0"/>
-          </a:p>
-        </p:txBody>
-      </p:sp>
-      <p:sp>
-        <p:nvSpPr>
-          <p:cNvPr id="4" name="Rectangle 3">
-            <a:extLst>
-              <a:ext uri="{FF2B5EF4-FFF2-40B4-BE49-F238E27FC236}">
-                <a16:creationId xmlns:a16="http://schemas.microsoft.com/office/drawing/2014/main" id="{B57EFCD3-99EF-B398-D1F0-9B8B8254DBE8}"/>
-              </a:ext>
-            </a:extLst>
-          </p:cNvPr>
-          <p:cNvSpPr/>
-          <p:nvPr/>
-        </p:nvSpPr>
-        <p:spPr>
-          <a:xfrm>
-            <a:off x="8785334" y="1572610"/>
-            <a:ext cx="1706618" cy="851338"/>
-          </a:xfrm>
-          <a:prstGeom prst="rect">
-            <a:avLst/>
-          </a:prstGeom>
-          <a:ln w="12700"/>
-        </p:spPr>
-        <p:style>
-          <a:lnRef idx="2">
-            <a:schemeClr val="accent1">
-              <a:shade val="50000"/>
-            </a:schemeClr>
-          </a:lnRef>
-          <a:fillRef idx="1">
-            <a:schemeClr val="accent1"/>
-          </a:fillRef>
-          <a:effectRef idx="0">
-            <a:schemeClr val="accent1"/>
-          </a:effectRef>
-          <a:fontRef idx="minor">
-            <a:schemeClr val="lt1"/>
-          </a:fontRef>
-        </p:style>
-        <p:txBody>
-          <a:bodyPr rtlCol="0" anchor="ctr"/>
-          <a:lstStyle/>
-          <a:p>
-            <a:pPr algn="ctr"/>
-            <a:r>
-              <a:rPr lang="en-US" dirty="0"/>
-              <a:t>First Stage Bootloader</a:t>
-            </a:r>
-          </a:p>
-        </p:txBody>
-      </p:sp>
-      <p:sp>
-        <p:nvSpPr>
-          <p:cNvPr id="5" name="Rectangle 4">
-            <a:extLst>
-              <a:ext uri="{FF2B5EF4-FFF2-40B4-BE49-F238E27FC236}">
-                <a16:creationId xmlns:a16="http://schemas.microsoft.com/office/drawing/2014/main" id="{17C25286-7830-B326-1109-D5B761AF3272}"/>
-              </a:ext>
-            </a:extLst>
-          </p:cNvPr>
-          <p:cNvSpPr/>
-          <p:nvPr/>
-        </p:nvSpPr>
-        <p:spPr>
-          <a:xfrm>
-            <a:off x="8785334" y="2728748"/>
-            <a:ext cx="1706618" cy="851338"/>
-          </a:xfrm>
-          <a:prstGeom prst="rect">
-            <a:avLst/>
-          </a:prstGeom>
-        </p:spPr>
-        <p:style>
-          <a:lnRef idx="2">
-            <a:schemeClr val="accent1">
-              <a:shade val="50000"/>
-            </a:schemeClr>
-          </a:lnRef>
-          <a:fillRef idx="1">
-            <a:schemeClr val="accent1"/>
-          </a:fillRef>
-          <a:effectRef idx="0">
-            <a:schemeClr val="accent1"/>
-          </a:effectRef>
-          <a:fontRef idx="minor">
-            <a:schemeClr val="lt1"/>
-          </a:fontRef>
-        </p:style>
-        <p:txBody>
-          <a:bodyPr rtlCol="0" anchor="ctr"/>
-          <a:lstStyle/>
-          <a:p>
-            <a:pPr algn="ctr"/>
-            <a:r>
-              <a:rPr lang="en-US" dirty="0"/>
-              <a:t>Second Stage Bootloader</a:t>
-            </a:r>
-          </a:p>
-        </p:txBody>
-      </p:sp>
-      <p:sp>
-        <p:nvSpPr>
-          <p:cNvPr id="6" name="Rectangle 5">
-            <a:extLst>
-              <a:ext uri="{FF2B5EF4-FFF2-40B4-BE49-F238E27FC236}">
-                <a16:creationId xmlns:a16="http://schemas.microsoft.com/office/drawing/2014/main" id="{EC538A80-E722-806F-86D2-CD8F376F3F45}"/>
-              </a:ext>
-            </a:extLst>
-          </p:cNvPr>
-          <p:cNvSpPr/>
-          <p:nvPr/>
-        </p:nvSpPr>
-        <p:spPr>
-          <a:xfrm>
-            <a:off x="8785334" y="3884886"/>
-            <a:ext cx="1706618" cy="851338"/>
-          </a:xfrm>
-          <a:prstGeom prst="rect">
-            <a:avLst/>
-          </a:prstGeom>
-          <a:ln w="76200"/>
-        </p:spPr>
-        <p:style>
-          <a:lnRef idx="2">
-            <a:schemeClr val="accent1">
-              <a:shade val="50000"/>
-            </a:schemeClr>
-          </a:lnRef>
-          <a:fillRef idx="1">
-            <a:schemeClr val="accent1"/>
-          </a:fillRef>
-          <a:effectRef idx="0">
-            <a:schemeClr val="accent1"/>
-          </a:effectRef>
-          <a:fontRef idx="minor">
-            <a:schemeClr val="lt1"/>
-          </a:fontRef>
-        </p:style>
-        <p:txBody>
-          <a:bodyPr rtlCol="0" anchor="ctr"/>
-          <a:lstStyle/>
-          <a:p>
-            <a:pPr algn="ctr"/>
-            <a:r>
-              <a:rPr lang="en-US" dirty="0"/>
-              <a:t>Application Startup</a:t>
-            </a:r>
-          </a:p>
-        </p:txBody>
-      </p:sp>
-      <p:cxnSp>
-        <p:nvCxnSpPr>
-          <p:cNvPr id="7" name="Straight Arrow Connector 6">
-            <a:extLst>
-              <a:ext uri="{FF2B5EF4-FFF2-40B4-BE49-F238E27FC236}">
-                <a16:creationId xmlns:a16="http://schemas.microsoft.com/office/drawing/2014/main" id="{B512EF96-B349-5213-A238-C3131CDA54E7}"/>
-              </a:ext>
-            </a:extLst>
-          </p:cNvPr>
-          <p:cNvCxnSpPr>
-            <a:stCxn id="4" idx="2"/>
-            <a:endCxn id="5" idx="0"/>
-          </p:cNvCxnSpPr>
-          <p:nvPr/>
-        </p:nvCxnSpPr>
-        <p:spPr>
-          <a:xfrm>
-            <a:off x="9638643" y="2423948"/>
-            <a:ext cx="0" cy="304800"/>
-          </a:xfrm>
-          <a:prstGeom prst="straightConnector1">
-            <a:avLst/>
-          </a:prstGeom>
-          <a:ln>
-            <a:tailEnd type="triangle"/>
-          </a:ln>
-        </p:spPr>
-        <p:style>
-          <a:lnRef idx="1">
-            <a:schemeClr val="accent1"/>
-          </a:lnRef>
-          <a:fillRef idx="0">
-            <a:schemeClr val="accent1"/>
-          </a:fillRef>
-          <a:effectRef idx="0">
-            <a:schemeClr val="accent1"/>
-          </a:effectRef>
-          <a:fontRef idx="minor">
-            <a:schemeClr val="tx1"/>
-          </a:fontRef>
-        </p:style>
-      </p:cxnSp>
-      <p:cxnSp>
-        <p:nvCxnSpPr>
-          <p:cNvPr id="8" name="Straight Arrow Connector 7">
-            <a:extLst>
-              <a:ext uri="{FF2B5EF4-FFF2-40B4-BE49-F238E27FC236}">
-                <a16:creationId xmlns:a16="http://schemas.microsoft.com/office/drawing/2014/main" id="{AB6ADC75-E1A0-9D8B-6957-DFFB1EBFE0F2}"/>
-              </a:ext>
-            </a:extLst>
-          </p:cNvPr>
-          <p:cNvCxnSpPr>
-            <a:cxnSpLocks/>
-            <a:stCxn id="5" idx="2"/>
-            <a:endCxn id="6" idx="0"/>
-          </p:cNvCxnSpPr>
-          <p:nvPr/>
-        </p:nvCxnSpPr>
-        <p:spPr>
-          <a:xfrm>
-            <a:off x="9638643" y="3580086"/>
-            <a:ext cx="0" cy="304800"/>
-          </a:xfrm>
-          <a:prstGeom prst="straightConnector1">
-            <a:avLst/>
-          </a:prstGeom>
-          <a:ln>
-            <a:tailEnd type="triangle"/>
-          </a:ln>
-        </p:spPr>
-        <p:style>
-          <a:lnRef idx="1">
-            <a:schemeClr val="accent1"/>
-          </a:lnRef>
-          <a:fillRef idx="0">
-            <a:schemeClr val="accent1"/>
-          </a:fillRef>
-          <a:effectRef idx="0">
-            <a:schemeClr val="accent1"/>
-          </a:effectRef>
-          <a:fontRef idx="minor">
-            <a:schemeClr val="tx1"/>
-          </a:fontRef>
-        </p:style>
-      </p:cxnSp>
-    </p:spTree>
-    <p:extLst>
-      <p:ext uri="{BB962C8B-B14F-4D97-AF65-F5344CB8AC3E}">
-        <p14:creationId xmlns:p14="http://schemas.microsoft.com/office/powerpoint/2010/main" val="935011151"/>
       </p:ext>
     </p:extLst>
   </p:cSld>
@@ -18119,6 +17628,1667 @@
           <p:cNvPr id="2" name="Title 1">
             <a:extLst>
               <a:ext uri="{FF2B5EF4-FFF2-40B4-BE49-F238E27FC236}">
+                <a16:creationId xmlns:a16="http://schemas.microsoft.com/office/drawing/2014/main" id="{82314533-667E-EEF4-A76A-6F86F9050724}"/>
+              </a:ext>
+            </a:extLst>
+          </p:cNvPr>
+          <p:cNvSpPr>
+            <a:spLocks noGrp="1"/>
+          </p:cNvSpPr>
+          <p:nvPr>
+            <p:ph type="title"/>
+          </p:nvPr>
+        </p:nvSpPr>
+        <p:spPr/>
+        <p:txBody>
+          <a:bodyPr/>
+          <a:lstStyle/>
+          <a:p>
+            <a:r>
+              <a:rPr lang="en-US" dirty="0"/>
+              <a:t>ES32-C3 STARTUP PROCESS</a:t>
+            </a:r>
+          </a:p>
+        </p:txBody>
+      </p:sp>
+      <p:sp>
+        <p:nvSpPr>
+          <p:cNvPr id="3" name="Content Placeholder 2">
+            <a:extLst>
+              <a:ext uri="{FF2B5EF4-FFF2-40B4-BE49-F238E27FC236}">
+                <a16:creationId xmlns:a16="http://schemas.microsoft.com/office/drawing/2014/main" id="{FB55BD32-B40F-3B7C-B2E9-E4F124EE47E6}"/>
+              </a:ext>
+            </a:extLst>
+          </p:cNvPr>
+          <p:cNvSpPr>
+            <a:spLocks noGrp="1"/>
+          </p:cNvSpPr>
+          <p:nvPr>
+            <p:ph idx="1"/>
+          </p:nvPr>
+        </p:nvSpPr>
+        <p:spPr>
+          <a:xfrm>
+            <a:off x="1141412" y="2249487"/>
+            <a:ext cx="7024578" cy="3541714"/>
+          </a:xfrm>
+        </p:spPr>
+        <p:txBody>
+          <a:bodyPr/>
+          <a:lstStyle/>
+          <a:p>
+            <a:pPr marL="0" indent="0">
+              <a:buNone/>
+            </a:pPr>
+            <a:r>
+              <a:rPr lang="en-US" dirty="0"/>
+              <a:t>2.  Second Stage Bootloader:</a:t>
+            </a:r>
+          </a:p>
+          <a:p>
+            <a:pPr lvl="1"/>
+            <a:r>
+              <a:rPr lang="en-US" dirty="0"/>
+              <a:t>Minimal configuration of internal modules.</a:t>
+            </a:r>
+          </a:p>
+          <a:p>
+            <a:pPr lvl="1"/>
+            <a:r>
+              <a:rPr lang="en-US" dirty="0"/>
+              <a:t>Initializes FLASH encryption and secure features (If enabled).</a:t>
+            </a:r>
+          </a:p>
+          <a:p>
+            <a:pPr lvl="1"/>
+            <a:r>
+              <a:rPr lang="en-US" dirty="0"/>
+              <a:t>Select application partition to boot.</a:t>
+            </a:r>
+          </a:p>
+          <a:p>
+            <a:pPr lvl="1"/>
+            <a:r>
+              <a:rPr lang="en-US" dirty="0"/>
+              <a:t>Load image to RAM </a:t>
+            </a:r>
+          </a:p>
+          <a:p>
+            <a:pPr lvl="1"/>
+            <a:r>
+              <a:rPr lang="en-US" dirty="0"/>
+              <a:t>Verify integrity of the application and jumps to main app.</a:t>
+            </a:r>
+          </a:p>
+          <a:p>
+            <a:pPr lvl="1"/>
+            <a:endParaRPr lang="en-US" dirty="0"/>
+          </a:p>
+        </p:txBody>
+      </p:sp>
+      <p:sp>
+        <p:nvSpPr>
+          <p:cNvPr id="4" name="Rectangle 3">
+            <a:extLst>
+              <a:ext uri="{FF2B5EF4-FFF2-40B4-BE49-F238E27FC236}">
+                <a16:creationId xmlns:a16="http://schemas.microsoft.com/office/drawing/2014/main" id="{22795DFA-E86E-F6EE-E852-C22DB2884553}"/>
+              </a:ext>
+            </a:extLst>
+          </p:cNvPr>
+          <p:cNvSpPr/>
+          <p:nvPr/>
+        </p:nvSpPr>
+        <p:spPr>
+          <a:xfrm>
+            <a:off x="8785334" y="1572610"/>
+            <a:ext cx="1706618" cy="851338"/>
+          </a:xfrm>
+          <a:prstGeom prst="rect">
+            <a:avLst/>
+          </a:prstGeom>
+          <a:ln w="12700"/>
+        </p:spPr>
+        <p:style>
+          <a:lnRef idx="2">
+            <a:schemeClr val="accent1">
+              <a:shade val="50000"/>
+            </a:schemeClr>
+          </a:lnRef>
+          <a:fillRef idx="1">
+            <a:schemeClr val="accent1"/>
+          </a:fillRef>
+          <a:effectRef idx="0">
+            <a:schemeClr val="accent1"/>
+          </a:effectRef>
+          <a:fontRef idx="minor">
+            <a:schemeClr val="lt1"/>
+          </a:fontRef>
+        </p:style>
+        <p:txBody>
+          <a:bodyPr rtlCol="0" anchor="ctr"/>
+          <a:lstStyle/>
+          <a:p>
+            <a:pPr algn="ctr"/>
+            <a:r>
+              <a:rPr lang="en-US" dirty="0"/>
+              <a:t>First Stage Bootloader</a:t>
+            </a:r>
+          </a:p>
+        </p:txBody>
+      </p:sp>
+      <p:sp>
+        <p:nvSpPr>
+          <p:cNvPr id="5" name="Rectangle 4">
+            <a:extLst>
+              <a:ext uri="{FF2B5EF4-FFF2-40B4-BE49-F238E27FC236}">
+                <a16:creationId xmlns:a16="http://schemas.microsoft.com/office/drawing/2014/main" id="{AEE04AD0-B6D6-EFAE-D765-2702EE24A0E8}"/>
+              </a:ext>
+            </a:extLst>
+          </p:cNvPr>
+          <p:cNvSpPr/>
+          <p:nvPr/>
+        </p:nvSpPr>
+        <p:spPr>
+          <a:xfrm>
+            <a:off x="8785334" y="2728748"/>
+            <a:ext cx="1706618" cy="851338"/>
+          </a:xfrm>
+          <a:prstGeom prst="rect">
+            <a:avLst/>
+          </a:prstGeom>
+          <a:ln w="76200"/>
+        </p:spPr>
+        <p:style>
+          <a:lnRef idx="2">
+            <a:schemeClr val="accent1">
+              <a:shade val="50000"/>
+            </a:schemeClr>
+          </a:lnRef>
+          <a:fillRef idx="1">
+            <a:schemeClr val="accent1"/>
+          </a:fillRef>
+          <a:effectRef idx="0">
+            <a:schemeClr val="accent1"/>
+          </a:effectRef>
+          <a:fontRef idx="minor">
+            <a:schemeClr val="lt1"/>
+          </a:fontRef>
+        </p:style>
+        <p:txBody>
+          <a:bodyPr rtlCol="0" anchor="ctr"/>
+          <a:lstStyle/>
+          <a:p>
+            <a:pPr algn="ctr"/>
+            <a:r>
+              <a:rPr lang="en-US" dirty="0"/>
+              <a:t>Second Stage Bootloader</a:t>
+            </a:r>
+          </a:p>
+        </p:txBody>
+      </p:sp>
+      <p:sp>
+        <p:nvSpPr>
+          <p:cNvPr id="6" name="Rectangle 5">
+            <a:extLst>
+              <a:ext uri="{FF2B5EF4-FFF2-40B4-BE49-F238E27FC236}">
+                <a16:creationId xmlns:a16="http://schemas.microsoft.com/office/drawing/2014/main" id="{6184B33C-0371-2291-BBF7-CF2EE434AB02}"/>
+              </a:ext>
+            </a:extLst>
+          </p:cNvPr>
+          <p:cNvSpPr/>
+          <p:nvPr/>
+        </p:nvSpPr>
+        <p:spPr>
+          <a:xfrm>
+            <a:off x="8785334" y="3884886"/>
+            <a:ext cx="1706618" cy="851338"/>
+          </a:xfrm>
+          <a:prstGeom prst="rect">
+            <a:avLst/>
+          </a:prstGeom>
+        </p:spPr>
+        <p:style>
+          <a:lnRef idx="2">
+            <a:schemeClr val="accent1">
+              <a:shade val="50000"/>
+            </a:schemeClr>
+          </a:lnRef>
+          <a:fillRef idx="1">
+            <a:schemeClr val="accent1"/>
+          </a:fillRef>
+          <a:effectRef idx="0">
+            <a:schemeClr val="accent1"/>
+          </a:effectRef>
+          <a:fontRef idx="minor">
+            <a:schemeClr val="lt1"/>
+          </a:fontRef>
+        </p:style>
+        <p:txBody>
+          <a:bodyPr rtlCol="0" anchor="ctr"/>
+          <a:lstStyle/>
+          <a:p>
+            <a:pPr algn="ctr"/>
+            <a:r>
+              <a:rPr lang="en-US" dirty="0"/>
+              <a:t>Application Startup</a:t>
+            </a:r>
+          </a:p>
+        </p:txBody>
+      </p:sp>
+      <p:cxnSp>
+        <p:nvCxnSpPr>
+          <p:cNvPr id="7" name="Straight Arrow Connector 6">
+            <a:extLst>
+              <a:ext uri="{FF2B5EF4-FFF2-40B4-BE49-F238E27FC236}">
+                <a16:creationId xmlns:a16="http://schemas.microsoft.com/office/drawing/2014/main" id="{0D17C71B-0F75-9B6A-5268-C8FEF7C16952}"/>
+              </a:ext>
+            </a:extLst>
+          </p:cNvPr>
+          <p:cNvCxnSpPr>
+            <a:stCxn id="4" idx="2"/>
+            <a:endCxn id="5" idx="0"/>
+          </p:cNvCxnSpPr>
+          <p:nvPr/>
+        </p:nvCxnSpPr>
+        <p:spPr>
+          <a:xfrm>
+            <a:off x="9638643" y="2423948"/>
+            <a:ext cx="0" cy="304800"/>
+          </a:xfrm>
+          <a:prstGeom prst="straightConnector1">
+            <a:avLst/>
+          </a:prstGeom>
+          <a:ln>
+            <a:tailEnd type="triangle"/>
+          </a:ln>
+        </p:spPr>
+        <p:style>
+          <a:lnRef idx="1">
+            <a:schemeClr val="accent1"/>
+          </a:lnRef>
+          <a:fillRef idx="0">
+            <a:schemeClr val="accent1"/>
+          </a:fillRef>
+          <a:effectRef idx="0">
+            <a:schemeClr val="accent1"/>
+          </a:effectRef>
+          <a:fontRef idx="minor">
+            <a:schemeClr val="tx1"/>
+          </a:fontRef>
+        </p:style>
+      </p:cxnSp>
+      <p:cxnSp>
+        <p:nvCxnSpPr>
+          <p:cNvPr id="8" name="Straight Arrow Connector 7">
+            <a:extLst>
+              <a:ext uri="{FF2B5EF4-FFF2-40B4-BE49-F238E27FC236}">
+                <a16:creationId xmlns:a16="http://schemas.microsoft.com/office/drawing/2014/main" id="{BFBDA7A6-8399-C876-9C5A-B1769E86E1C6}"/>
+              </a:ext>
+            </a:extLst>
+          </p:cNvPr>
+          <p:cNvCxnSpPr>
+            <a:cxnSpLocks/>
+            <a:stCxn id="5" idx="2"/>
+            <a:endCxn id="6" idx="0"/>
+          </p:cNvCxnSpPr>
+          <p:nvPr/>
+        </p:nvCxnSpPr>
+        <p:spPr>
+          <a:xfrm>
+            <a:off x="9638643" y="3580086"/>
+            <a:ext cx="0" cy="304800"/>
+          </a:xfrm>
+          <a:prstGeom prst="straightConnector1">
+            <a:avLst/>
+          </a:prstGeom>
+          <a:ln>
+            <a:tailEnd type="triangle"/>
+          </a:ln>
+        </p:spPr>
+        <p:style>
+          <a:lnRef idx="1">
+            <a:schemeClr val="accent1"/>
+          </a:lnRef>
+          <a:fillRef idx="0">
+            <a:schemeClr val="accent1"/>
+          </a:fillRef>
+          <a:effectRef idx="0">
+            <a:schemeClr val="accent1"/>
+          </a:effectRef>
+          <a:fontRef idx="minor">
+            <a:schemeClr val="tx1"/>
+          </a:fontRef>
+        </p:style>
+      </p:cxnSp>
+    </p:spTree>
+    <p:extLst>
+      <p:ext uri="{BB962C8B-B14F-4D97-AF65-F5344CB8AC3E}">
+        <p14:creationId xmlns:p14="http://schemas.microsoft.com/office/powerpoint/2010/main" val="2716480474"/>
+      </p:ext>
+    </p:extLst>
+  </p:cSld>
+  <p:clrMapOvr>
+    <a:masterClrMapping/>
+  </p:clrMapOvr>
+</p:sld>
+</file>
+
+<file path=ppt/slides/slide31.xml><?xml version="1.0" encoding="utf-8"?>
+<p:sld xmlns:a="http://schemas.openxmlformats.org/drawingml/2006/main" xmlns:r="http://schemas.openxmlformats.org/officeDocument/2006/relationships" xmlns:p="http://schemas.openxmlformats.org/presentationml/2006/main">
+  <p:cSld>
+    <p:spTree>
+      <p:nvGrpSpPr>
+        <p:cNvPr id="1" name=""/>
+        <p:cNvGrpSpPr/>
+        <p:nvPr/>
+      </p:nvGrpSpPr>
+      <p:grpSpPr>
+        <a:xfrm>
+          <a:off x="0" y="0"/>
+          <a:ext cx="0" cy="0"/>
+          <a:chOff x="0" y="0"/>
+          <a:chExt cx="0" cy="0"/>
+        </a:xfrm>
+      </p:grpSpPr>
+      <p:sp>
+        <p:nvSpPr>
+          <p:cNvPr id="2" name="Title 1">
+            <a:extLst>
+              <a:ext uri="{FF2B5EF4-FFF2-40B4-BE49-F238E27FC236}">
+                <a16:creationId xmlns:a16="http://schemas.microsoft.com/office/drawing/2014/main" id="{82314533-667E-EEF4-A76A-6F86F9050724}"/>
+              </a:ext>
+            </a:extLst>
+          </p:cNvPr>
+          <p:cNvSpPr>
+            <a:spLocks noGrp="1"/>
+          </p:cNvSpPr>
+          <p:nvPr>
+            <p:ph type="title"/>
+          </p:nvPr>
+        </p:nvSpPr>
+        <p:spPr/>
+        <p:txBody>
+          <a:bodyPr/>
+          <a:lstStyle/>
+          <a:p>
+            <a:r>
+              <a:rPr lang="en-US" dirty="0"/>
+              <a:t>ES32-C3 STARTUP PROCESS</a:t>
+            </a:r>
+          </a:p>
+        </p:txBody>
+      </p:sp>
+      <p:sp>
+        <p:nvSpPr>
+          <p:cNvPr id="3" name="Content Placeholder 2">
+            <a:extLst>
+              <a:ext uri="{FF2B5EF4-FFF2-40B4-BE49-F238E27FC236}">
+                <a16:creationId xmlns:a16="http://schemas.microsoft.com/office/drawing/2014/main" id="{FB55BD32-B40F-3B7C-B2E9-E4F124EE47E6}"/>
+              </a:ext>
+            </a:extLst>
+          </p:cNvPr>
+          <p:cNvSpPr>
+            <a:spLocks noGrp="1"/>
+          </p:cNvSpPr>
+          <p:nvPr>
+            <p:ph idx="1"/>
+          </p:nvPr>
+        </p:nvSpPr>
+        <p:spPr>
+          <a:xfrm>
+            <a:off x="1141412" y="2249487"/>
+            <a:ext cx="7024578" cy="3541714"/>
+          </a:xfrm>
+        </p:spPr>
+        <p:txBody>
+          <a:bodyPr>
+            <a:normAutofit fontScale="92500" lnSpcReduction="10000"/>
+          </a:bodyPr>
+          <a:lstStyle/>
+          <a:p>
+            <a:pPr marL="0" indent="0">
+              <a:buNone/>
+            </a:pPr>
+            <a:r>
+              <a:rPr lang="en-US" dirty="0"/>
+              <a:t>3. Application Startup:</a:t>
+            </a:r>
+          </a:p>
+          <a:p>
+            <a:pPr lvl="1"/>
+            <a:r>
+              <a:rPr lang="en-US" dirty="0"/>
+              <a:t>Clocks are configured</a:t>
+            </a:r>
+          </a:p>
+          <a:p>
+            <a:pPr lvl="1"/>
+            <a:r>
+              <a:rPr lang="en-US" dirty="0"/>
+              <a:t>Initialize memory data (.data and .</a:t>
+            </a:r>
+            <a:r>
+              <a:rPr lang="en-US" dirty="0" err="1"/>
+              <a:t>bss</a:t>
+            </a:r>
+            <a:r>
+              <a:rPr lang="en-US" dirty="0"/>
+              <a:t>).</a:t>
+            </a:r>
+          </a:p>
+          <a:p>
+            <a:pPr lvl="1"/>
+            <a:r>
+              <a:rPr lang="en-US" dirty="0"/>
+              <a:t>SPI flash is reconfigured.</a:t>
+            </a:r>
+          </a:p>
+          <a:p>
+            <a:pPr lvl="1"/>
+            <a:r>
+              <a:rPr lang="en-US" dirty="0"/>
+              <a:t>MMU is configured.</a:t>
+            </a:r>
+          </a:p>
+          <a:p>
+            <a:pPr lvl="1"/>
+            <a:r>
+              <a:rPr lang="en-US" dirty="0"/>
+              <a:t>Configures brown out detector.</a:t>
+            </a:r>
+          </a:p>
+          <a:p>
+            <a:pPr lvl="1"/>
+            <a:r>
+              <a:rPr lang="en-US" dirty="0"/>
+              <a:t>Initialize serial console.</a:t>
+            </a:r>
+          </a:p>
+          <a:p>
+            <a:pPr lvl="1"/>
+            <a:r>
+              <a:rPr lang="en-US" dirty="0"/>
+              <a:t>Create main task and run scheduler.</a:t>
+            </a:r>
+          </a:p>
+          <a:p>
+            <a:pPr lvl="1"/>
+            <a:r>
+              <a:rPr lang="en-US" dirty="0" err="1"/>
+              <a:t>app_main</a:t>
+            </a:r>
+            <a:r>
+              <a:rPr lang="en-US" dirty="0"/>
+              <a:t>() function is called.</a:t>
+            </a:r>
+          </a:p>
+          <a:p>
+            <a:pPr lvl="1"/>
+            <a:endParaRPr lang="en-US" dirty="0"/>
+          </a:p>
+        </p:txBody>
+      </p:sp>
+      <p:sp>
+        <p:nvSpPr>
+          <p:cNvPr id="4" name="Rectangle 3">
+            <a:extLst>
+              <a:ext uri="{FF2B5EF4-FFF2-40B4-BE49-F238E27FC236}">
+                <a16:creationId xmlns:a16="http://schemas.microsoft.com/office/drawing/2014/main" id="{B57EFCD3-99EF-B398-D1F0-9B8B8254DBE8}"/>
+              </a:ext>
+            </a:extLst>
+          </p:cNvPr>
+          <p:cNvSpPr/>
+          <p:nvPr/>
+        </p:nvSpPr>
+        <p:spPr>
+          <a:xfrm>
+            <a:off x="8785334" y="1572610"/>
+            <a:ext cx="1706618" cy="851338"/>
+          </a:xfrm>
+          <a:prstGeom prst="rect">
+            <a:avLst/>
+          </a:prstGeom>
+          <a:ln w="12700"/>
+        </p:spPr>
+        <p:style>
+          <a:lnRef idx="2">
+            <a:schemeClr val="accent1">
+              <a:shade val="50000"/>
+            </a:schemeClr>
+          </a:lnRef>
+          <a:fillRef idx="1">
+            <a:schemeClr val="accent1"/>
+          </a:fillRef>
+          <a:effectRef idx="0">
+            <a:schemeClr val="accent1"/>
+          </a:effectRef>
+          <a:fontRef idx="minor">
+            <a:schemeClr val="lt1"/>
+          </a:fontRef>
+        </p:style>
+        <p:txBody>
+          <a:bodyPr rtlCol="0" anchor="ctr"/>
+          <a:lstStyle/>
+          <a:p>
+            <a:pPr algn="ctr"/>
+            <a:r>
+              <a:rPr lang="en-US" dirty="0"/>
+              <a:t>First Stage Bootloader</a:t>
+            </a:r>
+          </a:p>
+        </p:txBody>
+      </p:sp>
+      <p:sp>
+        <p:nvSpPr>
+          <p:cNvPr id="5" name="Rectangle 4">
+            <a:extLst>
+              <a:ext uri="{FF2B5EF4-FFF2-40B4-BE49-F238E27FC236}">
+                <a16:creationId xmlns:a16="http://schemas.microsoft.com/office/drawing/2014/main" id="{17C25286-7830-B326-1109-D5B761AF3272}"/>
+              </a:ext>
+            </a:extLst>
+          </p:cNvPr>
+          <p:cNvSpPr/>
+          <p:nvPr/>
+        </p:nvSpPr>
+        <p:spPr>
+          <a:xfrm>
+            <a:off x="8785334" y="2728748"/>
+            <a:ext cx="1706618" cy="851338"/>
+          </a:xfrm>
+          <a:prstGeom prst="rect">
+            <a:avLst/>
+          </a:prstGeom>
+        </p:spPr>
+        <p:style>
+          <a:lnRef idx="2">
+            <a:schemeClr val="accent1">
+              <a:shade val="50000"/>
+            </a:schemeClr>
+          </a:lnRef>
+          <a:fillRef idx="1">
+            <a:schemeClr val="accent1"/>
+          </a:fillRef>
+          <a:effectRef idx="0">
+            <a:schemeClr val="accent1"/>
+          </a:effectRef>
+          <a:fontRef idx="minor">
+            <a:schemeClr val="lt1"/>
+          </a:fontRef>
+        </p:style>
+        <p:txBody>
+          <a:bodyPr rtlCol="0" anchor="ctr"/>
+          <a:lstStyle/>
+          <a:p>
+            <a:pPr algn="ctr"/>
+            <a:r>
+              <a:rPr lang="en-US" dirty="0"/>
+              <a:t>Second Stage Bootloader</a:t>
+            </a:r>
+          </a:p>
+        </p:txBody>
+      </p:sp>
+      <p:sp>
+        <p:nvSpPr>
+          <p:cNvPr id="6" name="Rectangle 5">
+            <a:extLst>
+              <a:ext uri="{FF2B5EF4-FFF2-40B4-BE49-F238E27FC236}">
+                <a16:creationId xmlns:a16="http://schemas.microsoft.com/office/drawing/2014/main" id="{EC538A80-E722-806F-86D2-CD8F376F3F45}"/>
+              </a:ext>
+            </a:extLst>
+          </p:cNvPr>
+          <p:cNvSpPr/>
+          <p:nvPr/>
+        </p:nvSpPr>
+        <p:spPr>
+          <a:xfrm>
+            <a:off x="8785334" y="3884886"/>
+            <a:ext cx="1706618" cy="851338"/>
+          </a:xfrm>
+          <a:prstGeom prst="rect">
+            <a:avLst/>
+          </a:prstGeom>
+          <a:ln w="76200"/>
+        </p:spPr>
+        <p:style>
+          <a:lnRef idx="2">
+            <a:schemeClr val="accent1">
+              <a:shade val="50000"/>
+            </a:schemeClr>
+          </a:lnRef>
+          <a:fillRef idx="1">
+            <a:schemeClr val="accent1"/>
+          </a:fillRef>
+          <a:effectRef idx="0">
+            <a:schemeClr val="accent1"/>
+          </a:effectRef>
+          <a:fontRef idx="minor">
+            <a:schemeClr val="lt1"/>
+          </a:fontRef>
+        </p:style>
+        <p:txBody>
+          <a:bodyPr rtlCol="0" anchor="ctr"/>
+          <a:lstStyle/>
+          <a:p>
+            <a:pPr algn="ctr"/>
+            <a:r>
+              <a:rPr lang="en-US" dirty="0"/>
+              <a:t>Application Startup</a:t>
+            </a:r>
+          </a:p>
+        </p:txBody>
+      </p:sp>
+      <p:cxnSp>
+        <p:nvCxnSpPr>
+          <p:cNvPr id="7" name="Straight Arrow Connector 6">
+            <a:extLst>
+              <a:ext uri="{FF2B5EF4-FFF2-40B4-BE49-F238E27FC236}">
+                <a16:creationId xmlns:a16="http://schemas.microsoft.com/office/drawing/2014/main" id="{B512EF96-B349-5213-A238-C3131CDA54E7}"/>
+              </a:ext>
+            </a:extLst>
+          </p:cNvPr>
+          <p:cNvCxnSpPr>
+            <a:stCxn id="4" idx="2"/>
+            <a:endCxn id="5" idx="0"/>
+          </p:cNvCxnSpPr>
+          <p:nvPr/>
+        </p:nvCxnSpPr>
+        <p:spPr>
+          <a:xfrm>
+            <a:off x="9638643" y="2423948"/>
+            <a:ext cx="0" cy="304800"/>
+          </a:xfrm>
+          <a:prstGeom prst="straightConnector1">
+            <a:avLst/>
+          </a:prstGeom>
+          <a:ln>
+            <a:tailEnd type="triangle"/>
+          </a:ln>
+        </p:spPr>
+        <p:style>
+          <a:lnRef idx="1">
+            <a:schemeClr val="accent1"/>
+          </a:lnRef>
+          <a:fillRef idx="0">
+            <a:schemeClr val="accent1"/>
+          </a:fillRef>
+          <a:effectRef idx="0">
+            <a:schemeClr val="accent1"/>
+          </a:effectRef>
+          <a:fontRef idx="minor">
+            <a:schemeClr val="tx1"/>
+          </a:fontRef>
+        </p:style>
+      </p:cxnSp>
+      <p:cxnSp>
+        <p:nvCxnSpPr>
+          <p:cNvPr id="8" name="Straight Arrow Connector 7">
+            <a:extLst>
+              <a:ext uri="{FF2B5EF4-FFF2-40B4-BE49-F238E27FC236}">
+                <a16:creationId xmlns:a16="http://schemas.microsoft.com/office/drawing/2014/main" id="{AB6ADC75-E1A0-9D8B-6957-DFFB1EBFE0F2}"/>
+              </a:ext>
+            </a:extLst>
+          </p:cNvPr>
+          <p:cNvCxnSpPr>
+            <a:cxnSpLocks/>
+            <a:stCxn id="5" idx="2"/>
+            <a:endCxn id="6" idx="0"/>
+          </p:cNvCxnSpPr>
+          <p:nvPr/>
+        </p:nvCxnSpPr>
+        <p:spPr>
+          <a:xfrm>
+            <a:off x="9638643" y="3580086"/>
+            <a:ext cx="0" cy="304800"/>
+          </a:xfrm>
+          <a:prstGeom prst="straightConnector1">
+            <a:avLst/>
+          </a:prstGeom>
+          <a:ln>
+            <a:tailEnd type="triangle"/>
+          </a:ln>
+        </p:spPr>
+        <p:style>
+          <a:lnRef idx="1">
+            <a:schemeClr val="accent1"/>
+          </a:lnRef>
+          <a:fillRef idx="0">
+            <a:schemeClr val="accent1"/>
+          </a:fillRef>
+          <a:effectRef idx="0">
+            <a:schemeClr val="accent1"/>
+          </a:effectRef>
+          <a:fontRef idx="minor">
+            <a:schemeClr val="tx1"/>
+          </a:fontRef>
+        </p:style>
+      </p:cxnSp>
+    </p:spTree>
+    <p:extLst>
+      <p:ext uri="{BB962C8B-B14F-4D97-AF65-F5344CB8AC3E}">
+        <p14:creationId xmlns:p14="http://schemas.microsoft.com/office/powerpoint/2010/main" val="935011151"/>
+      </p:ext>
+    </p:extLst>
+  </p:cSld>
+  <p:clrMapOvr>
+    <a:masterClrMapping/>
+  </p:clrMapOvr>
+</p:sld>
+</file>
+
+<file path=ppt/slides/slide32.xml><?xml version="1.0" encoding="utf-8"?>
+<p:sld xmlns:a="http://schemas.openxmlformats.org/drawingml/2006/main" xmlns:r="http://schemas.openxmlformats.org/officeDocument/2006/relationships" xmlns:p="http://schemas.openxmlformats.org/presentationml/2006/main">
+  <p:cSld>
+    <p:spTree>
+      <p:nvGrpSpPr>
+        <p:cNvPr id="1" name=""/>
+        <p:cNvGrpSpPr/>
+        <p:nvPr/>
+      </p:nvGrpSpPr>
+      <p:grpSpPr>
+        <a:xfrm>
+          <a:off x="0" y="0"/>
+          <a:ext cx="0" cy="0"/>
+          <a:chOff x="0" y="0"/>
+          <a:chExt cx="0" cy="0"/>
+        </a:xfrm>
+      </p:grpSpPr>
+      <p:sp>
+        <p:nvSpPr>
+          <p:cNvPr id="2" name="Title 1">
+            <a:extLst>
+              <a:ext uri="{FF2B5EF4-FFF2-40B4-BE49-F238E27FC236}">
+                <a16:creationId xmlns:a16="http://schemas.microsoft.com/office/drawing/2014/main" id="{89A61710-D24B-CAD2-42D5-3AE475DFC9F9}"/>
+              </a:ext>
+            </a:extLst>
+          </p:cNvPr>
+          <p:cNvSpPr>
+            <a:spLocks noGrp="1"/>
+          </p:cNvSpPr>
+          <p:nvPr>
+            <p:ph type="title"/>
+          </p:nvPr>
+        </p:nvSpPr>
+        <p:spPr/>
+        <p:txBody>
+          <a:bodyPr/>
+          <a:lstStyle/>
+          <a:p>
+            <a:r>
+              <a:rPr lang="en-US" dirty="0"/>
+              <a:t>GPIO</a:t>
+            </a:r>
+          </a:p>
+        </p:txBody>
+      </p:sp>
+      <p:sp>
+        <p:nvSpPr>
+          <p:cNvPr id="3" name="Content Placeholder 2">
+            <a:extLst>
+              <a:ext uri="{FF2B5EF4-FFF2-40B4-BE49-F238E27FC236}">
+                <a16:creationId xmlns:a16="http://schemas.microsoft.com/office/drawing/2014/main" id="{546902EB-D4EC-8E42-37C3-BBA5A948A77B}"/>
+              </a:ext>
+            </a:extLst>
+          </p:cNvPr>
+          <p:cNvSpPr>
+            <a:spLocks noGrp="1"/>
+          </p:cNvSpPr>
+          <p:nvPr>
+            <p:ph idx="1"/>
+          </p:nvPr>
+        </p:nvSpPr>
+        <p:spPr>
+          <a:xfrm>
+            <a:off x="846773" y="1792575"/>
+            <a:ext cx="6540714" cy="4450571"/>
+          </a:xfrm>
+        </p:spPr>
+        <p:txBody>
+          <a:bodyPr>
+            <a:normAutofit/>
+          </a:bodyPr>
+          <a:lstStyle/>
+          <a:p>
+            <a:r>
+              <a:rPr lang="en-US" dirty="0"/>
+              <a:t>Stands for “General Purpose Input Output”</a:t>
+            </a:r>
+          </a:p>
+          <a:p>
+            <a:r>
+              <a:rPr lang="en-US" dirty="0"/>
+              <a:t>Configured through microcontroller registers.</a:t>
+            </a:r>
+          </a:p>
+          <a:p>
+            <a:r>
+              <a:rPr lang="en-US" dirty="0"/>
+              <a:t>A group of GPIO pins is called a Port (Ex. PORTA, PORTB).</a:t>
+            </a:r>
+          </a:p>
+          <a:p>
+            <a:r>
+              <a:rPr lang="en-US" dirty="0"/>
+              <a:t>Used for:</a:t>
+            </a:r>
+          </a:p>
+          <a:p>
+            <a:pPr lvl="1"/>
+            <a:r>
+              <a:rPr lang="en-US" dirty="0"/>
+              <a:t>Interact with sensors.</a:t>
+            </a:r>
+          </a:p>
+          <a:p>
+            <a:pPr lvl="1"/>
+            <a:r>
+              <a:rPr lang="en-US" dirty="0"/>
+              <a:t>Receive user inputs.</a:t>
+            </a:r>
+          </a:p>
+          <a:p>
+            <a:pPr lvl="1"/>
+            <a:r>
+              <a:rPr lang="en-US" dirty="0"/>
+              <a:t>Send voltage signals.</a:t>
+            </a:r>
+          </a:p>
+          <a:p>
+            <a:pPr lvl="1"/>
+            <a:r>
+              <a:rPr lang="en-US" dirty="0"/>
+              <a:t>Support other MCU Peripherals.</a:t>
+            </a:r>
+          </a:p>
+        </p:txBody>
+      </p:sp>
+      <p:pic>
+        <p:nvPicPr>
+          <p:cNvPr id="9" name="Picture 8" descr="Introduction to GPIO - General Purpose I/O - NerdyElectronics">
+            <a:extLst>
+              <a:ext uri="{FF2B5EF4-FFF2-40B4-BE49-F238E27FC236}">
+                <a16:creationId xmlns:a16="http://schemas.microsoft.com/office/drawing/2014/main" id="{F0B2F7B7-9117-C1DD-14D3-37049C9ED927}"/>
+              </a:ext>
+            </a:extLst>
+          </p:cNvPr>
+          <p:cNvPicPr>
+            <a:picLocks noChangeAspect="1" noChangeArrowheads="1"/>
+          </p:cNvPicPr>
+          <p:nvPr/>
+        </p:nvPicPr>
+        <p:blipFill>
+          <a:blip r:embed="rId2">
+            <a:extLst>
+              <a:ext uri="{28A0092B-C50C-407E-A947-70E740481C1C}">
+                <a14:useLocalDpi xmlns:a14="http://schemas.microsoft.com/office/drawing/2010/main" val="0"/>
+              </a:ext>
+            </a:extLst>
+          </a:blip>
+          <a:srcRect/>
+          <a:stretch>
+            <a:fillRect/>
+          </a:stretch>
+        </p:blipFill>
+        <p:spPr bwMode="auto">
+          <a:xfrm>
+            <a:off x="7509406" y="2214880"/>
+            <a:ext cx="4013698" cy="2898069"/>
+          </a:xfrm>
+          <a:prstGeom prst="rect">
+            <a:avLst/>
+          </a:prstGeom>
+          <a:noFill/>
+          <a:extLst>
+            <a:ext uri="{909E8E84-426E-40DD-AFC4-6F175D3DCCD1}">
+              <a14:hiddenFill xmlns:a14="http://schemas.microsoft.com/office/drawing/2010/main">
+                <a:solidFill>
+                  <a:srgbClr val="FFFFFF"/>
+                </a:solidFill>
+              </a14:hiddenFill>
+            </a:ext>
+          </a:extLst>
+        </p:spPr>
+      </p:pic>
+    </p:spTree>
+    <p:extLst>
+      <p:ext uri="{BB962C8B-B14F-4D97-AF65-F5344CB8AC3E}">
+        <p14:creationId xmlns:p14="http://schemas.microsoft.com/office/powerpoint/2010/main" val="2515327305"/>
+      </p:ext>
+    </p:extLst>
+  </p:cSld>
+  <p:clrMapOvr>
+    <a:masterClrMapping/>
+  </p:clrMapOvr>
+</p:sld>
+</file>
+
+<file path=ppt/slides/slide33.xml><?xml version="1.0" encoding="utf-8"?>
+<p:sld xmlns:a="http://schemas.openxmlformats.org/drawingml/2006/main" xmlns:r="http://schemas.openxmlformats.org/officeDocument/2006/relationships" xmlns:p="http://schemas.openxmlformats.org/presentationml/2006/main">
+  <p:cSld>
+    <p:spTree>
+      <p:nvGrpSpPr>
+        <p:cNvPr id="1" name=""/>
+        <p:cNvGrpSpPr/>
+        <p:nvPr/>
+      </p:nvGrpSpPr>
+      <p:grpSpPr>
+        <a:xfrm>
+          <a:off x="0" y="0"/>
+          <a:ext cx="0" cy="0"/>
+          <a:chOff x="0" y="0"/>
+          <a:chExt cx="0" cy="0"/>
+        </a:xfrm>
+      </p:grpSpPr>
+      <p:sp>
+        <p:nvSpPr>
+          <p:cNvPr id="2" name="Title 1">
+            <a:extLst>
+              <a:ext uri="{FF2B5EF4-FFF2-40B4-BE49-F238E27FC236}">
+                <a16:creationId xmlns:a16="http://schemas.microsoft.com/office/drawing/2014/main" id="{89A61710-D24B-CAD2-42D5-3AE475DFC9F9}"/>
+              </a:ext>
+            </a:extLst>
+          </p:cNvPr>
+          <p:cNvSpPr>
+            <a:spLocks noGrp="1"/>
+          </p:cNvSpPr>
+          <p:nvPr>
+            <p:ph type="title"/>
+          </p:nvPr>
+        </p:nvSpPr>
+        <p:spPr/>
+        <p:txBody>
+          <a:bodyPr/>
+          <a:lstStyle/>
+          <a:p>
+            <a:r>
+              <a:rPr lang="en-US" dirty="0"/>
+              <a:t>GPIO Mode</a:t>
+            </a:r>
+          </a:p>
+        </p:txBody>
+      </p:sp>
+      <p:sp>
+        <p:nvSpPr>
+          <p:cNvPr id="3" name="Content Placeholder 2">
+            <a:extLst>
+              <a:ext uri="{FF2B5EF4-FFF2-40B4-BE49-F238E27FC236}">
+                <a16:creationId xmlns:a16="http://schemas.microsoft.com/office/drawing/2014/main" id="{546902EB-D4EC-8E42-37C3-BBA5A948A77B}"/>
+              </a:ext>
+            </a:extLst>
+          </p:cNvPr>
+          <p:cNvSpPr>
+            <a:spLocks noGrp="1"/>
+          </p:cNvSpPr>
+          <p:nvPr>
+            <p:ph idx="1"/>
+          </p:nvPr>
+        </p:nvSpPr>
+        <p:spPr>
+          <a:xfrm>
+            <a:off x="1141412" y="2249486"/>
+            <a:ext cx="6784003" cy="4450571"/>
+          </a:xfrm>
+        </p:spPr>
+        <p:txBody>
+          <a:bodyPr>
+            <a:normAutofit/>
+          </a:bodyPr>
+          <a:lstStyle/>
+          <a:p>
+            <a:r>
+              <a:rPr lang="en-US" dirty="0"/>
+              <a:t>GPIO can be configured as an input to bring information into the microcontroller (Ex. Reading a button).</a:t>
+            </a:r>
+          </a:p>
+          <a:p>
+            <a:r>
+              <a:rPr lang="en-US" dirty="0"/>
+              <a:t>GPIO can be configured as an output to send a digital signal to an external device (Ex. Controlling an LED).</a:t>
+            </a:r>
+          </a:p>
+          <a:p>
+            <a:r>
+              <a:rPr lang="en-US" dirty="0"/>
+              <a:t>In some cases, GPIO need to be configured for an “alternate” mode to support another MCU peripheral.</a:t>
+            </a:r>
+          </a:p>
+        </p:txBody>
+      </p:sp>
+      <p:pic>
+        <p:nvPicPr>
+          <p:cNvPr id="3084" name="Picture 12" descr="Científicos crean luz LED biodegradable que usa proteínas | TECNOLOGIA | EL  COMERCIO PERÚ">
+            <a:extLst>
+              <a:ext uri="{FF2B5EF4-FFF2-40B4-BE49-F238E27FC236}">
+                <a16:creationId xmlns:a16="http://schemas.microsoft.com/office/drawing/2014/main" id="{5D10528F-6AFB-FBC0-C513-76BC1D51BEE0}"/>
+              </a:ext>
+            </a:extLst>
+          </p:cNvPr>
+          <p:cNvPicPr>
+            <a:picLocks noChangeAspect="1" noChangeArrowheads="1"/>
+          </p:cNvPicPr>
+          <p:nvPr/>
+        </p:nvPicPr>
+        <p:blipFill>
+          <a:blip r:embed="rId2">
+            <a:extLst>
+              <a:ext uri="{28A0092B-C50C-407E-A947-70E740481C1C}">
+                <a14:useLocalDpi xmlns:a14="http://schemas.microsoft.com/office/drawing/2010/main" val="0"/>
+              </a:ext>
+            </a:extLst>
+          </a:blip>
+          <a:srcRect/>
+          <a:stretch>
+            <a:fillRect/>
+          </a:stretch>
+        </p:blipFill>
+        <p:spPr bwMode="auto">
+          <a:xfrm>
+            <a:off x="7925415" y="3784897"/>
+            <a:ext cx="3430843" cy="1952031"/>
+          </a:xfrm>
+          <a:prstGeom prst="rect">
+            <a:avLst/>
+          </a:prstGeom>
+          <a:noFill/>
+          <a:extLst>
+            <a:ext uri="{909E8E84-426E-40DD-AFC4-6F175D3DCCD1}">
+              <a14:hiddenFill xmlns:a14="http://schemas.microsoft.com/office/drawing/2010/main">
+                <a:solidFill>
+                  <a:srgbClr val="FFFFFF"/>
+                </a:solidFill>
+              </a14:hiddenFill>
+            </a:ext>
+          </a:extLst>
+        </p:spPr>
+      </p:pic>
+      <p:pic>
+        <p:nvPicPr>
+          <p:cNvPr id="3090" name="Picture 18" descr="Pushbutton 12mm">
+            <a:extLst>
+              <a:ext uri="{FF2B5EF4-FFF2-40B4-BE49-F238E27FC236}">
+                <a16:creationId xmlns:a16="http://schemas.microsoft.com/office/drawing/2014/main" id="{C1368EBE-FF29-E25F-DFB2-BFEFD7A83033}"/>
+              </a:ext>
+            </a:extLst>
+          </p:cNvPr>
+          <p:cNvPicPr>
+            <a:picLocks noChangeAspect="1" noChangeArrowheads="1"/>
+          </p:cNvPicPr>
+          <p:nvPr/>
+        </p:nvPicPr>
+        <p:blipFill>
+          <a:blip r:embed="rId3">
+            <a:extLst>
+              <a:ext uri="{28A0092B-C50C-407E-A947-70E740481C1C}">
+                <a14:useLocalDpi xmlns:a14="http://schemas.microsoft.com/office/drawing/2010/main" val="0"/>
+              </a:ext>
+            </a:extLst>
+          </a:blip>
+          <a:srcRect/>
+          <a:stretch>
+            <a:fillRect/>
+          </a:stretch>
+        </p:blipFill>
+        <p:spPr bwMode="auto">
+          <a:xfrm>
+            <a:off x="8038305" y="1216530"/>
+            <a:ext cx="2875501" cy="1913515"/>
+          </a:xfrm>
+          <a:prstGeom prst="rect">
+            <a:avLst/>
+          </a:prstGeom>
+          <a:noFill/>
+          <a:extLst>
+            <a:ext uri="{909E8E84-426E-40DD-AFC4-6F175D3DCCD1}">
+              <a14:hiddenFill xmlns:a14="http://schemas.microsoft.com/office/drawing/2010/main">
+                <a:solidFill>
+                  <a:srgbClr val="FFFFFF"/>
+                </a:solidFill>
+              </a14:hiddenFill>
+            </a:ext>
+          </a:extLst>
+        </p:spPr>
+      </p:pic>
+    </p:spTree>
+    <p:extLst>
+      <p:ext uri="{BB962C8B-B14F-4D97-AF65-F5344CB8AC3E}">
+        <p14:creationId xmlns:p14="http://schemas.microsoft.com/office/powerpoint/2010/main" val="1604413271"/>
+      </p:ext>
+    </p:extLst>
+  </p:cSld>
+  <p:clrMapOvr>
+    <a:masterClrMapping/>
+  </p:clrMapOvr>
+</p:sld>
+</file>
+
+<file path=ppt/slides/slide34.xml><?xml version="1.0" encoding="utf-8"?>
+<p:sld xmlns:a="http://schemas.openxmlformats.org/drawingml/2006/main" xmlns:r="http://schemas.openxmlformats.org/officeDocument/2006/relationships" xmlns:p="http://schemas.openxmlformats.org/presentationml/2006/main">
+  <p:cSld>
+    <p:spTree>
+      <p:nvGrpSpPr>
+        <p:cNvPr id="1" name=""/>
+        <p:cNvGrpSpPr/>
+        <p:nvPr/>
+      </p:nvGrpSpPr>
+      <p:grpSpPr>
+        <a:xfrm>
+          <a:off x="0" y="0"/>
+          <a:ext cx="0" cy="0"/>
+          <a:chOff x="0" y="0"/>
+          <a:chExt cx="0" cy="0"/>
+        </a:xfrm>
+      </p:grpSpPr>
+      <p:sp>
+        <p:nvSpPr>
+          <p:cNvPr id="2" name="Title 1">
+            <a:extLst>
+              <a:ext uri="{FF2B5EF4-FFF2-40B4-BE49-F238E27FC236}">
+                <a16:creationId xmlns:a16="http://schemas.microsoft.com/office/drawing/2014/main" id="{29249182-A7BA-AA3A-9841-F5CBB0653B3C}"/>
+              </a:ext>
+            </a:extLst>
+          </p:cNvPr>
+          <p:cNvSpPr>
+            <a:spLocks noGrp="1"/>
+          </p:cNvSpPr>
+          <p:nvPr>
+            <p:ph type="title"/>
+          </p:nvPr>
+        </p:nvSpPr>
+        <p:spPr/>
+        <p:txBody>
+          <a:bodyPr/>
+          <a:lstStyle/>
+          <a:p>
+            <a:r>
+              <a:rPr lang="en-US" dirty="0"/>
+              <a:t>GPIO Input modes</a:t>
+            </a:r>
+          </a:p>
+        </p:txBody>
+      </p:sp>
+      <p:sp>
+        <p:nvSpPr>
+          <p:cNvPr id="3" name="Content Placeholder 2">
+            <a:extLst>
+              <a:ext uri="{FF2B5EF4-FFF2-40B4-BE49-F238E27FC236}">
+                <a16:creationId xmlns:a16="http://schemas.microsoft.com/office/drawing/2014/main" id="{A4A01279-ACB3-F7AB-0BAC-A574FDC25C38}"/>
+              </a:ext>
+            </a:extLst>
+          </p:cNvPr>
+          <p:cNvSpPr>
+            <a:spLocks noGrp="1"/>
+          </p:cNvSpPr>
+          <p:nvPr>
+            <p:ph idx="1"/>
+          </p:nvPr>
+        </p:nvSpPr>
+        <p:spPr>
+          <a:xfrm>
+            <a:off x="1141412" y="2249487"/>
+            <a:ext cx="7108508" cy="3541714"/>
+          </a:xfrm>
+        </p:spPr>
+        <p:txBody>
+          <a:bodyPr>
+            <a:normAutofit lnSpcReduction="10000"/>
+          </a:bodyPr>
+          <a:lstStyle/>
+          <a:p>
+            <a:pPr marL="0" indent="0">
+              <a:buNone/>
+            </a:pPr>
+            <a:r>
+              <a:rPr lang="en-US" dirty="0"/>
+              <a:t>As an input, a GPIO could be configured as:</a:t>
+            </a:r>
+          </a:p>
+          <a:p>
+            <a:r>
+              <a:rPr lang="en-US" dirty="0"/>
+              <a:t>High-Impedance: the pin is left open; it does not consume any current. The state is indeterminate.</a:t>
+            </a:r>
+          </a:p>
+          <a:p>
+            <a:r>
+              <a:rPr lang="en-US" dirty="0"/>
+              <a:t>Pull-Up: the state of the pin will be high, unless an external pull-down circuit is introduced.</a:t>
+            </a:r>
+          </a:p>
+          <a:p>
+            <a:r>
+              <a:rPr lang="en-US" dirty="0"/>
+              <a:t>Pull-Down: the state of the pin will be low, unless an external pull-down circuit is introduced.</a:t>
+            </a:r>
+          </a:p>
+          <a:p>
+            <a:endParaRPr lang="en-US" dirty="0"/>
+          </a:p>
+        </p:txBody>
+      </p:sp>
+      <p:pic>
+        <p:nvPicPr>
+          <p:cNvPr id="5" name="Picture 4">
+            <a:extLst>
+              <a:ext uri="{FF2B5EF4-FFF2-40B4-BE49-F238E27FC236}">
+                <a16:creationId xmlns:a16="http://schemas.microsoft.com/office/drawing/2014/main" id="{30B35B8B-5F41-9AC0-BC25-1EF3246EE179}"/>
+              </a:ext>
+            </a:extLst>
+          </p:cNvPr>
+          <p:cNvPicPr>
+            <a:picLocks noChangeAspect="1"/>
+          </p:cNvPicPr>
+          <p:nvPr/>
+        </p:nvPicPr>
+        <p:blipFill>
+          <a:blip r:embed="rId2"/>
+          <a:stretch>
+            <a:fillRect/>
+          </a:stretch>
+        </p:blipFill>
+        <p:spPr>
+          <a:xfrm>
+            <a:off x="8540431" y="618518"/>
+            <a:ext cx="1936195" cy="3103217"/>
+          </a:xfrm>
+          <a:prstGeom prst="rect">
+            <a:avLst/>
+          </a:prstGeom>
+        </p:spPr>
+      </p:pic>
+      <p:pic>
+        <p:nvPicPr>
+          <p:cNvPr id="7" name="Picture 6">
+            <a:extLst>
+              <a:ext uri="{FF2B5EF4-FFF2-40B4-BE49-F238E27FC236}">
+                <a16:creationId xmlns:a16="http://schemas.microsoft.com/office/drawing/2014/main" id="{AD19A850-0567-94DF-A577-5A79AE851F3A}"/>
+              </a:ext>
+            </a:extLst>
+          </p:cNvPr>
+          <p:cNvPicPr>
+            <a:picLocks noChangeAspect="1"/>
+          </p:cNvPicPr>
+          <p:nvPr/>
+        </p:nvPicPr>
+        <p:blipFill>
+          <a:blip r:embed="rId3"/>
+          <a:stretch>
+            <a:fillRect/>
+          </a:stretch>
+        </p:blipFill>
+        <p:spPr>
+          <a:xfrm>
+            <a:off x="8540431" y="3876906"/>
+            <a:ext cx="2036807" cy="2820194"/>
+          </a:xfrm>
+          <a:prstGeom prst="rect">
+            <a:avLst/>
+          </a:prstGeom>
+        </p:spPr>
+      </p:pic>
+    </p:spTree>
+    <p:extLst>
+      <p:ext uri="{BB962C8B-B14F-4D97-AF65-F5344CB8AC3E}">
+        <p14:creationId xmlns:p14="http://schemas.microsoft.com/office/powerpoint/2010/main" val="3703628640"/>
+      </p:ext>
+    </p:extLst>
+  </p:cSld>
+  <p:clrMapOvr>
+    <a:masterClrMapping/>
+  </p:clrMapOvr>
+</p:sld>
+</file>
+
+<file path=ppt/slides/slide35.xml><?xml version="1.0" encoding="utf-8"?>
+<p:sld xmlns:a="http://schemas.openxmlformats.org/drawingml/2006/main" xmlns:r="http://schemas.openxmlformats.org/officeDocument/2006/relationships" xmlns:p="http://schemas.openxmlformats.org/presentationml/2006/main">
+  <p:cSld>
+    <p:spTree>
+      <p:nvGrpSpPr>
+        <p:cNvPr id="1" name=""/>
+        <p:cNvGrpSpPr/>
+        <p:nvPr/>
+      </p:nvGrpSpPr>
+      <p:grpSpPr>
+        <a:xfrm>
+          <a:off x="0" y="0"/>
+          <a:ext cx="0" cy="0"/>
+          <a:chOff x="0" y="0"/>
+          <a:chExt cx="0" cy="0"/>
+        </a:xfrm>
+      </p:grpSpPr>
+      <p:sp>
+        <p:nvSpPr>
+          <p:cNvPr id="2" name="Title 1">
+            <a:extLst>
+              <a:ext uri="{FF2B5EF4-FFF2-40B4-BE49-F238E27FC236}">
+                <a16:creationId xmlns:a16="http://schemas.microsoft.com/office/drawing/2014/main" id="{7F2EEACE-707E-AA36-4632-54BC2C86D1DE}"/>
+              </a:ext>
+            </a:extLst>
+          </p:cNvPr>
+          <p:cNvSpPr>
+            <a:spLocks noGrp="1"/>
+          </p:cNvSpPr>
+          <p:nvPr>
+            <p:ph type="title"/>
+          </p:nvPr>
+        </p:nvSpPr>
+        <p:spPr/>
+        <p:txBody>
+          <a:bodyPr/>
+          <a:lstStyle/>
+          <a:p>
+            <a:r>
+              <a:rPr lang="en-US" dirty="0" err="1"/>
+              <a:t>Gpio</a:t>
+            </a:r>
+            <a:r>
+              <a:rPr lang="en-US" dirty="0"/>
+              <a:t> OUTPUT MODES</a:t>
+            </a:r>
+          </a:p>
+        </p:txBody>
+      </p:sp>
+      <p:sp>
+        <p:nvSpPr>
+          <p:cNvPr id="9" name="Content Placeholder 2">
+            <a:extLst>
+              <a:ext uri="{FF2B5EF4-FFF2-40B4-BE49-F238E27FC236}">
+                <a16:creationId xmlns:a16="http://schemas.microsoft.com/office/drawing/2014/main" id="{EEDD7FE9-33E0-8889-69D0-4AD7D589F0A2}"/>
+              </a:ext>
+            </a:extLst>
+          </p:cNvPr>
+          <p:cNvSpPr>
+            <a:spLocks noGrp="1"/>
+          </p:cNvSpPr>
+          <p:nvPr>
+            <p:ph idx="1"/>
+          </p:nvPr>
+        </p:nvSpPr>
+        <p:spPr>
+          <a:xfrm>
+            <a:off x="1141412" y="2249487"/>
+            <a:ext cx="5802948" cy="3541714"/>
+          </a:xfrm>
+        </p:spPr>
+        <p:txBody>
+          <a:bodyPr>
+            <a:normAutofit/>
+          </a:bodyPr>
+          <a:lstStyle/>
+          <a:p>
+            <a:pPr marL="0" indent="0">
+              <a:buNone/>
+            </a:pPr>
+            <a:r>
+              <a:rPr lang="en-US" dirty="0"/>
+              <a:t>As an output, a GPIO could be configured as:</a:t>
+            </a:r>
+          </a:p>
+          <a:p>
+            <a:r>
+              <a:rPr lang="en-US" dirty="0"/>
+              <a:t>Push-Pull: PMOS and NMOS transistors are used to drive the output to the desired level.</a:t>
+            </a:r>
+          </a:p>
+          <a:p>
+            <a:r>
+              <a:rPr lang="en-US" dirty="0"/>
+              <a:t>Open Drain: PMOS transistor is not used and requires a Pull-up resistor. Used to control devices that operate at a different voltage level.</a:t>
+            </a:r>
+          </a:p>
+        </p:txBody>
+      </p:sp>
+      <p:pic>
+        <p:nvPicPr>
+          <p:cNvPr id="4098" name="Picture 2" descr="Difference between Open Drain and Push Pull | Circuit Digest">
+            <a:extLst>
+              <a:ext uri="{FF2B5EF4-FFF2-40B4-BE49-F238E27FC236}">
+                <a16:creationId xmlns:a16="http://schemas.microsoft.com/office/drawing/2014/main" id="{1E24155D-5821-85F7-91D2-0D9633AEF0DB}"/>
+              </a:ext>
+            </a:extLst>
+          </p:cNvPr>
+          <p:cNvPicPr>
+            <a:picLocks noChangeAspect="1" noChangeArrowheads="1"/>
+          </p:cNvPicPr>
+          <p:nvPr/>
+        </p:nvPicPr>
+        <p:blipFill>
+          <a:blip r:embed="rId2">
+            <a:extLst>
+              <a:ext uri="{28A0092B-C50C-407E-A947-70E740481C1C}">
+                <a14:useLocalDpi xmlns:a14="http://schemas.microsoft.com/office/drawing/2010/main" val="0"/>
+              </a:ext>
+            </a:extLst>
+          </a:blip>
+          <a:srcRect/>
+          <a:stretch>
+            <a:fillRect/>
+          </a:stretch>
+        </p:blipFill>
+        <p:spPr bwMode="auto">
+          <a:xfrm>
+            <a:off x="7185327" y="2353180"/>
+            <a:ext cx="4889523" cy="2933714"/>
+          </a:xfrm>
+          <a:prstGeom prst="rect">
+            <a:avLst/>
+          </a:prstGeom>
+          <a:noFill/>
+          <a:extLst>
+            <a:ext uri="{909E8E84-426E-40DD-AFC4-6F175D3DCCD1}">
+              <a14:hiddenFill xmlns:a14="http://schemas.microsoft.com/office/drawing/2010/main">
+                <a:solidFill>
+                  <a:srgbClr val="FFFFFF"/>
+                </a:solidFill>
+              </a14:hiddenFill>
+            </a:ext>
+          </a:extLst>
+        </p:spPr>
+      </p:pic>
+    </p:spTree>
+    <p:extLst>
+      <p:ext uri="{BB962C8B-B14F-4D97-AF65-F5344CB8AC3E}">
+        <p14:creationId xmlns:p14="http://schemas.microsoft.com/office/powerpoint/2010/main" val="2457872314"/>
+      </p:ext>
+    </p:extLst>
+  </p:cSld>
+  <p:clrMapOvr>
+    <a:masterClrMapping/>
+  </p:clrMapOvr>
+</p:sld>
+</file>
+
+<file path=ppt/slides/slide36.xml><?xml version="1.0" encoding="utf-8"?>
+<p:sld xmlns:a="http://schemas.openxmlformats.org/drawingml/2006/main" xmlns:r="http://schemas.openxmlformats.org/officeDocument/2006/relationships" xmlns:p="http://schemas.openxmlformats.org/presentationml/2006/main">
+  <p:cSld>
+    <p:spTree>
+      <p:nvGrpSpPr>
+        <p:cNvPr id="1" name=""/>
+        <p:cNvGrpSpPr/>
+        <p:nvPr/>
+      </p:nvGrpSpPr>
+      <p:grpSpPr>
+        <a:xfrm>
+          <a:off x="0" y="0"/>
+          <a:ext cx="0" cy="0"/>
+          <a:chOff x="0" y="0"/>
+          <a:chExt cx="0" cy="0"/>
+        </a:xfrm>
+      </p:grpSpPr>
+      <p:sp>
+        <p:nvSpPr>
+          <p:cNvPr id="2" name="Title 1">
+            <a:extLst>
+              <a:ext uri="{FF2B5EF4-FFF2-40B4-BE49-F238E27FC236}">
+                <a16:creationId xmlns:a16="http://schemas.microsoft.com/office/drawing/2014/main" id="{477043EF-6457-2587-07EB-6435F168347A}"/>
+              </a:ext>
+            </a:extLst>
+          </p:cNvPr>
+          <p:cNvSpPr>
+            <a:spLocks noGrp="1"/>
+          </p:cNvSpPr>
+          <p:nvPr>
+            <p:ph type="title"/>
+          </p:nvPr>
+        </p:nvSpPr>
+        <p:spPr/>
+        <p:txBody>
+          <a:bodyPr/>
+          <a:lstStyle/>
+          <a:p>
+            <a:r>
+              <a:rPr lang="en-US" dirty="0" err="1"/>
+              <a:t>Gpio</a:t>
+            </a:r>
+            <a:r>
+              <a:rPr lang="en-US" dirty="0"/>
+              <a:t> on esp32-c3</a:t>
+            </a:r>
+          </a:p>
+        </p:txBody>
+      </p:sp>
+      <p:sp>
+        <p:nvSpPr>
+          <p:cNvPr id="3" name="Content Placeholder 2">
+            <a:extLst>
+              <a:ext uri="{FF2B5EF4-FFF2-40B4-BE49-F238E27FC236}">
+                <a16:creationId xmlns:a16="http://schemas.microsoft.com/office/drawing/2014/main" id="{8491821C-DACA-04DA-67A7-B34AB2BA0F92}"/>
+              </a:ext>
+            </a:extLst>
+          </p:cNvPr>
+          <p:cNvSpPr>
+            <a:spLocks noGrp="1"/>
+          </p:cNvSpPr>
+          <p:nvPr>
+            <p:ph idx="1"/>
+          </p:nvPr>
+        </p:nvSpPr>
+        <p:spPr>
+          <a:xfrm>
+            <a:off x="1141412" y="2249487"/>
+            <a:ext cx="5554028" cy="3541714"/>
+          </a:xfrm>
+        </p:spPr>
+        <p:txBody>
+          <a:bodyPr>
+            <a:normAutofit/>
+          </a:bodyPr>
+          <a:lstStyle/>
+          <a:p>
+            <a:r>
+              <a:rPr lang="en-US" dirty="0"/>
+              <a:t>ESP32-C3 has 22 GPIO pins.</a:t>
+            </a:r>
+          </a:p>
+          <a:p>
+            <a:r>
+              <a:rPr lang="en-US" dirty="0"/>
+              <a:t>Selectable Pull-up/Pull-down resistor.</a:t>
+            </a:r>
+          </a:p>
+          <a:p>
+            <a:r>
+              <a:rPr lang="en-US" dirty="0"/>
+              <a:t>Can be configured for High impedance.</a:t>
+            </a:r>
+          </a:p>
+          <a:p>
+            <a:r>
+              <a:rPr lang="en-US" dirty="0"/>
+              <a:t>Edge or level triggered Interrupts.</a:t>
+            </a:r>
+          </a:p>
+          <a:p>
+            <a:r>
+              <a:rPr lang="en-US" dirty="0"/>
+              <a:t>Can be multiplexed with other peripherals (Ex. SPI, UART, etc.).</a:t>
+            </a:r>
+          </a:p>
+          <a:p>
+            <a:endParaRPr lang="en-US" dirty="0"/>
+          </a:p>
+        </p:txBody>
+      </p:sp>
+      <p:pic>
+        <p:nvPicPr>
+          <p:cNvPr id="4" name="Picture 4" descr="ESP32-C3-DEVKITM-1 Espressif Systems | ชุดบอร์ดพัฒนา, ชุดอุปกรณ์,  โปรแกรมเมอร์ | DigiKey">
+            <a:extLst>
+              <a:ext uri="{FF2B5EF4-FFF2-40B4-BE49-F238E27FC236}">
+                <a16:creationId xmlns:a16="http://schemas.microsoft.com/office/drawing/2014/main" id="{3814D130-43D9-861C-29DA-A84FB8224C71}"/>
+              </a:ext>
+            </a:extLst>
+          </p:cNvPr>
+          <p:cNvPicPr>
+            <a:picLocks noChangeAspect="1" noChangeArrowheads="1"/>
+          </p:cNvPicPr>
+          <p:nvPr/>
+        </p:nvPicPr>
+        <p:blipFill>
+          <a:blip r:embed="rId2">
+            <a:extLst>
+              <a:ext uri="{28A0092B-C50C-407E-A947-70E740481C1C}">
+                <a14:useLocalDpi xmlns:a14="http://schemas.microsoft.com/office/drawing/2010/main" val="0"/>
+              </a:ext>
+            </a:extLst>
+          </a:blip>
+          <a:srcRect/>
+          <a:stretch>
+            <a:fillRect/>
+          </a:stretch>
+        </p:blipFill>
+        <p:spPr bwMode="auto">
+          <a:xfrm>
+            <a:off x="7434088" y="2097088"/>
+            <a:ext cx="3613323" cy="3613323"/>
+          </a:xfrm>
+          <a:prstGeom prst="rect">
+            <a:avLst/>
+          </a:prstGeom>
+          <a:noFill/>
+          <a:extLst>
+            <a:ext uri="{909E8E84-426E-40DD-AFC4-6F175D3DCCD1}">
+              <a14:hiddenFill xmlns:a14="http://schemas.microsoft.com/office/drawing/2010/main">
+                <a:solidFill>
+                  <a:srgbClr val="FFFFFF"/>
+                </a:solidFill>
+              </a14:hiddenFill>
+            </a:ext>
+          </a:extLst>
+        </p:spPr>
+      </p:pic>
+    </p:spTree>
+    <p:extLst>
+      <p:ext uri="{BB962C8B-B14F-4D97-AF65-F5344CB8AC3E}">
+        <p14:creationId xmlns:p14="http://schemas.microsoft.com/office/powerpoint/2010/main" val="2327936674"/>
+      </p:ext>
+    </p:extLst>
+  </p:cSld>
+  <p:clrMapOvr>
+    <a:masterClrMapping/>
+  </p:clrMapOvr>
+</p:sld>
+</file>
+
+<file path=ppt/slides/slide37.xml><?xml version="1.0" encoding="utf-8"?>
+<p:sld xmlns:a="http://schemas.openxmlformats.org/drawingml/2006/main" xmlns:r="http://schemas.openxmlformats.org/officeDocument/2006/relationships" xmlns:p="http://schemas.openxmlformats.org/presentationml/2006/main">
+  <p:cSld>
+    <p:spTree>
+      <p:nvGrpSpPr>
+        <p:cNvPr id="1" name=""/>
+        <p:cNvGrpSpPr/>
+        <p:nvPr/>
+      </p:nvGrpSpPr>
+      <p:grpSpPr>
+        <a:xfrm>
+          <a:off x="0" y="0"/>
+          <a:ext cx="0" cy="0"/>
+          <a:chOff x="0" y="0"/>
+          <a:chExt cx="0" cy="0"/>
+        </a:xfrm>
+      </p:grpSpPr>
+      <p:sp>
+        <p:nvSpPr>
+          <p:cNvPr id="2" name="Title 1">
+            <a:extLst>
+              <a:ext uri="{FF2B5EF4-FFF2-40B4-BE49-F238E27FC236}">
                 <a16:creationId xmlns:a16="http://schemas.microsoft.com/office/drawing/2014/main" id="{ED030F7B-DECD-EB86-AC32-3C0B84D8FEC2}"/>
               </a:ext>
             </a:extLst>
@@ -18258,7 +19428,7 @@
 </p:sld>
 </file>
 
-<file path=ppt/slides/slide31.xml><?xml version="1.0" encoding="utf-8"?>
+<file path=ppt/slides/slide38.xml><?xml version="1.0" encoding="utf-8"?>
 <p:sld xmlns:a="http://schemas.openxmlformats.org/drawingml/2006/main" xmlns:r="http://schemas.openxmlformats.org/officeDocument/2006/relationships" xmlns:p="http://schemas.openxmlformats.org/presentationml/2006/main">
   <p:cSld>
     <p:spTree>
@@ -18402,7 +19572,7 @@
 </p:sld>
 </file>
 
-<file path=ppt/slides/slide32.xml><?xml version="1.0" encoding="utf-8"?>
+<file path=ppt/slides/slide39.xml><?xml version="1.0" encoding="utf-8"?>
 <p:sld xmlns:a="http://schemas.openxmlformats.org/drawingml/2006/main" xmlns:r="http://schemas.openxmlformats.org/officeDocument/2006/relationships" xmlns:p="http://schemas.openxmlformats.org/presentationml/2006/main">
   <p:cSld>
     <p:spTree>
@@ -18528,1171 +19698,6 @@
     <p:extLst>
       <p:ext uri="{BB962C8B-B14F-4D97-AF65-F5344CB8AC3E}">
         <p14:creationId xmlns:p14="http://schemas.microsoft.com/office/powerpoint/2010/main" val="2960834565"/>
-      </p:ext>
-    </p:extLst>
-  </p:cSld>
-  <p:clrMapOvr>
-    <a:masterClrMapping/>
-  </p:clrMapOvr>
-</p:sld>
-</file>
-
-<file path=ppt/slides/slide33.xml><?xml version="1.0" encoding="utf-8"?>
-<p:sld xmlns:a="http://schemas.openxmlformats.org/drawingml/2006/main" xmlns:r="http://schemas.openxmlformats.org/officeDocument/2006/relationships" xmlns:p="http://schemas.openxmlformats.org/presentationml/2006/main">
-  <p:cSld>
-    <p:spTree>
-      <p:nvGrpSpPr>
-        <p:cNvPr id="1" name=""/>
-        <p:cNvGrpSpPr/>
-        <p:nvPr/>
-      </p:nvGrpSpPr>
-      <p:grpSpPr>
-        <a:xfrm>
-          <a:off x="0" y="0"/>
-          <a:ext cx="0" cy="0"/>
-          <a:chOff x="0" y="0"/>
-          <a:chExt cx="0" cy="0"/>
-        </a:xfrm>
-      </p:grpSpPr>
-      <p:sp>
-        <p:nvSpPr>
-          <p:cNvPr id="2" name="Title 1">
-            <a:extLst>
-              <a:ext uri="{FF2B5EF4-FFF2-40B4-BE49-F238E27FC236}">
-                <a16:creationId xmlns:a16="http://schemas.microsoft.com/office/drawing/2014/main" id="{E3ABDFE8-2835-5636-DA91-71E5C959917B}"/>
-              </a:ext>
-            </a:extLst>
-          </p:cNvPr>
-          <p:cNvSpPr>
-            <a:spLocks noGrp="1"/>
-          </p:cNvSpPr>
-          <p:nvPr>
-            <p:ph type="title"/>
-          </p:nvPr>
-        </p:nvSpPr>
-        <p:spPr/>
-        <p:txBody>
-          <a:bodyPr/>
-          <a:lstStyle/>
-          <a:p>
-            <a:r>
-              <a:rPr lang="en-US" dirty="0"/>
-              <a:t>INTERRUPTS</a:t>
-            </a:r>
-          </a:p>
-        </p:txBody>
-      </p:sp>
-      <p:sp>
-        <p:nvSpPr>
-          <p:cNvPr id="3" name="Content Placeholder 2">
-            <a:extLst>
-              <a:ext uri="{FF2B5EF4-FFF2-40B4-BE49-F238E27FC236}">
-                <a16:creationId xmlns:a16="http://schemas.microsoft.com/office/drawing/2014/main" id="{DC351514-1A32-F71B-45D2-07EAD5153707}"/>
-              </a:ext>
-            </a:extLst>
-          </p:cNvPr>
-          <p:cNvSpPr>
-            <a:spLocks noGrp="1"/>
-          </p:cNvSpPr>
-          <p:nvPr>
-            <p:ph idx="1"/>
-          </p:nvPr>
-        </p:nvSpPr>
-        <p:spPr>
-          <a:xfrm>
-            <a:off x="1141411" y="2249487"/>
-            <a:ext cx="10404967" cy="2267955"/>
-          </a:xfrm>
-        </p:spPr>
-        <p:txBody>
-          <a:bodyPr>
-            <a:normAutofit/>
-          </a:bodyPr>
-          <a:lstStyle/>
-          <a:p>
-            <a:r>
-              <a:rPr lang="en-US" dirty="0"/>
-              <a:t>Interrupts can have different priority levels.</a:t>
-            </a:r>
-          </a:p>
-          <a:p>
-            <a:r>
-              <a:rPr lang="en-US" dirty="0"/>
-              <a:t>Interrupts with higher priority are attended first and could cause an interruption when another ISR is running.</a:t>
-            </a:r>
-          </a:p>
-          <a:p>
-            <a:endParaRPr lang="en-US" dirty="0"/>
-          </a:p>
-        </p:txBody>
-      </p:sp>
-      <p:pic>
-        <p:nvPicPr>
-          <p:cNvPr id="5" name="Picture 4">
-            <a:extLst>
-              <a:ext uri="{FF2B5EF4-FFF2-40B4-BE49-F238E27FC236}">
-                <a16:creationId xmlns:a16="http://schemas.microsoft.com/office/drawing/2014/main" id="{C6F29354-039B-C227-BB6E-F4DF5174799D}"/>
-              </a:ext>
-            </a:extLst>
-          </p:cNvPr>
-          <p:cNvPicPr>
-            <a:picLocks noChangeAspect="1"/>
-          </p:cNvPicPr>
-          <p:nvPr/>
-        </p:nvPicPr>
-        <p:blipFill>
-          <a:blip r:embed="rId2"/>
-          <a:stretch>
-            <a:fillRect/>
-          </a:stretch>
-        </p:blipFill>
-        <p:spPr>
-          <a:xfrm>
-            <a:off x="2582544" y="4517442"/>
-            <a:ext cx="6386889" cy="1977780"/>
-          </a:xfrm>
-          <a:prstGeom prst="rect">
-            <a:avLst/>
-          </a:prstGeom>
-        </p:spPr>
-      </p:pic>
-    </p:spTree>
-    <p:extLst>
-      <p:ext uri="{BB962C8B-B14F-4D97-AF65-F5344CB8AC3E}">
-        <p14:creationId xmlns:p14="http://schemas.microsoft.com/office/powerpoint/2010/main" val="483818575"/>
-      </p:ext>
-    </p:extLst>
-  </p:cSld>
-  <p:clrMapOvr>
-    <a:masterClrMapping/>
-  </p:clrMapOvr>
-</p:sld>
-</file>
-
-<file path=ppt/slides/slide34.xml><?xml version="1.0" encoding="utf-8"?>
-<p:sld xmlns:a="http://schemas.openxmlformats.org/drawingml/2006/main" xmlns:r="http://schemas.openxmlformats.org/officeDocument/2006/relationships" xmlns:p="http://schemas.openxmlformats.org/presentationml/2006/main">
-  <p:cSld>
-    <p:spTree>
-      <p:nvGrpSpPr>
-        <p:cNvPr id="1" name=""/>
-        <p:cNvGrpSpPr/>
-        <p:nvPr/>
-      </p:nvGrpSpPr>
-      <p:grpSpPr>
-        <a:xfrm>
-          <a:off x="0" y="0"/>
-          <a:ext cx="0" cy="0"/>
-          <a:chOff x="0" y="0"/>
-          <a:chExt cx="0" cy="0"/>
-        </a:xfrm>
-      </p:grpSpPr>
-      <p:sp>
-        <p:nvSpPr>
-          <p:cNvPr id="2" name="Title 1">
-            <a:extLst>
-              <a:ext uri="{FF2B5EF4-FFF2-40B4-BE49-F238E27FC236}">
-                <a16:creationId xmlns:a16="http://schemas.microsoft.com/office/drawing/2014/main" id="{A0F8472B-D889-C1D7-8265-AFD50322F682}"/>
-              </a:ext>
-            </a:extLst>
-          </p:cNvPr>
-          <p:cNvSpPr>
-            <a:spLocks noGrp="1"/>
-          </p:cNvSpPr>
-          <p:nvPr>
-            <p:ph type="title"/>
-          </p:nvPr>
-        </p:nvSpPr>
-        <p:spPr/>
-        <p:txBody>
-          <a:bodyPr/>
-          <a:lstStyle/>
-          <a:p>
-            <a:r>
-              <a:rPr lang="en-US" dirty="0"/>
-              <a:t>interrupts</a:t>
-            </a:r>
-          </a:p>
-        </p:txBody>
-      </p:sp>
-      <p:sp>
-        <p:nvSpPr>
-          <p:cNvPr id="3" name="Content Placeholder 2">
-            <a:extLst>
-              <a:ext uri="{FF2B5EF4-FFF2-40B4-BE49-F238E27FC236}">
-                <a16:creationId xmlns:a16="http://schemas.microsoft.com/office/drawing/2014/main" id="{46A144D2-F07A-AA57-017E-94714255F336}"/>
-              </a:ext>
-            </a:extLst>
-          </p:cNvPr>
-          <p:cNvSpPr>
-            <a:spLocks noGrp="1"/>
-          </p:cNvSpPr>
-          <p:nvPr>
-            <p:ph idx="1"/>
-          </p:nvPr>
-        </p:nvSpPr>
-        <p:spPr>
-          <a:xfrm>
-            <a:off x="1141413" y="2249487"/>
-            <a:ext cx="6040784" cy="3541714"/>
-          </a:xfrm>
-        </p:spPr>
-        <p:txBody>
-          <a:bodyPr>
-            <a:normAutofit fontScale="92500"/>
-          </a:bodyPr>
-          <a:lstStyle/>
-          <a:p>
-            <a:r>
-              <a:rPr lang="en-US" dirty="0"/>
-              <a:t>If not handled carefully, interrupts can cause data corruption or undesired behavior in a program.</a:t>
-            </a:r>
-          </a:p>
-          <a:p>
-            <a:r>
-              <a:rPr lang="en-US" dirty="0"/>
-              <a:t>Data access where there is no possibility of interruption or corruption is known as  “Atomic Access”.</a:t>
-            </a:r>
-          </a:p>
-          <a:p>
-            <a:r>
-              <a:rPr lang="en-US" dirty="0"/>
-              <a:t>Code that must have indivisible access to data is called a “Critical Section”.</a:t>
-            </a:r>
-          </a:p>
-          <a:p>
-            <a:pPr marL="0" indent="0">
-              <a:buNone/>
-            </a:pPr>
-            <a:endParaRPr lang="en-US" dirty="0"/>
-          </a:p>
-        </p:txBody>
-      </p:sp>
-      <p:pic>
-        <p:nvPicPr>
-          <p:cNvPr id="5" name="Picture 4">
-            <a:extLst>
-              <a:ext uri="{FF2B5EF4-FFF2-40B4-BE49-F238E27FC236}">
-                <a16:creationId xmlns:a16="http://schemas.microsoft.com/office/drawing/2014/main" id="{405BAA1F-7673-C2D0-4AEB-6EF9B42D101E}"/>
-              </a:ext>
-            </a:extLst>
-          </p:cNvPr>
-          <p:cNvPicPr>
-            <a:picLocks noChangeAspect="1"/>
-          </p:cNvPicPr>
-          <p:nvPr/>
-        </p:nvPicPr>
-        <p:blipFill>
-          <a:blip r:embed="rId2"/>
-          <a:stretch>
-            <a:fillRect/>
-          </a:stretch>
-        </p:blipFill>
-        <p:spPr>
-          <a:xfrm>
-            <a:off x="7743998" y="1747837"/>
-            <a:ext cx="2971800" cy="3362325"/>
-          </a:xfrm>
-          <a:prstGeom prst="rect">
-            <a:avLst/>
-          </a:prstGeom>
-        </p:spPr>
-      </p:pic>
-    </p:spTree>
-    <p:extLst>
-      <p:ext uri="{BB962C8B-B14F-4D97-AF65-F5344CB8AC3E}">
-        <p14:creationId xmlns:p14="http://schemas.microsoft.com/office/powerpoint/2010/main" val="1087594216"/>
-      </p:ext>
-    </p:extLst>
-  </p:cSld>
-  <p:clrMapOvr>
-    <a:masterClrMapping/>
-  </p:clrMapOvr>
-</p:sld>
-</file>
-
-<file path=ppt/slides/slide35.xml><?xml version="1.0" encoding="utf-8"?>
-<p:sld xmlns:a="http://schemas.openxmlformats.org/drawingml/2006/main" xmlns:r="http://schemas.openxmlformats.org/officeDocument/2006/relationships" xmlns:p="http://schemas.openxmlformats.org/presentationml/2006/main">
-  <p:cSld>
-    <p:spTree>
-      <p:nvGrpSpPr>
-        <p:cNvPr id="1" name=""/>
-        <p:cNvGrpSpPr/>
-        <p:nvPr/>
-      </p:nvGrpSpPr>
-      <p:grpSpPr>
-        <a:xfrm>
-          <a:off x="0" y="0"/>
-          <a:ext cx="0" cy="0"/>
-          <a:chOff x="0" y="0"/>
-          <a:chExt cx="0" cy="0"/>
-        </a:xfrm>
-      </p:grpSpPr>
-      <p:sp>
-        <p:nvSpPr>
-          <p:cNvPr id="2" name="Title 1">
-            <a:extLst>
-              <a:ext uri="{FF2B5EF4-FFF2-40B4-BE49-F238E27FC236}">
-                <a16:creationId xmlns:a16="http://schemas.microsoft.com/office/drawing/2014/main" id="{89A61710-D24B-CAD2-42D5-3AE475DFC9F9}"/>
-              </a:ext>
-            </a:extLst>
-          </p:cNvPr>
-          <p:cNvSpPr>
-            <a:spLocks noGrp="1"/>
-          </p:cNvSpPr>
-          <p:nvPr>
-            <p:ph type="title"/>
-          </p:nvPr>
-        </p:nvSpPr>
-        <p:spPr/>
-        <p:txBody>
-          <a:bodyPr/>
-          <a:lstStyle/>
-          <a:p>
-            <a:r>
-              <a:rPr lang="en-US" dirty="0"/>
-              <a:t>GPIO</a:t>
-            </a:r>
-          </a:p>
-        </p:txBody>
-      </p:sp>
-      <p:sp>
-        <p:nvSpPr>
-          <p:cNvPr id="3" name="Content Placeholder 2">
-            <a:extLst>
-              <a:ext uri="{FF2B5EF4-FFF2-40B4-BE49-F238E27FC236}">
-                <a16:creationId xmlns:a16="http://schemas.microsoft.com/office/drawing/2014/main" id="{546902EB-D4EC-8E42-37C3-BBA5A948A77B}"/>
-              </a:ext>
-            </a:extLst>
-          </p:cNvPr>
-          <p:cNvSpPr>
-            <a:spLocks noGrp="1"/>
-          </p:cNvSpPr>
-          <p:nvPr>
-            <p:ph idx="1"/>
-          </p:nvPr>
-        </p:nvSpPr>
-        <p:spPr>
-          <a:xfrm>
-            <a:off x="846773" y="1792575"/>
-            <a:ext cx="6540714" cy="4450571"/>
-          </a:xfrm>
-        </p:spPr>
-        <p:txBody>
-          <a:bodyPr>
-            <a:normAutofit/>
-          </a:bodyPr>
-          <a:lstStyle/>
-          <a:p>
-            <a:r>
-              <a:rPr lang="en-US" dirty="0"/>
-              <a:t>Stands for “General Purpose Input Output”</a:t>
-            </a:r>
-          </a:p>
-          <a:p>
-            <a:r>
-              <a:rPr lang="en-US" dirty="0"/>
-              <a:t>Configured through microcontroller registers.</a:t>
-            </a:r>
-          </a:p>
-          <a:p>
-            <a:r>
-              <a:rPr lang="en-US" dirty="0"/>
-              <a:t>A group of GPIO pins is called a Port (Ex. PORTA, PORTB).</a:t>
-            </a:r>
-          </a:p>
-          <a:p>
-            <a:r>
-              <a:rPr lang="en-US" dirty="0"/>
-              <a:t>Used for:</a:t>
-            </a:r>
-          </a:p>
-          <a:p>
-            <a:pPr lvl="1"/>
-            <a:r>
-              <a:rPr lang="en-US" dirty="0"/>
-              <a:t>Interact with sensors.</a:t>
-            </a:r>
-          </a:p>
-          <a:p>
-            <a:pPr lvl="1"/>
-            <a:r>
-              <a:rPr lang="en-US" dirty="0"/>
-              <a:t>Receive user inputs.</a:t>
-            </a:r>
-          </a:p>
-          <a:p>
-            <a:pPr lvl="1"/>
-            <a:r>
-              <a:rPr lang="en-US" dirty="0"/>
-              <a:t>Send voltage signals.</a:t>
-            </a:r>
-          </a:p>
-          <a:p>
-            <a:pPr lvl="1"/>
-            <a:r>
-              <a:rPr lang="en-US" dirty="0"/>
-              <a:t>Support other MCU Peripherals.</a:t>
-            </a:r>
-          </a:p>
-        </p:txBody>
-      </p:sp>
-      <p:pic>
-        <p:nvPicPr>
-          <p:cNvPr id="9" name="Picture 8" descr="Introduction to GPIO - General Purpose I/O - NerdyElectronics">
-            <a:extLst>
-              <a:ext uri="{FF2B5EF4-FFF2-40B4-BE49-F238E27FC236}">
-                <a16:creationId xmlns:a16="http://schemas.microsoft.com/office/drawing/2014/main" id="{F0B2F7B7-9117-C1DD-14D3-37049C9ED927}"/>
-              </a:ext>
-            </a:extLst>
-          </p:cNvPr>
-          <p:cNvPicPr>
-            <a:picLocks noChangeAspect="1" noChangeArrowheads="1"/>
-          </p:cNvPicPr>
-          <p:nvPr/>
-        </p:nvPicPr>
-        <p:blipFill>
-          <a:blip r:embed="rId2">
-            <a:extLst>
-              <a:ext uri="{28A0092B-C50C-407E-A947-70E740481C1C}">
-                <a14:useLocalDpi xmlns:a14="http://schemas.microsoft.com/office/drawing/2010/main" val="0"/>
-              </a:ext>
-            </a:extLst>
-          </a:blip>
-          <a:srcRect/>
-          <a:stretch>
-            <a:fillRect/>
-          </a:stretch>
-        </p:blipFill>
-        <p:spPr bwMode="auto">
-          <a:xfrm>
-            <a:off x="7509406" y="2214880"/>
-            <a:ext cx="4013698" cy="2898069"/>
-          </a:xfrm>
-          <a:prstGeom prst="rect">
-            <a:avLst/>
-          </a:prstGeom>
-          <a:noFill/>
-          <a:extLst>
-            <a:ext uri="{909E8E84-426E-40DD-AFC4-6F175D3DCCD1}">
-              <a14:hiddenFill xmlns:a14="http://schemas.microsoft.com/office/drawing/2010/main">
-                <a:solidFill>
-                  <a:srgbClr val="FFFFFF"/>
-                </a:solidFill>
-              </a14:hiddenFill>
-            </a:ext>
-          </a:extLst>
-        </p:spPr>
-      </p:pic>
-    </p:spTree>
-    <p:extLst>
-      <p:ext uri="{BB962C8B-B14F-4D97-AF65-F5344CB8AC3E}">
-        <p14:creationId xmlns:p14="http://schemas.microsoft.com/office/powerpoint/2010/main" val="2515327305"/>
-      </p:ext>
-    </p:extLst>
-  </p:cSld>
-  <p:clrMapOvr>
-    <a:masterClrMapping/>
-  </p:clrMapOvr>
-</p:sld>
-</file>
-
-<file path=ppt/slides/slide36.xml><?xml version="1.0" encoding="utf-8"?>
-<p:sld xmlns:a="http://schemas.openxmlformats.org/drawingml/2006/main" xmlns:r="http://schemas.openxmlformats.org/officeDocument/2006/relationships" xmlns:p="http://schemas.openxmlformats.org/presentationml/2006/main">
-  <p:cSld>
-    <p:spTree>
-      <p:nvGrpSpPr>
-        <p:cNvPr id="1" name=""/>
-        <p:cNvGrpSpPr/>
-        <p:nvPr/>
-      </p:nvGrpSpPr>
-      <p:grpSpPr>
-        <a:xfrm>
-          <a:off x="0" y="0"/>
-          <a:ext cx="0" cy="0"/>
-          <a:chOff x="0" y="0"/>
-          <a:chExt cx="0" cy="0"/>
-        </a:xfrm>
-      </p:grpSpPr>
-      <p:sp>
-        <p:nvSpPr>
-          <p:cNvPr id="2" name="Title 1">
-            <a:extLst>
-              <a:ext uri="{FF2B5EF4-FFF2-40B4-BE49-F238E27FC236}">
-                <a16:creationId xmlns:a16="http://schemas.microsoft.com/office/drawing/2014/main" id="{89A61710-D24B-CAD2-42D5-3AE475DFC9F9}"/>
-              </a:ext>
-            </a:extLst>
-          </p:cNvPr>
-          <p:cNvSpPr>
-            <a:spLocks noGrp="1"/>
-          </p:cNvSpPr>
-          <p:nvPr>
-            <p:ph type="title"/>
-          </p:nvPr>
-        </p:nvSpPr>
-        <p:spPr/>
-        <p:txBody>
-          <a:bodyPr/>
-          <a:lstStyle/>
-          <a:p>
-            <a:r>
-              <a:rPr lang="en-US" dirty="0"/>
-              <a:t>GPIO Mode</a:t>
-            </a:r>
-          </a:p>
-        </p:txBody>
-      </p:sp>
-      <p:sp>
-        <p:nvSpPr>
-          <p:cNvPr id="3" name="Content Placeholder 2">
-            <a:extLst>
-              <a:ext uri="{FF2B5EF4-FFF2-40B4-BE49-F238E27FC236}">
-                <a16:creationId xmlns:a16="http://schemas.microsoft.com/office/drawing/2014/main" id="{546902EB-D4EC-8E42-37C3-BBA5A948A77B}"/>
-              </a:ext>
-            </a:extLst>
-          </p:cNvPr>
-          <p:cNvSpPr>
-            <a:spLocks noGrp="1"/>
-          </p:cNvSpPr>
-          <p:nvPr>
-            <p:ph idx="1"/>
-          </p:nvPr>
-        </p:nvSpPr>
-        <p:spPr>
-          <a:xfrm>
-            <a:off x="1141412" y="2249486"/>
-            <a:ext cx="6784003" cy="4450571"/>
-          </a:xfrm>
-        </p:spPr>
-        <p:txBody>
-          <a:bodyPr>
-            <a:normAutofit/>
-          </a:bodyPr>
-          <a:lstStyle/>
-          <a:p>
-            <a:r>
-              <a:rPr lang="en-US" dirty="0"/>
-              <a:t>GPIO can be configured as an input to bring information into the microcontroller (Ex. Reading a button).</a:t>
-            </a:r>
-          </a:p>
-          <a:p>
-            <a:r>
-              <a:rPr lang="en-US" dirty="0"/>
-              <a:t>GPIO can be configured as an output to send a digital signal to an external device (Ex. Controlling an LED).</a:t>
-            </a:r>
-          </a:p>
-          <a:p>
-            <a:r>
-              <a:rPr lang="en-US" dirty="0"/>
-              <a:t>In some cases, GPIO need to be configured for an “alternate” mode to support another MCU peripheral.</a:t>
-            </a:r>
-          </a:p>
-        </p:txBody>
-      </p:sp>
-      <p:pic>
-        <p:nvPicPr>
-          <p:cNvPr id="3084" name="Picture 12" descr="Científicos crean luz LED biodegradable que usa proteínas | TECNOLOGIA | EL  COMERCIO PERÚ">
-            <a:extLst>
-              <a:ext uri="{FF2B5EF4-FFF2-40B4-BE49-F238E27FC236}">
-                <a16:creationId xmlns:a16="http://schemas.microsoft.com/office/drawing/2014/main" id="{5D10528F-6AFB-FBC0-C513-76BC1D51BEE0}"/>
-              </a:ext>
-            </a:extLst>
-          </p:cNvPr>
-          <p:cNvPicPr>
-            <a:picLocks noChangeAspect="1" noChangeArrowheads="1"/>
-          </p:cNvPicPr>
-          <p:nvPr/>
-        </p:nvPicPr>
-        <p:blipFill>
-          <a:blip r:embed="rId2">
-            <a:extLst>
-              <a:ext uri="{28A0092B-C50C-407E-A947-70E740481C1C}">
-                <a14:useLocalDpi xmlns:a14="http://schemas.microsoft.com/office/drawing/2010/main" val="0"/>
-              </a:ext>
-            </a:extLst>
-          </a:blip>
-          <a:srcRect/>
-          <a:stretch>
-            <a:fillRect/>
-          </a:stretch>
-        </p:blipFill>
-        <p:spPr bwMode="auto">
-          <a:xfrm>
-            <a:off x="7925415" y="3784897"/>
-            <a:ext cx="3430843" cy="1952031"/>
-          </a:xfrm>
-          <a:prstGeom prst="rect">
-            <a:avLst/>
-          </a:prstGeom>
-          <a:noFill/>
-          <a:extLst>
-            <a:ext uri="{909E8E84-426E-40DD-AFC4-6F175D3DCCD1}">
-              <a14:hiddenFill xmlns:a14="http://schemas.microsoft.com/office/drawing/2010/main">
-                <a:solidFill>
-                  <a:srgbClr val="FFFFFF"/>
-                </a:solidFill>
-              </a14:hiddenFill>
-            </a:ext>
-          </a:extLst>
-        </p:spPr>
-      </p:pic>
-      <p:pic>
-        <p:nvPicPr>
-          <p:cNvPr id="3090" name="Picture 18" descr="Pushbutton 12mm">
-            <a:extLst>
-              <a:ext uri="{FF2B5EF4-FFF2-40B4-BE49-F238E27FC236}">
-                <a16:creationId xmlns:a16="http://schemas.microsoft.com/office/drawing/2014/main" id="{C1368EBE-FF29-E25F-DFB2-BFEFD7A83033}"/>
-              </a:ext>
-            </a:extLst>
-          </p:cNvPr>
-          <p:cNvPicPr>
-            <a:picLocks noChangeAspect="1" noChangeArrowheads="1"/>
-          </p:cNvPicPr>
-          <p:nvPr/>
-        </p:nvPicPr>
-        <p:blipFill>
-          <a:blip r:embed="rId3">
-            <a:extLst>
-              <a:ext uri="{28A0092B-C50C-407E-A947-70E740481C1C}">
-                <a14:useLocalDpi xmlns:a14="http://schemas.microsoft.com/office/drawing/2010/main" val="0"/>
-              </a:ext>
-            </a:extLst>
-          </a:blip>
-          <a:srcRect/>
-          <a:stretch>
-            <a:fillRect/>
-          </a:stretch>
-        </p:blipFill>
-        <p:spPr bwMode="auto">
-          <a:xfrm>
-            <a:off x="8038305" y="1216530"/>
-            <a:ext cx="2875501" cy="1913515"/>
-          </a:xfrm>
-          <a:prstGeom prst="rect">
-            <a:avLst/>
-          </a:prstGeom>
-          <a:noFill/>
-          <a:extLst>
-            <a:ext uri="{909E8E84-426E-40DD-AFC4-6F175D3DCCD1}">
-              <a14:hiddenFill xmlns:a14="http://schemas.microsoft.com/office/drawing/2010/main">
-                <a:solidFill>
-                  <a:srgbClr val="FFFFFF"/>
-                </a:solidFill>
-              </a14:hiddenFill>
-            </a:ext>
-          </a:extLst>
-        </p:spPr>
-      </p:pic>
-    </p:spTree>
-    <p:extLst>
-      <p:ext uri="{BB962C8B-B14F-4D97-AF65-F5344CB8AC3E}">
-        <p14:creationId xmlns:p14="http://schemas.microsoft.com/office/powerpoint/2010/main" val="1604413271"/>
-      </p:ext>
-    </p:extLst>
-  </p:cSld>
-  <p:clrMapOvr>
-    <a:masterClrMapping/>
-  </p:clrMapOvr>
-</p:sld>
-</file>
-
-<file path=ppt/slides/slide37.xml><?xml version="1.0" encoding="utf-8"?>
-<p:sld xmlns:a="http://schemas.openxmlformats.org/drawingml/2006/main" xmlns:r="http://schemas.openxmlformats.org/officeDocument/2006/relationships" xmlns:p="http://schemas.openxmlformats.org/presentationml/2006/main">
-  <p:cSld>
-    <p:spTree>
-      <p:nvGrpSpPr>
-        <p:cNvPr id="1" name=""/>
-        <p:cNvGrpSpPr/>
-        <p:nvPr/>
-      </p:nvGrpSpPr>
-      <p:grpSpPr>
-        <a:xfrm>
-          <a:off x="0" y="0"/>
-          <a:ext cx="0" cy="0"/>
-          <a:chOff x="0" y="0"/>
-          <a:chExt cx="0" cy="0"/>
-        </a:xfrm>
-      </p:grpSpPr>
-      <p:sp>
-        <p:nvSpPr>
-          <p:cNvPr id="2" name="Title 1">
-            <a:extLst>
-              <a:ext uri="{FF2B5EF4-FFF2-40B4-BE49-F238E27FC236}">
-                <a16:creationId xmlns:a16="http://schemas.microsoft.com/office/drawing/2014/main" id="{29249182-A7BA-AA3A-9841-F5CBB0653B3C}"/>
-              </a:ext>
-            </a:extLst>
-          </p:cNvPr>
-          <p:cNvSpPr>
-            <a:spLocks noGrp="1"/>
-          </p:cNvSpPr>
-          <p:nvPr>
-            <p:ph type="title"/>
-          </p:nvPr>
-        </p:nvSpPr>
-        <p:spPr/>
-        <p:txBody>
-          <a:bodyPr/>
-          <a:lstStyle/>
-          <a:p>
-            <a:r>
-              <a:rPr lang="en-US" dirty="0"/>
-              <a:t>GPIO Input modes</a:t>
-            </a:r>
-          </a:p>
-        </p:txBody>
-      </p:sp>
-      <p:sp>
-        <p:nvSpPr>
-          <p:cNvPr id="3" name="Content Placeholder 2">
-            <a:extLst>
-              <a:ext uri="{FF2B5EF4-FFF2-40B4-BE49-F238E27FC236}">
-                <a16:creationId xmlns:a16="http://schemas.microsoft.com/office/drawing/2014/main" id="{A4A01279-ACB3-F7AB-0BAC-A574FDC25C38}"/>
-              </a:ext>
-            </a:extLst>
-          </p:cNvPr>
-          <p:cNvSpPr>
-            <a:spLocks noGrp="1"/>
-          </p:cNvSpPr>
-          <p:nvPr>
-            <p:ph idx="1"/>
-          </p:nvPr>
-        </p:nvSpPr>
-        <p:spPr>
-          <a:xfrm>
-            <a:off x="1141412" y="2249487"/>
-            <a:ext cx="7108508" cy="3541714"/>
-          </a:xfrm>
-        </p:spPr>
-        <p:txBody>
-          <a:bodyPr>
-            <a:normAutofit lnSpcReduction="10000"/>
-          </a:bodyPr>
-          <a:lstStyle/>
-          <a:p>
-            <a:pPr marL="0" indent="0">
-              <a:buNone/>
-            </a:pPr>
-            <a:r>
-              <a:rPr lang="en-US" dirty="0"/>
-              <a:t>As an input, a GPIO could be configured as:</a:t>
-            </a:r>
-          </a:p>
-          <a:p>
-            <a:r>
-              <a:rPr lang="en-US" dirty="0"/>
-              <a:t>High-Impedance: the pin is left open; it does not consume any current. The state is indeterminate.</a:t>
-            </a:r>
-          </a:p>
-          <a:p>
-            <a:r>
-              <a:rPr lang="en-US" dirty="0"/>
-              <a:t>Pull-Up: the state of the pin will be high, unless an external pull-down circuit is introduced.</a:t>
-            </a:r>
-          </a:p>
-          <a:p>
-            <a:r>
-              <a:rPr lang="en-US" dirty="0"/>
-              <a:t>Pull-Down: the state of the pin will be low, unless an external pull-down circuit is introduced.</a:t>
-            </a:r>
-          </a:p>
-          <a:p>
-            <a:endParaRPr lang="en-US" dirty="0"/>
-          </a:p>
-        </p:txBody>
-      </p:sp>
-      <p:pic>
-        <p:nvPicPr>
-          <p:cNvPr id="5" name="Picture 4">
-            <a:extLst>
-              <a:ext uri="{FF2B5EF4-FFF2-40B4-BE49-F238E27FC236}">
-                <a16:creationId xmlns:a16="http://schemas.microsoft.com/office/drawing/2014/main" id="{30B35B8B-5F41-9AC0-BC25-1EF3246EE179}"/>
-              </a:ext>
-            </a:extLst>
-          </p:cNvPr>
-          <p:cNvPicPr>
-            <a:picLocks noChangeAspect="1"/>
-          </p:cNvPicPr>
-          <p:nvPr/>
-        </p:nvPicPr>
-        <p:blipFill>
-          <a:blip r:embed="rId2"/>
-          <a:stretch>
-            <a:fillRect/>
-          </a:stretch>
-        </p:blipFill>
-        <p:spPr>
-          <a:xfrm>
-            <a:off x="8540431" y="618518"/>
-            <a:ext cx="1936195" cy="3103217"/>
-          </a:xfrm>
-          <a:prstGeom prst="rect">
-            <a:avLst/>
-          </a:prstGeom>
-        </p:spPr>
-      </p:pic>
-      <p:pic>
-        <p:nvPicPr>
-          <p:cNvPr id="7" name="Picture 6">
-            <a:extLst>
-              <a:ext uri="{FF2B5EF4-FFF2-40B4-BE49-F238E27FC236}">
-                <a16:creationId xmlns:a16="http://schemas.microsoft.com/office/drawing/2014/main" id="{AD19A850-0567-94DF-A577-5A79AE851F3A}"/>
-              </a:ext>
-            </a:extLst>
-          </p:cNvPr>
-          <p:cNvPicPr>
-            <a:picLocks noChangeAspect="1"/>
-          </p:cNvPicPr>
-          <p:nvPr/>
-        </p:nvPicPr>
-        <p:blipFill>
-          <a:blip r:embed="rId3"/>
-          <a:stretch>
-            <a:fillRect/>
-          </a:stretch>
-        </p:blipFill>
-        <p:spPr>
-          <a:xfrm>
-            <a:off x="8540431" y="3876906"/>
-            <a:ext cx="2036807" cy="2820194"/>
-          </a:xfrm>
-          <a:prstGeom prst="rect">
-            <a:avLst/>
-          </a:prstGeom>
-        </p:spPr>
-      </p:pic>
-    </p:spTree>
-    <p:extLst>
-      <p:ext uri="{BB962C8B-B14F-4D97-AF65-F5344CB8AC3E}">
-        <p14:creationId xmlns:p14="http://schemas.microsoft.com/office/powerpoint/2010/main" val="3703628640"/>
-      </p:ext>
-    </p:extLst>
-  </p:cSld>
-  <p:clrMapOvr>
-    <a:masterClrMapping/>
-  </p:clrMapOvr>
-</p:sld>
-</file>
-
-<file path=ppt/slides/slide38.xml><?xml version="1.0" encoding="utf-8"?>
-<p:sld xmlns:a="http://schemas.openxmlformats.org/drawingml/2006/main" xmlns:r="http://schemas.openxmlformats.org/officeDocument/2006/relationships" xmlns:p="http://schemas.openxmlformats.org/presentationml/2006/main">
-  <p:cSld>
-    <p:spTree>
-      <p:nvGrpSpPr>
-        <p:cNvPr id="1" name=""/>
-        <p:cNvGrpSpPr/>
-        <p:nvPr/>
-      </p:nvGrpSpPr>
-      <p:grpSpPr>
-        <a:xfrm>
-          <a:off x="0" y="0"/>
-          <a:ext cx="0" cy="0"/>
-          <a:chOff x="0" y="0"/>
-          <a:chExt cx="0" cy="0"/>
-        </a:xfrm>
-      </p:grpSpPr>
-      <p:sp>
-        <p:nvSpPr>
-          <p:cNvPr id="2" name="Title 1">
-            <a:extLst>
-              <a:ext uri="{FF2B5EF4-FFF2-40B4-BE49-F238E27FC236}">
-                <a16:creationId xmlns:a16="http://schemas.microsoft.com/office/drawing/2014/main" id="{7F2EEACE-707E-AA36-4632-54BC2C86D1DE}"/>
-              </a:ext>
-            </a:extLst>
-          </p:cNvPr>
-          <p:cNvSpPr>
-            <a:spLocks noGrp="1"/>
-          </p:cNvSpPr>
-          <p:nvPr>
-            <p:ph type="title"/>
-          </p:nvPr>
-        </p:nvSpPr>
-        <p:spPr/>
-        <p:txBody>
-          <a:bodyPr/>
-          <a:lstStyle/>
-          <a:p>
-            <a:r>
-              <a:rPr lang="en-US" dirty="0" err="1"/>
-              <a:t>Gpio</a:t>
-            </a:r>
-            <a:r>
-              <a:rPr lang="en-US" dirty="0"/>
-              <a:t> OUTPUT MODES</a:t>
-            </a:r>
-          </a:p>
-        </p:txBody>
-      </p:sp>
-      <p:sp>
-        <p:nvSpPr>
-          <p:cNvPr id="9" name="Content Placeholder 2">
-            <a:extLst>
-              <a:ext uri="{FF2B5EF4-FFF2-40B4-BE49-F238E27FC236}">
-                <a16:creationId xmlns:a16="http://schemas.microsoft.com/office/drawing/2014/main" id="{EEDD7FE9-33E0-8889-69D0-4AD7D589F0A2}"/>
-              </a:ext>
-            </a:extLst>
-          </p:cNvPr>
-          <p:cNvSpPr>
-            <a:spLocks noGrp="1"/>
-          </p:cNvSpPr>
-          <p:nvPr>
-            <p:ph idx="1"/>
-          </p:nvPr>
-        </p:nvSpPr>
-        <p:spPr>
-          <a:xfrm>
-            <a:off x="1141412" y="2249487"/>
-            <a:ext cx="5802948" cy="3541714"/>
-          </a:xfrm>
-        </p:spPr>
-        <p:txBody>
-          <a:bodyPr>
-            <a:normAutofit/>
-          </a:bodyPr>
-          <a:lstStyle/>
-          <a:p>
-            <a:pPr marL="0" indent="0">
-              <a:buNone/>
-            </a:pPr>
-            <a:r>
-              <a:rPr lang="en-US" dirty="0"/>
-              <a:t>As an output, a GPIO could be configured as:</a:t>
-            </a:r>
-          </a:p>
-          <a:p>
-            <a:r>
-              <a:rPr lang="en-US" dirty="0"/>
-              <a:t>Push-Pull: PMOS and NMOS transistors are used to drive the output to the desired level.</a:t>
-            </a:r>
-          </a:p>
-          <a:p>
-            <a:r>
-              <a:rPr lang="en-US" dirty="0"/>
-              <a:t>Open Drain: PMOS transistor is not used and requires a Pull-up resistor. Used to control devices that operate at a different voltage level.</a:t>
-            </a:r>
-          </a:p>
-        </p:txBody>
-      </p:sp>
-      <p:pic>
-        <p:nvPicPr>
-          <p:cNvPr id="4098" name="Picture 2" descr="Difference between Open Drain and Push Pull | Circuit Digest">
-            <a:extLst>
-              <a:ext uri="{FF2B5EF4-FFF2-40B4-BE49-F238E27FC236}">
-                <a16:creationId xmlns:a16="http://schemas.microsoft.com/office/drawing/2014/main" id="{1E24155D-5821-85F7-91D2-0D9633AEF0DB}"/>
-              </a:ext>
-            </a:extLst>
-          </p:cNvPr>
-          <p:cNvPicPr>
-            <a:picLocks noChangeAspect="1" noChangeArrowheads="1"/>
-          </p:cNvPicPr>
-          <p:nvPr/>
-        </p:nvPicPr>
-        <p:blipFill>
-          <a:blip r:embed="rId2">
-            <a:extLst>
-              <a:ext uri="{28A0092B-C50C-407E-A947-70E740481C1C}">
-                <a14:useLocalDpi xmlns:a14="http://schemas.microsoft.com/office/drawing/2010/main" val="0"/>
-              </a:ext>
-            </a:extLst>
-          </a:blip>
-          <a:srcRect/>
-          <a:stretch>
-            <a:fillRect/>
-          </a:stretch>
-        </p:blipFill>
-        <p:spPr bwMode="auto">
-          <a:xfrm>
-            <a:off x="7185327" y="2353180"/>
-            <a:ext cx="4889523" cy="2933714"/>
-          </a:xfrm>
-          <a:prstGeom prst="rect">
-            <a:avLst/>
-          </a:prstGeom>
-          <a:noFill/>
-          <a:extLst>
-            <a:ext uri="{909E8E84-426E-40DD-AFC4-6F175D3DCCD1}">
-              <a14:hiddenFill xmlns:a14="http://schemas.microsoft.com/office/drawing/2010/main">
-                <a:solidFill>
-                  <a:srgbClr val="FFFFFF"/>
-                </a:solidFill>
-              </a14:hiddenFill>
-            </a:ext>
-          </a:extLst>
-        </p:spPr>
-      </p:pic>
-    </p:spTree>
-    <p:extLst>
-      <p:ext uri="{BB962C8B-B14F-4D97-AF65-F5344CB8AC3E}">
-        <p14:creationId xmlns:p14="http://schemas.microsoft.com/office/powerpoint/2010/main" val="2457872314"/>
-      </p:ext>
-    </p:extLst>
-  </p:cSld>
-  <p:clrMapOvr>
-    <a:masterClrMapping/>
-  </p:clrMapOvr>
-</p:sld>
-</file>
-
-<file path=ppt/slides/slide39.xml><?xml version="1.0" encoding="utf-8"?>
-<p:sld xmlns:a="http://schemas.openxmlformats.org/drawingml/2006/main" xmlns:r="http://schemas.openxmlformats.org/officeDocument/2006/relationships" xmlns:p="http://schemas.openxmlformats.org/presentationml/2006/main">
-  <p:cSld>
-    <p:spTree>
-      <p:nvGrpSpPr>
-        <p:cNvPr id="1" name=""/>
-        <p:cNvGrpSpPr/>
-        <p:nvPr/>
-      </p:nvGrpSpPr>
-      <p:grpSpPr>
-        <a:xfrm>
-          <a:off x="0" y="0"/>
-          <a:ext cx="0" cy="0"/>
-          <a:chOff x="0" y="0"/>
-          <a:chExt cx="0" cy="0"/>
-        </a:xfrm>
-      </p:grpSpPr>
-      <p:sp>
-        <p:nvSpPr>
-          <p:cNvPr id="2" name="Title 1">
-            <a:extLst>
-              <a:ext uri="{FF2B5EF4-FFF2-40B4-BE49-F238E27FC236}">
-                <a16:creationId xmlns:a16="http://schemas.microsoft.com/office/drawing/2014/main" id="{477043EF-6457-2587-07EB-6435F168347A}"/>
-              </a:ext>
-            </a:extLst>
-          </p:cNvPr>
-          <p:cNvSpPr>
-            <a:spLocks noGrp="1"/>
-          </p:cNvSpPr>
-          <p:nvPr>
-            <p:ph type="title"/>
-          </p:nvPr>
-        </p:nvSpPr>
-        <p:spPr/>
-        <p:txBody>
-          <a:bodyPr/>
-          <a:lstStyle/>
-          <a:p>
-            <a:r>
-              <a:rPr lang="en-US" dirty="0" err="1"/>
-              <a:t>Gpio</a:t>
-            </a:r>
-            <a:r>
-              <a:rPr lang="en-US" dirty="0"/>
-              <a:t> on esp32-c3</a:t>
-            </a:r>
-          </a:p>
-        </p:txBody>
-      </p:sp>
-      <p:sp>
-        <p:nvSpPr>
-          <p:cNvPr id="3" name="Content Placeholder 2">
-            <a:extLst>
-              <a:ext uri="{FF2B5EF4-FFF2-40B4-BE49-F238E27FC236}">
-                <a16:creationId xmlns:a16="http://schemas.microsoft.com/office/drawing/2014/main" id="{8491821C-DACA-04DA-67A7-B34AB2BA0F92}"/>
-              </a:ext>
-            </a:extLst>
-          </p:cNvPr>
-          <p:cNvSpPr>
-            <a:spLocks noGrp="1"/>
-          </p:cNvSpPr>
-          <p:nvPr>
-            <p:ph idx="1"/>
-          </p:nvPr>
-        </p:nvSpPr>
-        <p:spPr>
-          <a:xfrm>
-            <a:off x="1141412" y="2249487"/>
-            <a:ext cx="5554028" cy="3541714"/>
-          </a:xfrm>
-        </p:spPr>
-        <p:txBody>
-          <a:bodyPr>
-            <a:normAutofit/>
-          </a:bodyPr>
-          <a:lstStyle/>
-          <a:p>
-            <a:r>
-              <a:rPr lang="en-US" dirty="0"/>
-              <a:t>ESP32-C3 has 22 GPIO pins.</a:t>
-            </a:r>
-          </a:p>
-          <a:p>
-            <a:r>
-              <a:rPr lang="en-US" dirty="0"/>
-              <a:t>Selectable Pull-up/Pull-down resistor.</a:t>
-            </a:r>
-          </a:p>
-          <a:p>
-            <a:r>
-              <a:rPr lang="en-US" dirty="0"/>
-              <a:t>Can be configured for High impedance.</a:t>
-            </a:r>
-          </a:p>
-          <a:p>
-            <a:r>
-              <a:rPr lang="en-US" dirty="0"/>
-              <a:t>Edge or level triggered Interrupts.</a:t>
-            </a:r>
-          </a:p>
-          <a:p>
-            <a:r>
-              <a:rPr lang="en-US" dirty="0"/>
-              <a:t>Can be multiplexed with other peripherals (Ex. SPI, UART, etc.).</a:t>
-            </a:r>
-          </a:p>
-          <a:p>
-            <a:endParaRPr lang="en-US" dirty="0"/>
-          </a:p>
-        </p:txBody>
-      </p:sp>
-      <p:pic>
-        <p:nvPicPr>
-          <p:cNvPr id="4" name="Picture 4" descr="ESP32-C3-DEVKITM-1 Espressif Systems | ชุดบอร์ดพัฒนา, ชุดอุปกรณ์,  โปรแกรมเมอร์ | DigiKey">
-            <a:extLst>
-              <a:ext uri="{FF2B5EF4-FFF2-40B4-BE49-F238E27FC236}">
-                <a16:creationId xmlns:a16="http://schemas.microsoft.com/office/drawing/2014/main" id="{3814D130-43D9-861C-29DA-A84FB8224C71}"/>
-              </a:ext>
-            </a:extLst>
-          </p:cNvPr>
-          <p:cNvPicPr>
-            <a:picLocks noChangeAspect="1" noChangeArrowheads="1"/>
-          </p:cNvPicPr>
-          <p:nvPr/>
-        </p:nvPicPr>
-        <p:blipFill>
-          <a:blip r:embed="rId2">
-            <a:extLst>
-              <a:ext uri="{28A0092B-C50C-407E-A947-70E740481C1C}">
-                <a14:useLocalDpi xmlns:a14="http://schemas.microsoft.com/office/drawing/2010/main" val="0"/>
-              </a:ext>
-            </a:extLst>
-          </a:blip>
-          <a:srcRect/>
-          <a:stretch>
-            <a:fillRect/>
-          </a:stretch>
-        </p:blipFill>
-        <p:spPr bwMode="auto">
-          <a:xfrm>
-            <a:off x="7434088" y="2097088"/>
-            <a:ext cx="3613323" cy="3613323"/>
-          </a:xfrm>
-          <a:prstGeom prst="rect">
-            <a:avLst/>
-          </a:prstGeom>
-          <a:noFill/>
-          <a:extLst>
-            <a:ext uri="{909E8E84-426E-40DD-AFC4-6F175D3DCCD1}">
-              <a14:hiddenFill xmlns:a14="http://schemas.microsoft.com/office/drawing/2010/main">
-                <a:solidFill>
-                  <a:srgbClr val="FFFFFF"/>
-                </a:solidFill>
-              </a14:hiddenFill>
-            </a:ext>
-          </a:extLst>
-        </p:spPr>
-      </p:pic>
-    </p:spTree>
-    <p:extLst>
-      <p:ext uri="{BB962C8B-B14F-4D97-AF65-F5344CB8AC3E}">
-        <p14:creationId xmlns:p14="http://schemas.microsoft.com/office/powerpoint/2010/main" val="2327936674"/>
       </p:ext>
     </p:extLst>
   </p:cSld>
@@ -20108,6 +20113,279 @@
           <p:cNvPr id="2" name="Title 1">
             <a:extLst>
               <a:ext uri="{FF2B5EF4-FFF2-40B4-BE49-F238E27FC236}">
+                <a16:creationId xmlns:a16="http://schemas.microsoft.com/office/drawing/2014/main" id="{E3ABDFE8-2835-5636-DA91-71E5C959917B}"/>
+              </a:ext>
+            </a:extLst>
+          </p:cNvPr>
+          <p:cNvSpPr>
+            <a:spLocks noGrp="1"/>
+          </p:cNvSpPr>
+          <p:nvPr>
+            <p:ph type="title"/>
+          </p:nvPr>
+        </p:nvSpPr>
+        <p:spPr/>
+        <p:txBody>
+          <a:bodyPr/>
+          <a:lstStyle/>
+          <a:p>
+            <a:r>
+              <a:rPr lang="en-US" dirty="0"/>
+              <a:t>INTERRUPTS</a:t>
+            </a:r>
+          </a:p>
+        </p:txBody>
+      </p:sp>
+      <p:sp>
+        <p:nvSpPr>
+          <p:cNvPr id="3" name="Content Placeholder 2">
+            <a:extLst>
+              <a:ext uri="{FF2B5EF4-FFF2-40B4-BE49-F238E27FC236}">
+                <a16:creationId xmlns:a16="http://schemas.microsoft.com/office/drawing/2014/main" id="{DC351514-1A32-F71B-45D2-07EAD5153707}"/>
+              </a:ext>
+            </a:extLst>
+          </p:cNvPr>
+          <p:cNvSpPr>
+            <a:spLocks noGrp="1"/>
+          </p:cNvSpPr>
+          <p:nvPr>
+            <p:ph idx="1"/>
+          </p:nvPr>
+        </p:nvSpPr>
+        <p:spPr>
+          <a:xfrm>
+            <a:off x="1141411" y="2249487"/>
+            <a:ext cx="10404967" cy="2267955"/>
+          </a:xfrm>
+        </p:spPr>
+        <p:txBody>
+          <a:bodyPr>
+            <a:normAutofit/>
+          </a:bodyPr>
+          <a:lstStyle/>
+          <a:p>
+            <a:r>
+              <a:rPr lang="en-US" dirty="0"/>
+              <a:t>Interrupts can have different priority levels.</a:t>
+            </a:r>
+          </a:p>
+          <a:p>
+            <a:r>
+              <a:rPr lang="en-US" dirty="0"/>
+              <a:t>Interrupts with higher priority are attended first and could cause an interruption when another ISR is running.</a:t>
+            </a:r>
+          </a:p>
+          <a:p>
+            <a:endParaRPr lang="en-US" dirty="0"/>
+          </a:p>
+        </p:txBody>
+      </p:sp>
+      <p:pic>
+        <p:nvPicPr>
+          <p:cNvPr id="5" name="Picture 4">
+            <a:extLst>
+              <a:ext uri="{FF2B5EF4-FFF2-40B4-BE49-F238E27FC236}">
+                <a16:creationId xmlns:a16="http://schemas.microsoft.com/office/drawing/2014/main" id="{C6F29354-039B-C227-BB6E-F4DF5174799D}"/>
+              </a:ext>
+            </a:extLst>
+          </p:cNvPr>
+          <p:cNvPicPr>
+            <a:picLocks noChangeAspect="1"/>
+          </p:cNvPicPr>
+          <p:nvPr/>
+        </p:nvPicPr>
+        <p:blipFill>
+          <a:blip r:embed="rId2"/>
+          <a:stretch>
+            <a:fillRect/>
+          </a:stretch>
+        </p:blipFill>
+        <p:spPr>
+          <a:xfrm>
+            <a:off x="2582544" y="4517442"/>
+            <a:ext cx="6386889" cy="1977780"/>
+          </a:xfrm>
+          <a:prstGeom prst="rect">
+            <a:avLst/>
+          </a:prstGeom>
+        </p:spPr>
+      </p:pic>
+    </p:spTree>
+    <p:extLst>
+      <p:ext uri="{BB962C8B-B14F-4D97-AF65-F5344CB8AC3E}">
+        <p14:creationId xmlns:p14="http://schemas.microsoft.com/office/powerpoint/2010/main" val="483818575"/>
+      </p:ext>
+    </p:extLst>
+  </p:cSld>
+  <p:clrMapOvr>
+    <a:masterClrMapping/>
+  </p:clrMapOvr>
+</p:sld>
+</file>
+
+<file path=ppt/slides/slide41.xml><?xml version="1.0" encoding="utf-8"?>
+<p:sld xmlns:a="http://schemas.openxmlformats.org/drawingml/2006/main" xmlns:r="http://schemas.openxmlformats.org/officeDocument/2006/relationships" xmlns:p="http://schemas.openxmlformats.org/presentationml/2006/main">
+  <p:cSld>
+    <p:spTree>
+      <p:nvGrpSpPr>
+        <p:cNvPr id="1" name=""/>
+        <p:cNvGrpSpPr/>
+        <p:nvPr/>
+      </p:nvGrpSpPr>
+      <p:grpSpPr>
+        <a:xfrm>
+          <a:off x="0" y="0"/>
+          <a:ext cx="0" cy="0"/>
+          <a:chOff x="0" y="0"/>
+          <a:chExt cx="0" cy="0"/>
+        </a:xfrm>
+      </p:grpSpPr>
+      <p:sp>
+        <p:nvSpPr>
+          <p:cNvPr id="2" name="Title 1">
+            <a:extLst>
+              <a:ext uri="{FF2B5EF4-FFF2-40B4-BE49-F238E27FC236}">
+                <a16:creationId xmlns:a16="http://schemas.microsoft.com/office/drawing/2014/main" id="{A0F8472B-D889-C1D7-8265-AFD50322F682}"/>
+              </a:ext>
+            </a:extLst>
+          </p:cNvPr>
+          <p:cNvSpPr>
+            <a:spLocks noGrp="1"/>
+          </p:cNvSpPr>
+          <p:nvPr>
+            <p:ph type="title"/>
+          </p:nvPr>
+        </p:nvSpPr>
+        <p:spPr/>
+        <p:txBody>
+          <a:bodyPr/>
+          <a:lstStyle/>
+          <a:p>
+            <a:r>
+              <a:rPr lang="en-US" dirty="0"/>
+              <a:t>interrupts</a:t>
+            </a:r>
+          </a:p>
+        </p:txBody>
+      </p:sp>
+      <p:sp>
+        <p:nvSpPr>
+          <p:cNvPr id="3" name="Content Placeholder 2">
+            <a:extLst>
+              <a:ext uri="{FF2B5EF4-FFF2-40B4-BE49-F238E27FC236}">
+                <a16:creationId xmlns:a16="http://schemas.microsoft.com/office/drawing/2014/main" id="{46A144D2-F07A-AA57-017E-94714255F336}"/>
+              </a:ext>
+            </a:extLst>
+          </p:cNvPr>
+          <p:cNvSpPr>
+            <a:spLocks noGrp="1"/>
+          </p:cNvSpPr>
+          <p:nvPr>
+            <p:ph idx="1"/>
+          </p:nvPr>
+        </p:nvSpPr>
+        <p:spPr>
+          <a:xfrm>
+            <a:off x="1141413" y="2249487"/>
+            <a:ext cx="6040784" cy="3541714"/>
+          </a:xfrm>
+        </p:spPr>
+        <p:txBody>
+          <a:bodyPr>
+            <a:normAutofit fontScale="92500"/>
+          </a:bodyPr>
+          <a:lstStyle/>
+          <a:p>
+            <a:r>
+              <a:rPr lang="en-US" dirty="0"/>
+              <a:t>If not handled carefully, interrupts can cause data corruption or undesired behavior in a program.</a:t>
+            </a:r>
+          </a:p>
+          <a:p>
+            <a:r>
+              <a:rPr lang="en-US" dirty="0"/>
+              <a:t>Data access where there is no possibility of interruption or corruption is known as  “Atomic Access”.</a:t>
+            </a:r>
+          </a:p>
+          <a:p>
+            <a:r>
+              <a:rPr lang="en-US" dirty="0"/>
+              <a:t>Code that must have indivisible access to data is called a “Critical Section”.</a:t>
+            </a:r>
+          </a:p>
+          <a:p>
+            <a:pPr marL="0" indent="0">
+              <a:buNone/>
+            </a:pPr>
+            <a:endParaRPr lang="en-US" dirty="0"/>
+          </a:p>
+        </p:txBody>
+      </p:sp>
+      <p:pic>
+        <p:nvPicPr>
+          <p:cNvPr id="5" name="Picture 4">
+            <a:extLst>
+              <a:ext uri="{FF2B5EF4-FFF2-40B4-BE49-F238E27FC236}">
+                <a16:creationId xmlns:a16="http://schemas.microsoft.com/office/drawing/2014/main" id="{405BAA1F-7673-C2D0-4AEB-6EF9B42D101E}"/>
+              </a:ext>
+            </a:extLst>
+          </p:cNvPr>
+          <p:cNvPicPr>
+            <a:picLocks noChangeAspect="1"/>
+          </p:cNvPicPr>
+          <p:nvPr/>
+        </p:nvPicPr>
+        <p:blipFill>
+          <a:blip r:embed="rId2"/>
+          <a:stretch>
+            <a:fillRect/>
+          </a:stretch>
+        </p:blipFill>
+        <p:spPr>
+          <a:xfrm>
+            <a:off x="7743998" y="1747837"/>
+            <a:ext cx="2971800" cy="3362325"/>
+          </a:xfrm>
+          <a:prstGeom prst="rect">
+            <a:avLst/>
+          </a:prstGeom>
+        </p:spPr>
+      </p:pic>
+    </p:spTree>
+    <p:extLst>
+      <p:ext uri="{BB962C8B-B14F-4D97-AF65-F5344CB8AC3E}">
+        <p14:creationId xmlns:p14="http://schemas.microsoft.com/office/powerpoint/2010/main" val="1087594216"/>
+      </p:ext>
+    </p:extLst>
+  </p:cSld>
+  <p:clrMapOvr>
+    <a:masterClrMapping/>
+  </p:clrMapOvr>
+</p:sld>
+</file>
+
+<file path=ppt/slides/slide42.xml><?xml version="1.0" encoding="utf-8"?>
+<p:sld xmlns:a="http://schemas.openxmlformats.org/drawingml/2006/main" xmlns:r="http://schemas.openxmlformats.org/officeDocument/2006/relationships" xmlns:p="http://schemas.openxmlformats.org/presentationml/2006/main">
+  <p:cSld>
+    <p:spTree>
+      <p:nvGrpSpPr>
+        <p:cNvPr id="1" name=""/>
+        <p:cNvGrpSpPr/>
+        <p:nvPr/>
+      </p:nvGrpSpPr>
+      <p:grpSpPr>
+        <a:xfrm>
+          <a:off x="0" y="0"/>
+          <a:ext cx="0" cy="0"/>
+          <a:chOff x="0" y="0"/>
+          <a:chExt cx="0" cy="0"/>
+        </a:xfrm>
+      </p:grpSpPr>
+      <p:sp>
+        <p:nvSpPr>
+          <p:cNvPr id="2" name="Title 1">
+            <a:extLst>
+              <a:ext uri="{FF2B5EF4-FFF2-40B4-BE49-F238E27FC236}">
                 <a16:creationId xmlns:a16="http://schemas.microsoft.com/office/drawing/2014/main" id="{FB5D6F5B-CB72-1990-4F83-1D7439E582F0}"/>
               </a:ext>
             </a:extLst>
@@ -20238,7 +20516,7 @@
 </p:sld>
 </file>
 
-<file path=ppt/slides/slide41.xml><?xml version="1.0" encoding="utf-8"?>
+<file path=ppt/slides/slide43.xml><?xml version="1.0" encoding="utf-8"?>
 <p:sld xmlns:a="http://schemas.openxmlformats.org/drawingml/2006/main" xmlns:r="http://schemas.openxmlformats.org/officeDocument/2006/relationships" xmlns:p="http://schemas.openxmlformats.org/presentationml/2006/main">
   <p:cSld>
     <p:spTree>
@@ -20406,7 +20684,7 @@
 </p:sld>
 </file>
 
-<file path=ppt/slides/slide42.xml><?xml version="1.0" encoding="utf-8"?>
+<file path=ppt/slides/slide44.xml><?xml version="1.0" encoding="utf-8"?>
 <p:sld xmlns:a="http://schemas.openxmlformats.org/drawingml/2006/main" xmlns:r="http://schemas.openxmlformats.org/officeDocument/2006/relationships" xmlns:p="http://schemas.openxmlformats.org/presentationml/2006/main">
   <p:cSld>
     <p:spTree>
@@ -20658,7 +20936,7 @@
 </p:sld>
 </file>
 
-<file path=ppt/slides/slide43.xml><?xml version="1.0" encoding="utf-8"?>
+<file path=ppt/slides/slide45.xml><?xml version="1.0" encoding="utf-8"?>
 <p:sld xmlns:a="http://schemas.openxmlformats.org/drawingml/2006/main" xmlns:r="http://schemas.openxmlformats.org/officeDocument/2006/relationships" xmlns:p="http://schemas.openxmlformats.org/presentationml/2006/main">
   <p:cSld>
     <p:spTree>
@@ -20748,7 +21026,7 @@
 </p:sld>
 </file>
 
-<file path=ppt/slides/slide44.xml><?xml version="1.0" encoding="utf-8"?>
+<file path=ppt/slides/slide46.xml><?xml version="1.0" encoding="utf-8"?>
 <p:sld xmlns:a="http://schemas.openxmlformats.org/drawingml/2006/main" xmlns:r="http://schemas.openxmlformats.org/officeDocument/2006/relationships" xmlns:p="http://schemas.openxmlformats.org/presentationml/2006/main">
   <p:cSld>
     <p:spTree>
@@ -21531,7 +21809,7 @@
 </p:sld>
 </file>
 
-<file path=ppt/slides/slide45.xml><?xml version="1.0" encoding="utf-8"?>
+<file path=ppt/slides/slide47.xml><?xml version="1.0" encoding="utf-8"?>
 <p:sld xmlns:a="http://schemas.openxmlformats.org/drawingml/2006/main" xmlns:r="http://schemas.openxmlformats.org/officeDocument/2006/relationships" xmlns:p="http://schemas.openxmlformats.org/presentationml/2006/main">
   <p:cSld>
     <p:spTree>
@@ -21720,7 +21998,7 @@
 </p:sld>
 </file>
 
-<file path=ppt/slides/slide46.xml><?xml version="1.0" encoding="utf-8"?>
+<file path=ppt/slides/slide48.xml><?xml version="1.0" encoding="utf-8"?>
 <p:sld xmlns:a="http://schemas.openxmlformats.org/drawingml/2006/main" xmlns:r="http://schemas.openxmlformats.org/officeDocument/2006/relationships" xmlns:p="http://schemas.openxmlformats.org/presentationml/2006/main">
   <p:cSld>
     <p:spTree>
@@ -21846,7 +22124,7 @@
 </p:sld>
 </file>
 
-<file path=ppt/slides/slide47.xml><?xml version="1.0" encoding="utf-8"?>
+<file path=ppt/slides/slide49.xml><?xml version="1.0" encoding="utf-8"?>
 <p:sld xmlns:a="http://schemas.openxmlformats.org/drawingml/2006/main" xmlns:r="http://schemas.openxmlformats.org/officeDocument/2006/relationships" xmlns:p="http://schemas.openxmlformats.org/presentationml/2006/main">
   <p:cSld>
     <p:spTree>
@@ -21995,296 +22273,6 @@
     <p:extLst>
       <p:ext uri="{BB962C8B-B14F-4D97-AF65-F5344CB8AC3E}">
         <p14:creationId xmlns:p14="http://schemas.microsoft.com/office/powerpoint/2010/main" val="3114827494"/>
-      </p:ext>
-    </p:extLst>
-  </p:cSld>
-  <p:clrMapOvr>
-    <a:masterClrMapping/>
-  </p:clrMapOvr>
-</p:sld>
-</file>
-
-<file path=ppt/slides/slide48.xml><?xml version="1.0" encoding="utf-8"?>
-<p:sld xmlns:a="http://schemas.openxmlformats.org/drawingml/2006/main" xmlns:r="http://schemas.openxmlformats.org/officeDocument/2006/relationships" xmlns:p="http://schemas.openxmlformats.org/presentationml/2006/main">
-  <p:cSld>
-    <p:spTree>
-      <p:nvGrpSpPr>
-        <p:cNvPr id="1" name=""/>
-        <p:cNvGrpSpPr/>
-        <p:nvPr/>
-      </p:nvGrpSpPr>
-      <p:grpSpPr>
-        <a:xfrm>
-          <a:off x="0" y="0"/>
-          <a:ext cx="0" cy="0"/>
-          <a:chOff x="0" y="0"/>
-          <a:chExt cx="0" cy="0"/>
-        </a:xfrm>
-      </p:grpSpPr>
-      <p:sp>
-        <p:nvSpPr>
-          <p:cNvPr id="2" name="Title 1">
-            <a:extLst>
-              <a:ext uri="{FF2B5EF4-FFF2-40B4-BE49-F238E27FC236}">
-                <a16:creationId xmlns:a16="http://schemas.microsoft.com/office/drawing/2014/main" id="{27CAC526-8ACD-66A8-4894-649A46DCE047}"/>
-              </a:ext>
-            </a:extLst>
-          </p:cNvPr>
-          <p:cNvSpPr>
-            <a:spLocks noGrp="1"/>
-          </p:cNvSpPr>
-          <p:nvPr>
-            <p:ph type="title"/>
-          </p:nvPr>
-        </p:nvSpPr>
-        <p:spPr/>
-        <p:txBody>
-          <a:bodyPr/>
-          <a:lstStyle/>
-          <a:p>
-            <a:r>
-              <a:rPr lang="en-US" dirty="0"/>
-              <a:t>UART</a:t>
-            </a:r>
-          </a:p>
-        </p:txBody>
-      </p:sp>
-      <p:sp>
-        <p:nvSpPr>
-          <p:cNvPr id="3" name="Content Placeholder 2">
-            <a:extLst>
-              <a:ext uri="{FF2B5EF4-FFF2-40B4-BE49-F238E27FC236}">
-                <a16:creationId xmlns:a16="http://schemas.microsoft.com/office/drawing/2014/main" id="{C74521E7-05CC-7D45-A41A-DDA6B10964F7}"/>
-              </a:ext>
-            </a:extLst>
-          </p:cNvPr>
-          <p:cNvSpPr>
-            <a:spLocks noGrp="1"/>
-          </p:cNvSpPr>
-          <p:nvPr>
-            <p:ph idx="1"/>
-          </p:nvPr>
-        </p:nvSpPr>
-        <p:spPr/>
-        <p:txBody>
-          <a:bodyPr/>
-          <a:lstStyle/>
-          <a:p>
-            <a:r>
-              <a:rPr lang="en-US" dirty="0"/>
-              <a:t>Stands for “Universal Asynchronous Receiver-Transmitter”.</a:t>
-            </a:r>
-          </a:p>
-          <a:p>
-            <a:r>
-              <a:rPr lang="en-US" dirty="0"/>
-              <a:t>One of the most used device to device communication protocols.</a:t>
-            </a:r>
-          </a:p>
-          <a:p>
-            <a:r>
-              <a:rPr lang="en-US" dirty="0"/>
-              <a:t>Requires at least 2 lines, a transmitter (TX) and a receiver (RX).</a:t>
-            </a:r>
-          </a:p>
-          <a:p>
-            <a:r>
-              <a:rPr lang="en-US" dirty="0"/>
-              <a:t>Communicating devices must share the same ground.</a:t>
-            </a:r>
-          </a:p>
-          <a:p>
-            <a:endParaRPr lang="en-US" dirty="0"/>
-          </a:p>
-          <a:p>
-            <a:endParaRPr lang="en-US" dirty="0"/>
-          </a:p>
-        </p:txBody>
-      </p:sp>
-      <p:pic>
-        <p:nvPicPr>
-          <p:cNvPr id="1026" name="Picture 2" descr="UART">
-            <a:extLst>
-              <a:ext uri="{FF2B5EF4-FFF2-40B4-BE49-F238E27FC236}">
-                <a16:creationId xmlns:a16="http://schemas.microsoft.com/office/drawing/2014/main" id="{B3080F79-DAF3-45BA-688C-51A98DB8621C}"/>
-              </a:ext>
-            </a:extLst>
-          </p:cNvPr>
-          <p:cNvPicPr>
-            <a:picLocks noChangeAspect="1" noChangeArrowheads="1"/>
-          </p:cNvPicPr>
-          <p:nvPr/>
-        </p:nvPicPr>
-        <p:blipFill>
-          <a:blip r:embed="rId2">
-            <a:extLst>
-              <a:ext uri="{28A0092B-C50C-407E-A947-70E740481C1C}">
-                <a14:useLocalDpi xmlns:a14="http://schemas.microsoft.com/office/drawing/2010/main" val="0"/>
-              </a:ext>
-            </a:extLst>
-          </a:blip>
-          <a:srcRect/>
-          <a:stretch>
-            <a:fillRect/>
-          </a:stretch>
-        </p:blipFill>
-        <p:spPr bwMode="auto">
-          <a:xfrm>
-            <a:off x="3058159" y="4537502"/>
-            <a:ext cx="6075682" cy="1994425"/>
-          </a:xfrm>
-          <a:prstGeom prst="rect">
-            <a:avLst/>
-          </a:prstGeom>
-          <a:noFill/>
-          <a:extLst>
-            <a:ext uri="{909E8E84-426E-40DD-AFC4-6F175D3DCCD1}">
-              <a14:hiddenFill xmlns:a14="http://schemas.microsoft.com/office/drawing/2010/main">
-                <a:solidFill>
-                  <a:srgbClr val="FFFFFF"/>
-                </a:solidFill>
-              </a14:hiddenFill>
-            </a:ext>
-          </a:extLst>
-        </p:spPr>
-      </p:pic>
-    </p:spTree>
-    <p:extLst>
-      <p:ext uri="{BB962C8B-B14F-4D97-AF65-F5344CB8AC3E}">
-        <p14:creationId xmlns:p14="http://schemas.microsoft.com/office/powerpoint/2010/main" val="3093053906"/>
-      </p:ext>
-    </p:extLst>
-  </p:cSld>
-  <p:clrMapOvr>
-    <a:masterClrMapping/>
-  </p:clrMapOvr>
-</p:sld>
-</file>
-
-<file path=ppt/slides/slide49.xml><?xml version="1.0" encoding="utf-8"?>
-<p:sld xmlns:a="http://schemas.openxmlformats.org/drawingml/2006/main" xmlns:r="http://schemas.openxmlformats.org/officeDocument/2006/relationships" xmlns:p="http://schemas.openxmlformats.org/presentationml/2006/main">
-  <p:cSld>
-    <p:spTree>
-      <p:nvGrpSpPr>
-        <p:cNvPr id="1" name=""/>
-        <p:cNvGrpSpPr/>
-        <p:nvPr/>
-      </p:nvGrpSpPr>
-      <p:grpSpPr>
-        <a:xfrm>
-          <a:off x="0" y="0"/>
-          <a:ext cx="0" cy="0"/>
-          <a:chOff x="0" y="0"/>
-          <a:chExt cx="0" cy="0"/>
-        </a:xfrm>
-      </p:grpSpPr>
-      <p:sp>
-        <p:nvSpPr>
-          <p:cNvPr id="2" name="Title 1">
-            <a:extLst>
-              <a:ext uri="{FF2B5EF4-FFF2-40B4-BE49-F238E27FC236}">
-                <a16:creationId xmlns:a16="http://schemas.microsoft.com/office/drawing/2014/main" id="{E0214E51-8475-E577-314F-48FBBEC2B459}"/>
-              </a:ext>
-            </a:extLst>
-          </p:cNvPr>
-          <p:cNvSpPr>
-            <a:spLocks noGrp="1"/>
-          </p:cNvSpPr>
-          <p:nvPr>
-            <p:ph type="title"/>
-          </p:nvPr>
-        </p:nvSpPr>
-        <p:spPr/>
-        <p:txBody>
-          <a:bodyPr/>
-          <a:lstStyle/>
-          <a:p>
-            <a:r>
-              <a:rPr lang="en-US" dirty="0"/>
-              <a:t>UART</a:t>
-            </a:r>
-          </a:p>
-        </p:txBody>
-      </p:sp>
-      <p:sp>
-        <p:nvSpPr>
-          <p:cNvPr id="3" name="Content Placeholder 2">
-            <a:extLst>
-              <a:ext uri="{FF2B5EF4-FFF2-40B4-BE49-F238E27FC236}">
-                <a16:creationId xmlns:a16="http://schemas.microsoft.com/office/drawing/2014/main" id="{DD3F87E1-C47E-4123-0B39-E6A937BE36A2}"/>
-              </a:ext>
-            </a:extLst>
-          </p:cNvPr>
-          <p:cNvSpPr>
-            <a:spLocks noGrp="1"/>
-          </p:cNvSpPr>
-          <p:nvPr>
-            <p:ph idx="1"/>
-          </p:nvPr>
-        </p:nvSpPr>
-        <p:spPr>
-          <a:xfrm>
-            <a:off x="1141412" y="2249487"/>
-            <a:ext cx="5787707" cy="3541714"/>
-          </a:xfrm>
-        </p:spPr>
-        <p:txBody>
-          <a:bodyPr/>
-          <a:lstStyle/>
-          <a:p>
-            <a:r>
-              <a:rPr lang="en-US" dirty="0"/>
-              <a:t>Simplex: Information is only transmitted by one device.</a:t>
-            </a:r>
-          </a:p>
-          <a:p>
-            <a:r>
-              <a:rPr lang="en-US" dirty="0"/>
-              <a:t>Half Duplex: both devices can transmit information, but only one at a time.</a:t>
-            </a:r>
-          </a:p>
-          <a:p>
-            <a:r>
-              <a:rPr lang="en-US" dirty="0"/>
-              <a:t>Full Duplex: Both devices can transmit at the same time.</a:t>
-            </a:r>
-          </a:p>
-        </p:txBody>
-      </p:sp>
-      <p:pic>
-        <p:nvPicPr>
-          <p:cNvPr id="8" name="Picture 7">
-            <a:extLst>
-              <a:ext uri="{FF2B5EF4-FFF2-40B4-BE49-F238E27FC236}">
-                <a16:creationId xmlns:a16="http://schemas.microsoft.com/office/drawing/2014/main" id="{6CFF158E-DD2C-4D3C-7EF4-17226E11B7F2}"/>
-              </a:ext>
-            </a:extLst>
-          </p:cNvPr>
-          <p:cNvPicPr>
-            <a:picLocks noChangeAspect="1"/>
-          </p:cNvPicPr>
-          <p:nvPr/>
-        </p:nvPicPr>
-        <p:blipFill>
-          <a:blip r:embed="rId2"/>
-          <a:stretch>
-            <a:fillRect/>
-          </a:stretch>
-        </p:blipFill>
-        <p:spPr>
-          <a:xfrm>
-            <a:off x="7172960" y="2249487"/>
-            <a:ext cx="4121451" cy="3232150"/>
-          </a:xfrm>
-          <a:prstGeom prst="rect">
-            <a:avLst/>
-          </a:prstGeom>
-        </p:spPr>
-      </p:pic>
-    </p:spTree>
-    <p:extLst>
-      <p:ext uri="{BB962C8B-B14F-4D97-AF65-F5344CB8AC3E}">
-        <p14:creationId xmlns:p14="http://schemas.microsoft.com/office/powerpoint/2010/main" val="2661515060"/>
       </p:ext>
     </p:extLst>
   </p:cSld>
@@ -22789,6 +22777,296 @@
           <p:cNvPr id="2" name="Title 1">
             <a:extLst>
               <a:ext uri="{FF2B5EF4-FFF2-40B4-BE49-F238E27FC236}">
+                <a16:creationId xmlns:a16="http://schemas.microsoft.com/office/drawing/2014/main" id="{27CAC526-8ACD-66A8-4894-649A46DCE047}"/>
+              </a:ext>
+            </a:extLst>
+          </p:cNvPr>
+          <p:cNvSpPr>
+            <a:spLocks noGrp="1"/>
+          </p:cNvSpPr>
+          <p:nvPr>
+            <p:ph type="title"/>
+          </p:nvPr>
+        </p:nvSpPr>
+        <p:spPr/>
+        <p:txBody>
+          <a:bodyPr/>
+          <a:lstStyle/>
+          <a:p>
+            <a:r>
+              <a:rPr lang="en-US" dirty="0"/>
+              <a:t>UART</a:t>
+            </a:r>
+          </a:p>
+        </p:txBody>
+      </p:sp>
+      <p:sp>
+        <p:nvSpPr>
+          <p:cNvPr id="3" name="Content Placeholder 2">
+            <a:extLst>
+              <a:ext uri="{FF2B5EF4-FFF2-40B4-BE49-F238E27FC236}">
+                <a16:creationId xmlns:a16="http://schemas.microsoft.com/office/drawing/2014/main" id="{C74521E7-05CC-7D45-A41A-DDA6B10964F7}"/>
+              </a:ext>
+            </a:extLst>
+          </p:cNvPr>
+          <p:cNvSpPr>
+            <a:spLocks noGrp="1"/>
+          </p:cNvSpPr>
+          <p:nvPr>
+            <p:ph idx="1"/>
+          </p:nvPr>
+        </p:nvSpPr>
+        <p:spPr/>
+        <p:txBody>
+          <a:bodyPr/>
+          <a:lstStyle/>
+          <a:p>
+            <a:r>
+              <a:rPr lang="en-US" dirty="0"/>
+              <a:t>Stands for “Universal Asynchronous Receiver-Transmitter”.</a:t>
+            </a:r>
+          </a:p>
+          <a:p>
+            <a:r>
+              <a:rPr lang="en-US" dirty="0"/>
+              <a:t>One of the most used device to device communication protocols.</a:t>
+            </a:r>
+          </a:p>
+          <a:p>
+            <a:r>
+              <a:rPr lang="en-US" dirty="0"/>
+              <a:t>Requires at least 2 lines, a transmitter (TX) and a receiver (RX).</a:t>
+            </a:r>
+          </a:p>
+          <a:p>
+            <a:r>
+              <a:rPr lang="en-US" dirty="0"/>
+              <a:t>Communicating devices must share the same ground.</a:t>
+            </a:r>
+          </a:p>
+          <a:p>
+            <a:endParaRPr lang="en-US" dirty="0"/>
+          </a:p>
+          <a:p>
+            <a:endParaRPr lang="en-US" dirty="0"/>
+          </a:p>
+        </p:txBody>
+      </p:sp>
+      <p:pic>
+        <p:nvPicPr>
+          <p:cNvPr id="1026" name="Picture 2" descr="UART">
+            <a:extLst>
+              <a:ext uri="{FF2B5EF4-FFF2-40B4-BE49-F238E27FC236}">
+                <a16:creationId xmlns:a16="http://schemas.microsoft.com/office/drawing/2014/main" id="{B3080F79-DAF3-45BA-688C-51A98DB8621C}"/>
+              </a:ext>
+            </a:extLst>
+          </p:cNvPr>
+          <p:cNvPicPr>
+            <a:picLocks noChangeAspect="1" noChangeArrowheads="1"/>
+          </p:cNvPicPr>
+          <p:nvPr/>
+        </p:nvPicPr>
+        <p:blipFill>
+          <a:blip r:embed="rId2">
+            <a:extLst>
+              <a:ext uri="{28A0092B-C50C-407E-A947-70E740481C1C}">
+                <a14:useLocalDpi xmlns:a14="http://schemas.microsoft.com/office/drawing/2010/main" val="0"/>
+              </a:ext>
+            </a:extLst>
+          </a:blip>
+          <a:srcRect/>
+          <a:stretch>
+            <a:fillRect/>
+          </a:stretch>
+        </p:blipFill>
+        <p:spPr bwMode="auto">
+          <a:xfrm>
+            <a:off x="3058159" y="4537502"/>
+            <a:ext cx="6075682" cy="1994425"/>
+          </a:xfrm>
+          <a:prstGeom prst="rect">
+            <a:avLst/>
+          </a:prstGeom>
+          <a:noFill/>
+          <a:extLst>
+            <a:ext uri="{909E8E84-426E-40DD-AFC4-6F175D3DCCD1}">
+              <a14:hiddenFill xmlns:a14="http://schemas.microsoft.com/office/drawing/2010/main">
+                <a:solidFill>
+                  <a:srgbClr val="FFFFFF"/>
+                </a:solidFill>
+              </a14:hiddenFill>
+            </a:ext>
+          </a:extLst>
+        </p:spPr>
+      </p:pic>
+    </p:spTree>
+    <p:extLst>
+      <p:ext uri="{BB962C8B-B14F-4D97-AF65-F5344CB8AC3E}">
+        <p14:creationId xmlns:p14="http://schemas.microsoft.com/office/powerpoint/2010/main" val="3093053906"/>
+      </p:ext>
+    </p:extLst>
+  </p:cSld>
+  <p:clrMapOvr>
+    <a:masterClrMapping/>
+  </p:clrMapOvr>
+</p:sld>
+</file>
+
+<file path=ppt/slides/slide51.xml><?xml version="1.0" encoding="utf-8"?>
+<p:sld xmlns:a="http://schemas.openxmlformats.org/drawingml/2006/main" xmlns:r="http://schemas.openxmlformats.org/officeDocument/2006/relationships" xmlns:p="http://schemas.openxmlformats.org/presentationml/2006/main">
+  <p:cSld>
+    <p:spTree>
+      <p:nvGrpSpPr>
+        <p:cNvPr id="1" name=""/>
+        <p:cNvGrpSpPr/>
+        <p:nvPr/>
+      </p:nvGrpSpPr>
+      <p:grpSpPr>
+        <a:xfrm>
+          <a:off x="0" y="0"/>
+          <a:ext cx="0" cy="0"/>
+          <a:chOff x="0" y="0"/>
+          <a:chExt cx="0" cy="0"/>
+        </a:xfrm>
+      </p:grpSpPr>
+      <p:sp>
+        <p:nvSpPr>
+          <p:cNvPr id="2" name="Title 1">
+            <a:extLst>
+              <a:ext uri="{FF2B5EF4-FFF2-40B4-BE49-F238E27FC236}">
+                <a16:creationId xmlns:a16="http://schemas.microsoft.com/office/drawing/2014/main" id="{E0214E51-8475-E577-314F-48FBBEC2B459}"/>
+              </a:ext>
+            </a:extLst>
+          </p:cNvPr>
+          <p:cNvSpPr>
+            <a:spLocks noGrp="1"/>
+          </p:cNvSpPr>
+          <p:nvPr>
+            <p:ph type="title"/>
+          </p:nvPr>
+        </p:nvSpPr>
+        <p:spPr/>
+        <p:txBody>
+          <a:bodyPr/>
+          <a:lstStyle/>
+          <a:p>
+            <a:r>
+              <a:rPr lang="en-US" dirty="0"/>
+              <a:t>UART</a:t>
+            </a:r>
+          </a:p>
+        </p:txBody>
+      </p:sp>
+      <p:sp>
+        <p:nvSpPr>
+          <p:cNvPr id="3" name="Content Placeholder 2">
+            <a:extLst>
+              <a:ext uri="{FF2B5EF4-FFF2-40B4-BE49-F238E27FC236}">
+                <a16:creationId xmlns:a16="http://schemas.microsoft.com/office/drawing/2014/main" id="{DD3F87E1-C47E-4123-0B39-E6A937BE36A2}"/>
+              </a:ext>
+            </a:extLst>
+          </p:cNvPr>
+          <p:cNvSpPr>
+            <a:spLocks noGrp="1"/>
+          </p:cNvSpPr>
+          <p:nvPr>
+            <p:ph idx="1"/>
+          </p:nvPr>
+        </p:nvSpPr>
+        <p:spPr>
+          <a:xfrm>
+            <a:off x="1141412" y="2249487"/>
+            <a:ext cx="5787707" cy="3541714"/>
+          </a:xfrm>
+        </p:spPr>
+        <p:txBody>
+          <a:bodyPr/>
+          <a:lstStyle/>
+          <a:p>
+            <a:r>
+              <a:rPr lang="en-US" dirty="0"/>
+              <a:t>Simplex: Information is only transmitted by one device.</a:t>
+            </a:r>
+          </a:p>
+          <a:p>
+            <a:r>
+              <a:rPr lang="en-US" dirty="0"/>
+              <a:t>Half Duplex: both devices can transmit information, but only one at a time.</a:t>
+            </a:r>
+          </a:p>
+          <a:p>
+            <a:r>
+              <a:rPr lang="en-US" dirty="0"/>
+              <a:t>Full Duplex: Both devices can transmit at the same time.</a:t>
+            </a:r>
+          </a:p>
+        </p:txBody>
+      </p:sp>
+      <p:pic>
+        <p:nvPicPr>
+          <p:cNvPr id="8" name="Picture 7">
+            <a:extLst>
+              <a:ext uri="{FF2B5EF4-FFF2-40B4-BE49-F238E27FC236}">
+                <a16:creationId xmlns:a16="http://schemas.microsoft.com/office/drawing/2014/main" id="{6CFF158E-DD2C-4D3C-7EF4-17226E11B7F2}"/>
+              </a:ext>
+            </a:extLst>
+          </p:cNvPr>
+          <p:cNvPicPr>
+            <a:picLocks noChangeAspect="1"/>
+          </p:cNvPicPr>
+          <p:nvPr/>
+        </p:nvPicPr>
+        <p:blipFill>
+          <a:blip r:embed="rId2"/>
+          <a:stretch>
+            <a:fillRect/>
+          </a:stretch>
+        </p:blipFill>
+        <p:spPr>
+          <a:xfrm>
+            <a:off x="7172960" y="2249487"/>
+            <a:ext cx="4121451" cy="3232150"/>
+          </a:xfrm>
+          <a:prstGeom prst="rect">
+            <a:avLst/>
+          </a:prstGeom>
+        </p:spPr>
+      </p:pic>
+    </p:spTree>
+    <p:extLst>
+      <p:ext uri="{BB962C8B-B14F-4D97-AF65-F5344CB8AC3E}">
+        <p14:creationId xmlns:p14="http://schemas.microsoft.com/office/powerpoint/2010/main" val="2661515060"/>
+      </p:ext>
+    </p:extLst>
+  </p:cSld>
+  <p:clrMapOvr>
+    <a:masterClrMapping/>
+  </p:clrMapOvr>
+</p:sld>
+</file>
+
+<file path=ppt/slides/slide52.xml><?xml version="1.0" encoding="utf-8"?>
+<p:sld xmlns:a="http://schemas.openxmlformats.org/drawingml/2006/main" xmlns:r="http://schemas.openxmlformats.org/officeDocument/2006/relationships" xmlns:p="http://schemas.openxmlformats.org/presentationml/2006/main">
+  <p:cSld>
+    <p:spTree>
+      <p:nvGrpSpPr>
+        <p:cNvPr id="1" name=""/>
+        <p:cNvGrpSpPr/>
+        <p:nvPr/>
+      </p:nvGrpSpPr>
+      <p:grpSpPr>
+        <a:xfrm>
+          <a:off x="0" y="0"/>
+          <a:ext cx="0" cy="0"/>
+          <a:chOff x="0" y="0"/>
+          <a:chExt cx="0" cy="0"/>
+        </a:xfrm>
+      </p:grpSpPr>
+      <p:sp>
+        <p:nvSpPr>
+          <p:cNvPr id="2" name="Title 1">
+            <a:extLst>
+              <a:ext uri="{FF2B5EF4-FFF2-40B4-BE49-F238E27FC236}">
                 <a16:creationId xmlns:a16="http://schemas.microsoft.com/office/drawing/2014/main" id="{B8102E74-857E-3D99-0E79-1B70C910E5A5}"/>
               </a:ext>
             </a:extLst>
@@ -22906,7 +23184,7 @@
 </p:sld>
 </file>
 
-<file path=ppt/slides/slide51.xml><?xml version="1.0" encoding="utf-8"?>
+<file path=ppt/slides/slide53.xml><?xml version="1.0" encoding="utf-8"?>
 <p:sld xmlns:a="http://schemas.openxmlformats.org/drawingml/2006/main" xmlns:r="http://schemas.openxmlformats.org/officeDocument/2006/relationships" xmlns:p="http://schemas.openxmlformats.org/presentationml/2006/main">
   <p:cSld>
     <p:spTree>
@@ -23024,7 +23302,7 @@
 </p:sld>
 </file>
 
-<file path=ppt/slides/slide52.xml><?xml version="1.0" encoding="utf-8"?>
+<file path=ppt/slides/slide54.xml><?xml version="1.0" encoding="utf-8"?>
 <p:sld xmlns:a="http://schemas.openxmlformats.org/drawingml/2006/main" xmlns:r="http://schemas.openxmlformats.org/officeDocument/2006/relationships" xmlns:p="http://schemas.openxmlformats.org/presentationml/2006/main">
   <p:cSld>
     <p:spTree>
@@ -23141,7 +23419,7 @@
 </p:sld>
 </file>
 
-<file path=ppt/slides/slide53.xml><?xml version="1.0" encoding="utf-8"?>
+<file path=ppt/slides/slide55.xml><?xml version="1.0" encoding="utf-8"?>
 <p:sld xmlns:a="http://schemas.openxmlformats.org/drawingml/2006/main" xmlns:r="http://schemas.openxmlformats.org/officeDocument/2006/relationships" xmlns:p="http://schemas.openxmlformats.org/presentationml/2006/main">
   <p:cSld>
     <p:spTree>
@@ -23297,7 +23575,7 @@
 </p:sld>
 </file>
 
-<file path=ppt/slides/slide54.xml><?xml version="1.0" encoding="utf-8"?>
+<file path=ppt/slides/slide56.xml><?xml version="1.0" encoding="utf-8"?>
 <p:sld xmlns:a="http://schemas.openxmlformats.org/drawingml/2006/main" xmlns:r="http://schemas.openxmlformats.org/officeDocument/2006/relationships" xmlns:p="http://schemas.openxmlformats.org/presentationml/2006/main">
   <p:cSld>
     <p:spTree>
@@ -23458,7 +23736,7 @@
 </p:sld>
 </file>
 
-<file path=ppt/slides/slide55.xml><?xml version="1.0" encoding="utf-8"?>
+<file path=ppt/slides/slide57.xml><?xml version="1.0" encoding="utf-8"?>
 <p:sld xmlns:a="http://schemas.openxmlformats.org/drawingml/2006/main" xmlns:r="http://schemas.openxmlformats.org/officeDocument/2006/relationships" xmlns:p="http://schemas.openxmlformats.org/presentationml/2006/main">
   <p:cSld>
     <p:spTree>
@@ -23579,7 +23857,7 @@
 </p:sld>
 </file>
 
-<file path=ppt/slides/slide56.xml><?xml version="1.0" encoding="utf-8"?>
+<file path=ppt/slides/slide58.xml><?xml version="1.0" encoding="utf-8"?>
 <p:sld xmlns:a="http://schemas.openxmlformats.org/drawingml/2006/main" xmlns:r="http://schemas.openxmlformats.org/officeDocument/2006/relationships" xmlns:p="http://schemas.openxmlformats.org/presentationml/2006/main">
   <p:cSld>
     <p:spTree>
@@ -23850,240 +24128,6 @@
 </p:sld>
 </file>
 
-<file path=ppt/slides/slide57.xml><?xml version="1.0" encoding="utf-8"?>
-<p:sld xmlns:a="http://schemas.openxmlformats.org/drawingml/2006/main" xmlns:r="http://schemas.openxmlformats.org/officeDocument/2006/relationships" xmlns:p="http://schemas.openxmlformats.org/presentationml/2006/main">
-  <p:cSld>
-    <p:spTree>
-      <p:nvGrpSpPr>
-        <p:cNvPr id="1" name=""/>
-        <p:cNvGrpSpPr/>
-        <p:nvPr/>
-      </p:nvGrpSpPr>
-      <p:grpSpPr>
-        <a:xfrm>
-          <a:off x="0" y="0"/>
-          <a:ext cx="0" cy="0"/>
-          <a:chOff x="0" y="0"/>
-          <a:chExt cx="0" cy="0"/>
-        </a:xfrm>
-      </p:grpSpPr>
-      <p:sp>
-        <p:nvSpPr>
-          <p:cNvPr id="2" name="Title 1">
-            <a:extLst>
-              <a:ext uri="{FF2B5EF4-FFF2-40B4-BE49-F238E27FC236}">
-                <a16:creationId xmlns:a16="http://schemas.microsoft.com/office/drawing/2014/main" id="{8B687E30-44F5-B68C-8854-C25A3C167C11}"/>
-              </a:ext>
-            </a:extLst>
-          </p:cNvPr>
-          <p:cNvSpPr>
-            <a:spLocks noGrp="1"/>
-          </p:cNvSpPr>
-          <p:nvPr>
-            <p:ph type="title"/>
-          </p:nvPr>
-        </p:nvSpPr>
-        <p:spPr/>
-        <p:txBody>
-          <a:bodyPr/>
-          <a:lstStyle/>
-          <a:p>
-            <a:r>
-              <a:rPr lang="en-US" dirty="0"/>
-              <a:t>TIMER</a:t>
-            </a:r>
-          </a:p>
-        </p:txBody>
-      </p:sp>
-      <p:sp>
-        <p:nvSpPr>
-          <p:cNvPr id="3" name="Content Placeholder 2">
-            <a:extLst>
-              <a:ext uri="{FF2B5EF4-FFF2-40B4-BE49-F238E27FC236}">
-                <a16:creationId xmlns:a16="http://schemas.microsoft.com/office/drawing/2014/main" id="{7C6570D6-6899-12F7-A685-DB4DC80E6509}"/>
-              </a:ext>
-            </a:extLst>
-          </p:cNvPr>
-          <p:cNvSpPr>
-            <a:spLocks noGrp="1"/>
-          </p:cNvSpPr>
-          <p:nvPr>
-            <p:ph idx="1"/>
-          </p:nvPr>
-        </p:nvSpPr>
-        <p:spPr>
-          <a:xfrm>
-            <a:off x="1141412" y="2249487"/>
-            <a:ext cx="9905999" cy="2995844"/>
-          </a:xfrm>
-        </p:spPr>
-        <p:txBody>
-          <a:bodyPr/>
-          <a:lstStyle/>
-          <a:p>
-            <a:r>
-              <a:rPr lang="en-US" dirty="0"/>
-              <a:t>An auto-reload value can be configured.</a:t>
-            </a:r>
-          </a:p>
-          <a:p>
-            <a:pPr lvl="1"/>
-            <a:r>
-              <a:rPr lang="en-US" dirty="0"/>
-              <a:t>For a timer counting Up, the count will go from 0 to the auto-reload value.</a:t>
-            </a:r>
-          </a:p>
-          <a:p>
-            <a:pPr lvl="1"/>
-            <a:r>
-              <a:rPr lang="en-US" dirty="0"/>
-              <a:t>For a timer counting Down, the count will go from the auto reload value to 0.</a:t>
-            </a:r>
-          </a:p>
-          <a:p>
-            <a:r>
-              <a:rPr lang="en-US" dirty="0"/>
-              <a:t>When timers overflow/underflow, they set a flag, which can be inspected with code or trigger an interrupt.</a:t>
-            </a:r>
-          </a:p>
-          <a:p>
-            <a:pPr marL="0" indent="0">
-              <a:buNone/>
-            </a:pPr>
-            <a:endParaRPr lang="en-US" dirty="0"/>
-          </a:p>
-        </p:txBody>
-      </p:sp>
-    </p:spTree>
-    <p:extLst>
-      <p:ext uri="{BB962C8B-B14F-4D97-AF65-F5344CB8AC3E}">
-        <p14:creationId xmlns:p14="http://schemas.microsoft.com/office/powerpoint/2010/main" val="396481766"/>
-      </p:ext>
-    </p:extLst>
-  </p:cSld>
-  <p:clrMapOvr>
-    <a:masterClrMapping/>
-  </p:clrMapOvr>
-</p:sld>
-</file>
-
-<file path=ppt/slides/slide58.xml><?xml version="1.0" encoding="utf-8"?>
-<p:sld xmlns:a="http://schemas.openxmlformats.org/drawingml/2006/main" xmlns:r="http://schemas.openxmlformats.org/officeDocument/2006/relationships" xmlns:p="http://schemas.openxmlformats.org/presentationml/2006/main">
-  <p:cSld>
-    <p:spTree>
-      <p:nvGrpSpPr>
-        <p:cNvPr id="1" name=""/>
-        <p:cNvGrpSpPr/>
-        <p:nvPr/>
-      </p:nvGrpSpPr>
-      <p:grpSpPr>
-        <a:xfrm>
-          <a:off x="0" y="0"/>
-          <a:ext cx="0" cy="0"/>
-          <a:chOff x="0" y="0"/>
-          <a:chExt cx="0" cy="0"/>
-        </a:xfrm>
-      </p:grpSpPr>
-      <p:sp>
-        <p:nvSpPr>
-          <p:cNvPr id="2" name="Title 1">
-            <a:extLst>
-              <a:ext uri="{FF2B5EF4-FFF2-40B4-BE49-F238E27FC236}">
-                <a16:creationId xmlns:a16="http://schemas.microsoft.com/office/drawing/2014/main" id="{9020E6CF-2545-58D9-F584-2B63B8B73D50}"/>
-              </a:ext>
-            </a:extLst>
-          </p:cNvPr>
-          <p:cNvSpPr>
-            <a:spLocks noGrp="1"/>
-          </p:cNvSpPr>
-          <p:nvPr>
-            <p:ph type="title"/>
-          </p:nvPr>
-        </p:nvSpPr>
-        <p:spPr/>
-        <p:txBody>
-          <a:bodyPr/>
-          <a:lstStyle/>
-          <a:p>
-            <a:r>
-              <a:rPr lang="en-US" dirty="0"/>
-              <a:t>TIMER</a:t>
-            </a:r>
-          </a:p>
-        </p:txBody>
-      </p:sp>
-      <p:pic>
-        <p:nvPicPr>
-          <p:cNvPr id="5" name="Content Placeholder 4">
-            <a:extLst>
-              <a:ext uri="{FF2B5EF4-FFF2-40B4-BE49-F238E27FC236}">
-                <a16:creationId xmlns:a16="http://schemas.microsoft.com/office/drawing/2014/main" id="{5D5BD09F-F1F9-8676-2837-69C0C12C8232}"/>
-              </a:ext>
-            </a:extLst>
-          </p:cNvPr>
-          <p:cNvPicPr>
-            <a:picLocks noGrp="1" noChangeAspect="1"/>
-          </p:cNvPicPr>
-          <p:nvPr>
-            <p:ph idx="1"/>
-          </p:nvPr>
-        </p:nvPicPr>
-        <p:blipFill>
-          <a:blip r:embed="rId2"/>
-          <a:stretch>
-            <a:fillRect/>
-          </a:stretch>
-        </p:blipFill>
-        <p:spPr>
-          <a:xfrm>
-            <a:off x="2269172" y="1894910"/>
-            <a:ext cx="8094028" cy="2131342"/>
-          </a:xfrm>
-        </p:spPr>
-      </p:pic>
-      <p:pic>
-        <p:nvPicPr>
-          <p:cNvPr id="7" name="Picture 6">
-            <a:extLst>
-              <a:ext uri="{FF2B5EF4-FFF2-40B4-BE49-F238E27FC236}">
-                <a16:creationId xmlns:a16="http://schemas.microsoft.com/office/drawing/2014/main" id="{8F6DB559-E7D1-CC4E-8F2A-6F64B4889CDA}"/>
-              </a:ext>
-            </a:extLst>
-          </p:cNvPr>
-          <p:cNvPicPr>
-            <a:picLocks noChangeAspect="1"/>
-          </p:cNvPicPr>
-          <p:nvPr/>
-        </p:nvPicPr>
-        <p:blipFill>
-          <a:blip r:embed="rId3"/>
-          <a:stretch>
-            <a:fillRect/>
-          </a:stretch>
-        </p:blipFill>
-        <p:spPr>
-          <a:xfrm>
-            <a:off x="2269172" y="4430121"/>
-            <a:ext cx="8094028" cy="2076378"/>
-          </a:xfrm>
-          <a:prstGeom prst="rect">
-            <a:avLst/>
-          </a:prstGeom>
-        </p:spPr>
-      </p:pic>
-    </p:spTree>
-    <p:extLst>
-      <p:ext uri="{BB962C8B-B14F-4D97-AF65-F5344CB8AC3E}">
-        <p14:creationId xmlns:p14="http://schemas.microsoft.com/office/powerpoint/2010/main" val="1733877389"/>
-      </p:ext>
-    </p:extLst>
-  </p:cSld>
-  <p:clrMapOvr>
-    <a:masterClrMapping/>
-  </p:clrMapOvr>
-</p:sld>
-</file>
-
 <file path=ppt/slides/slide59.xml><?xml version="1.0" encoding="utf-8"?>
 <p:sld xmlns:a="http://schemas.openxmlformats.org/drawingml/2006/main" xmlns:r="http://schemas.openxmlformats.org/officeDocument/2006/relationships" xmlns:p="http://schemas.openxmlformats.org/presentationml/2006/main">
   <p:cSld>
@@ -24106,7 +24150,7 @@
           <p:cNvPr id="2" name="Title 1">
             <a:extLst>
               <a:ext uri="{FF2B5EF4-FFF2-40B4-BE49-F238E27FC236}">
-                <a16:creationId xmlns:a16="http://schemas.microsoft.com/office/drawing/2014/main" id="{ADAA96DB-E1DA-A936-6812-8D9B86B02495}"/>
+                <a16:creationId xmlns:a16="http://schemas.microsoft.com/office/drawing/2014/main" id="{8B687E30-44F5-B68C-8854-C25A3C167C11}"/>
               </a:ext>
             </a:extLst>
           </p:cNvPr>
@@ -24124,7 +24168,7 @@
           <a:p>
             <a:r>
               <a:rPr lang="en-US" dirty="0"/>
-              <a:t>TIMERS on esp32-c3</a:t>
+              <a:t>TIMER</a:t>
             </a:r>
           </a:p>
         </p:txBody>
@@ -24134,7 +24178,7 @@
           <p:cNvPr id="3" name="Content Placeholder 2">
             <a:extLst>
               <a:ext uri="{FF2B5EF4-FFF2-40B4-BE49-F238E27FC236}">
-                <a16:creationId xmlns:a16="http://schemas.microsoft.com/office/drawing/2014/main" id="{DDAF8D24-2C30-FB35-BB64-84B47B104426}"/>
+                <a16:creationId xmlns:a16="http://schemas.microsoft.com/office/drawing/2014/main" id="{7C6570D6-6899-12F7-A685-DB4DC80E6509}"/>
               </a:ext>
             </a:extLst>
           </p:cNvPr>
@@ -24148,91 +24192,50 @@
         <p:spPr>
           <a:xfrm>
             <a:off x="1141412" y="2249487"/>
-            <a:ext cx="5177379" cy="3541714"/>
+            <a:ext cx="9905999" cy="2995844"/>
           </a:xfrm>
         </p:spPr>
         <p:txBody>
-          <a:bodyPr>
-            <a:normAutofit/>
-          </a:bodyPr>
+          <a:bodyPr/>
           <a:lstStyle/>
           <a:p>
             <a:r>
               <a:rPr lang="en-US" dirty="0"/>
-              <a:t>2 General Purpose Timers (54 bits).</a:t>
-            </a:r>
-          </a:p>
-          <a:p>
-            <a:r>
-              <a:rPr lang="en-US" dirty="0"/>
-              <a:t>54-bit auto reload.</a:t>
-            </a:r>
-          </a:p>
-          <a:p>
-            <a:r>
-              <a:rPr lang="en-US" dirty="0"/>
-              <a:t>16-bit pre-scaler (from 2 to 65,536).</a:t>
-            </a:r>
-          </a:p>
-          <a:p>
-            <a:r>
-              <a:rPr lang="en-US" dirty="0"/>
-              <a:t>Incrementing or decrementing.</a:t>
-            </a:r>
+              <a:t>An auto-reload value can be configured.</a:t>
+            </a:r>
+          </a:p>
+          <a:p>
+            <a:pPr lvl="1"/>
+            <a:r>
+              <a:rPr lang="en-US" dirty="0"/>
+              <a:t>For a timer counting Up, the count will go from 0 to the auto-reload value.</a:t>
+            </a:r>
+          </a:p>
+          <a:p>
+            <a:pPr lvl="1"/>
+            <a:r>
+              <a:rPr lang="en-US" dirty="0"/>
+              <a:t>For a timer counting Down, the count will go from the auto reload value to 0.</a:t>
+            </a:r>
+          </a:p>
+          <a:p>
+            <a:r>
+              <a:rPr lang="en-US" dirty="0"/>
+              <a:t>When timers overflow/underflow, they set a flag, which can be inspected with code or trigger an interrupt.</a:t>
+            </a:r>
+          </a:p>
+          <a:p>
+            <a:pPr marL="0" indent="0">
+              <a:buNone/>
+            </a:pPr>
+            <a:endParaRPr lang="en-US" dirty="0"/>
           </a:p>
         </p:txBody>
       </p:sp>
-      <p:pic>
-        <p:nvPicPr>
-          <p:cNvPr id="1028" name="Picture 4" descr="ESP32-C3-DEVKITM-1 Espressif Systems | ชุดบอร์ดพัฒนา, ชุดอุปกรณ์,  โปรแกรมเมอร์ | DigiKey">
-            <a:extLst>
-              <a:ext uri="{FF2B5EF4-FFF2-40B4-BE49-F238E27FC236}">
-                <a16:creationId xmlns:a16="http://schemas.microsoft.com/office/drawing/2014/main" id="{CF2305A0-AF7B-5746-FB94-041C5885F853}"/>
-              </a:ext>
-            </a:extLst>
-          </p:cNvPr>
-          <p:cNvPicPr>
-            <a:picLocks noChangeAspect="1" noChangeArrowheads="1"/>
-          </p:cNvPicPr>
-          <p:nvPr/>
-        </p:nvPicPr>
-        <p:blipFill>
-          <a:blip r:embed="rId2">
-            <a:extLst>
-              <a:ext uri="{28A0092B-C50C-407E-A947-70E740481C1C}">
-                <a14:useLocalDpi xmlns:a14="http://schemas.microsoft.com/office/drawing/2010/main" val="0"/>
-              </a:ext>
-            </a:extLst>
-          </a:blip>
-          <a:srcRect/>
-          <a:stretch>
-            <a:fillRect/>
-          </a:stretch>
-        </p:blipFill>
-        <p:spPr bwMode="auto">
-          <a:xfrm>
-            <a:off x="6704871" y="1622338"/>
-            <a:ext cx="3613323" cy="3613323"/>
-          </a:xfrm>
-          <a:prstGeom prst="rect">
-            <a:avLst/>
-          </a:prstGeom>
-          <a:noFill/>
-          <a:extLst>
-            <a:ext uri="{909E8E84-426E-40DD-AFC4-6F175D3DCCD1}">
-              <a14:hiddenFill xmlns:a14="http://schemas.microsoft.com/office/drawing/2010/main">
-                <a:solidFill>
-                  <a:srgbClr val="FFFFFF"/>
-                </a:solidFill>
-              </a14:hiddenFill>
-            </a:ext>
-          </a:extLst>
-        </p:spPr>
-      </p:pic>
     </p:spTree>
     <p:extLst>
       <p:ext uri="{BB962C8B-B14F-4D97-AF65-F5344CB8AC3E}">
-        <p14:creationId xmlns:p14="http://schemas.microsoft.com/office/powerpoint/2010/main" val="3137902228"/>
+        <p14:creationId xmlns:p14="http://schemas.microsoft.com/office/powerpoint/2010/main" val="396481766"/>
       </p:ext>
     </p:extLst>
   </p:cSld>
@@ -24472,6 +24475,281 @@
           <p:cNvPr id="2" name="Title 1">
             <a:extLst>
               <a:ext uri="{FF2B5EF4-FFF2-40B4-BE49-F238E27FC236}">
+                <a16:creationId xmlns:a16="http://schemas.microsoft.com/office/drawing/2014/main" id="{9020E6CF-2545-58D9-F584-2B63B8B73D50}"/>
+              </a:ext>
+            </a:extLst>
+          </p:cNvPr>
+          <p:cNvSpPr>
+            <a:spLocks noGrp="1"/>
+          </p:cNvSpPr>
+          <p:nvPr>
+            <p:ph type="title"/>
+          </p:nvPr>
+        </p:nvSpPr>
+        <p:spPr/>
+        <p:txBody>
+          <a:bodyPr/>
+          <a:lstStyle/>
+          <a:p>
+            <a:r>
+              <a:rPr lang="en-US" dirty="0"/>
+              <a:t>TIMER</a:t>
+            </a:r>
+          </a:p>
+        </p:txBody>
+      </p:sp>
+      <p:pic>
+        <p:nvPicPr>
+          <p:cNvPr id="5" name="Content Placeholder 4">
+            <a:extLst>
+              <a:ext uri="{FF2B5EF4-FFF2-40B4-BE49-F238E27FC236}">
+                <a16:creationId xmlns:a16="http://schemas.microsoft.com/office/drawing/2014/main" id="{5D5BD09F-F1F9-8676-2837-69C0C12C8232}"/>
+              </a:ext>
+            </a:extLst>
+          </p:cNvPr>
+          <p:cNvPicPr>
+            <a:picLocks noGrp="1" noChangeAspect="1"/>
+          </p:cNvPicPr>
+          <p:nvPr>
+            <p:ph idx="1"/>
+          </p:nvPr>
+        </p:nvPicPr>
+        <p:blipFill>
+          <a:blip r:embed="rId2"/>
+          <a:stretch>
+            <a:fillRect/>
+          </a:stretch>
+        </p:blipFill>
+        <p:spPr>
+          <a:xfrm>
+            <a:off x="2269172" y="1894910"/>
+            <a:ext cx="8094028" cy="2131342"/>
+          </a:xfrm>
+        </p:spPr>
+      </p:pic>
+      <p:pic>
+        <p:nvPicPr>
+          <p:cNvPr id="7" name="Picture 6">
+            <a:extLst>
+              <a:ext uri="{FF2B5EF4-FFF2-40B4-BE49-F238E27FC236}">
+                <a16:creationId xmlns:a16="http://schemas.microsoft.com/office/drawing/2014/main" id="{8F6DB559-E7D1-CC4E-8F2A-6F64B4889CDA}"/>
+              </a:ext>
+            </a:extLst>
+          </p:cNvPr>
+          <p:cNvPicPr>
+            <a:picLocks noChangeAspect="1"/>
+          </p:cNvPicPr>
+          <p:nvPr/>
+        </p:nvPicPr>
+        <p:blipFill>
+          <a:blip r:embed="rId3"/>
+          <a:stretch>
+            <a:fillRect/>
+          </a:stretch>
+        </p:blipFill>
+        <p:spPr>
+          <a:xfrm>
+            <a:off x="2269172" y="4430121"/>
+            <a:ext cx="8094028" cy="2076378"/>
+          </a:xfrm>
+          <a:prstGeom prst="rect">
+            <a:avLst/>
+          </a:prstGeom>
+        </p:spPr>
+      </p:pic>
+    </p:spTree>
+    <p:extLst>
+      <p:ext uri="{BB962C8B-B14F-4D97-AF65-F5344CB8AC3E}">
+        <p14:creationId xmlns:p14="http://schemas.microsoft.com/office/powerpoint/2010/main" val="1733877389"/>
+      </p:ext>
+    </p:extLst>
+  </p:cSld>
+  <p:clrMapOvr>
+    <a:masterClrMapping/>
+  </p:clrMapOvr>
+</p:sld>
+</file>
+
+<file path=ppt/slides/slide61.xml><?xml version="1.0" encoding="utf-8"?>
+<p:sld xmlns:a="http://schemas.openxmlformats.org/drawingml/2006/main" xmlns:r="http://schemas.openxmlformats.org/officeDocument/2006/relationships" xmlns:p="http://schemas.openxmlformats.org/presentationml/2006/main">
+  <p:cSld>
+    <p:spTree>
+      <p:nvGrpSpPr>
+        <p:cNvPr id="1" name=""/>
+        <p:cNvGrpSpPr/>
+        <p:nvPr/>
+      </p:nvGrpSpPr>
+      <p:grpSpPr>
+        <a:xfrm>
+          <a:off x="0" y="0"/>
+          <a:ext cx="0" cy="0"/>
+          <a:chOff x="0" y="0"/>
+          <a:chExt cx="0" cy="0"/>
+        </a:xfrm>
+      </p:grpSpPr>
+      <p:sp>
+        <p:nvSpPr>
+          <p:cNvPr id="2" name="Title 1">
+            <a:extLst>
+              <a:ext uri="{FF2B5EF4-FFF2-40B4-BE49-F238E27FC236}">
+                <a16:creationId xmlns:a16="http://schemas.microsoft.com/office/drawing/2014/main" id="{ADAA96DB-E1DA-A936-6812-8D9B86B02495}"/>
+              </a:ext>
+            </a:extLst>
+          </p:cNvPr>
+          <p:cNvSpPr>
+            <a:spLocks noGrp="1"/>
+          </p:cNvSpPr>
+          <p:nvPr>
+            <p:ph type="title"/>
+          </p:nvPr>
+        </p:nvSpPr>
+        <p:spPr/>
+        <p:txBody>
+          <a:bodyPr/>
+          <a:lstStyle/>
+          <a:p>
+            <a:r>
+              <a:rPr lang="en-US" dirty="0"/>
+              <a:t>TIMERS on esp32-c3</a:t>
+            </a:r>
+          </a:p>
+        </p:txBody>
+      </p:sp>
+      <p:sp>
+        <p:nvSpPr>
+          <p:cNvPr id="3" name="Content Placeholder 2">
+            <a:extLst>
+              <a:ext uri="{FF2B5EF4-FFF2-40B4-BE49-F238E27FC236}">
+                <a16:creationId xmlns:a16="http://schemas.microsoft.com/office/drawing/2014/main" id="{DDAF8D24-2C30-FB35-BB64-84B47B104426}"/>
+              </a:ext>
+            </a:extLst>
+          </p:cNvPr>
+          <p:cNvSpPr>
+            <a:spLocks noGrp="1"/>
+          </p:cNvSpPr>
+          <p:nvPr>
+            <p:ph idx="1"/>
+          </p:nvPr>
+        </p:nvSpPr>
+        <p:spPr>
+          <a:xfrm>
+            <a:off x="1141412" y="2249487"/>
+            <a:ext cx="5177379" cy="3541714"/>
+          </a:xfrm>
+        </p:spPr>
+        <p:txBody>
+          <a:bodyPr>
+            <a:normAutofit/>
+          </a:bodyPr>
+          <a:lstStyle/>
+          <a:p>
+            <a:r>
+              <a:rPr lang="en-US" dirty="0"/>
+              <a:t>2 General Purpose Timers (54 bits).</a:t>
+            </a:r>
+          </a:p>
+          <a:p>
+            <a:r>
+              <a:rPr lang="en-US" dirty="0"/>
+              <a:t>54-bit auto reload.</a:t>
+            </a:r>
+          </a:p>
+          <a:p>
+            <a:r>
+              <a:rPr lang="en-US" dirty="0"/>
+              <a:t>16-bit pre-scaler (from 2 to 65,536).</a:t>
+            </a:r>
+          </a:p>
+          <a:p>
+            <a:r>
+              <a:rPr lang="en-US" dirty="0"/>
+              <a:t>Incrementing or decrementing.</a:t>
+            </a:r>
+          </a:p>
+        </p:txBody>
+      </p:sp>
+      <p:pic>
+        <p:nvPicPr>
+          <p:cNvPr id="1028" name="Picture 4" descr="ESP32-C3-DEVKITM-1 Espressif Systems | ชุดบอร์ดพัฒนา, ชุดอุปกรณ์,  โปรแกรมเมอร์ | DigiKey">
+            <a:extLst>
+              <a:ext uri="{FF2B5EF4-FFF2-40B4-BE49-F238E27FC236}">
+                <a16:creationId xmlns:a16="http://schemas.microsoft.com/office/drawing/2014/main" id="{CF2305A0-AF7B-5746-FB94-041C5885F853}"/>
+              </a:ext>
+            </a:extLst>
+          </p:cNvPr>
+          <p:cNvPicPr>
+            <a:picLocks noChangeAspect="1" noChangeArrowheads="1"/>
+          </p:cNvPicPr>
+          <p:nvPr/>
+        </p:nvPicPr>
+        <p:blipFill>
+          <a:blip r:embed="rId2">
+            <a:extLst>
+              <a:ext uri="{28A0092B-C50C-407E-A947-70E740481C1C}">
+                <a14:useLocalDpi xmlns:a14="http://schemas.microsoft.com/office/drawing/2010/main" val="0"/>
+              </a:ext>
+            </a:extLst>
+          </a:blip>
+          <a:srcRect/>
+          <a:stretch>
+            <a:fillRect/>
+          </a:stretch>
+        </p:blipFill>
+        <p:spPr bwMode="auto">
+          <a:xfrm>
+            <a:off x="6704871" y="1622338"/>
+            <a:ext cx="3613323" cy="3613323"/>
+          </a:xfrm>
+          <a:prstGeom prst="rect">
+            <a:avLst/>
+          </a:prstGeom>
+          <a:noFill/>
+          <a:extLst>
+            <a:ext uri="{909E8E84-426E-40DD-AFC4-6F175D3DCCD1}">
+              <a14:hiddenFill xmlns:a14="http://schemas.microsoft.com/office/drawing/2010/main">
+                <a:solidFill>
+                  <a:srgbClr val="FFFFFF"/>
+                </a:solidFill>
+              </a14:hiddenFill>
+            </a:ext>
+          </a:extLst>
+        </p:spPr>
+      </p:pic>
+    </p:spTree>
+    <p:extLst>
+      <p:ext uri="{BB962C8B-B14F-4D97-AF65-F5344CB8AC3E}">
+        <p14:creationId xmlns:p14="http://schemas.microsoft.com/office/powerpoint/2010/main" val="3137902228"/>
+      </p:ext>
+    </p:extLst>
+  </p:cSld>
+  <p:clrMapOvr>
+    <a:masterClrMapping/>
+  </p:clrMapOvr>
+</p:sld>
+</file>
+
+<file path=ppt/slides/slide62.xml><?xml version="1.0" encoding="utf-8"?>
+<p:sld xmlns:a="http://schemas.openxmlformats.org/drawingml/2006/main" xmlns:r="http://schemas.openxmlformats.org/officeDocument/2006/relationships" xmlns:p="http://schemas.openxmlformats.org/presentationml/2006/main">
+  <p:cSld>
+    <p:spTree>
+      <p:nvGrpSpPr>
+        <p:cNvPr id="1" name=""/>
+        <p:cNvGrpSpPr/>
+        <p:nvPr/>
+      </p:nvGrpSpPr>
+      <p:grpSpPr>
+        <a:xfrm>
+          <a:off x="0" y="0"/>
+          <a:ext cx="0" cy="0"/>
+          <a:chOff x="0" y="0"/>
+          <a:chExt cx="0" cy="0"/>
+        </a:xfrm>
+      </p:grpSpPr>
+      <p:sp>
+        <p:nvSpPr>
+          <p:cNvPr id="2" name="Title 1">
+            <a:extLst>
+              <a:ext uri="{FF2B5EF4-FFF2-40B4-BE49-F238E27FC236}">
                 <a16:creationId xmlns:a16="http://schemas.microsoft.com/office/drawing/2014/main" id="{A4E78EFC-9F87-D888-AC03-D86420AD80A4}"/>
               </a:ext>
             </a:extLst>
@@ -24608,7 +24886,7 @@
 </p:sld>
 </file>
 
-<file path=ppt/slides/slide61.xml><?xml version="1.0" encoding="utf-8"?>
+<file path=ppt/slides/slide63.xml><?xml version="1.0" encoding="utf-8"?>
 <p:sld xmlns:a="http://schemas.openxmlformats.org/drawingml/2006/main" xmlns:r="http://schemas.openxmlformats.org/officeDocument/2006/relationships" xmlns:p="http://schemas.openxmlformats.org/presentationml/2006/main">
   <p:cSld>
     <p:spTree>
@@ -24746,7 +25024,7 @@
 </p:sld>
 </file>
 
-<file path=ppt/slides/slide62.xml><?xml version="1.0" encoding="utf-8"?>
+<file path=ppt/slides/slide64.xml><?xml version="1.0" encoding="utf-8"?>
 <p:sld xmlns:a="http://schemas.openxmlformats.org/drawingml/2006/main" xmlns:r="http://schemas.openxmlformats.org/officeDocument/2006/relationships" xmlns:p="http://schemas.openxmlformats.org/presentationml/2006/main">
   <p:cSld>
     <p:spTree>
@@ -24916,7 +25194,7 @@
 </p:sld>
 </file>
 
-<file path=ppt/slides/slide63.xml><?xml version="1.0" encoding="utf-8"?>
+<file path=ppt/slides/slide65.xml><?xml version="1.0" encoding="utf-8"?>
 <p:sld xmlns:a="http://schemas.openxmlformats.org/drawingml/2006/main" xmlns:r="http://schemas.openxmlformats.org/officeDocument/2006/relationships" xmlns:p="http://schemas.openxmlformats.org/presentationml/2006/main">
   <p:cSld>
     <p:spTree>
@@ -25086,7 +25364,7 @@
 </p:sld>
 </file>
 
-<file path=ppt/slides/slide64.xml><?xml version="1.0" encoding="utf-8"?>
+<file path=ppt/slides/slide66.xml><?xml version="1.0" encoding="utf-8"?>
 <p:sld xmlns:a="http://schemas.openxmlformats.org/drawingml/2006/main" xmlns:r="http://schemas.openxmlformats.org/officeDocument/2006/relationships" xmlns:p="http://schemas.openxmlformats.org/presentationml/2006/main">
   <p:cSld>
     <p:spTree>
@@ -25247,7 +25525,7 @@
 </p:sld>
 </file>
 
-<file path=ppt/slides/slide65.xml><?xml version="1.0" encoding="utf-8"?>
+<file path=ppt/slides/slide67.xml><?xml version="1.0" encoding="utf-8"?>
 <p:sld xmlns:a="http://schemas.openxmlformats.org/drawingml/2006/main" xmlns:r="http://schemas.openxmlformats.org/officeDocument/2006/relationships" xmlns:p="http://schemas.openxmlformats.org/presentationml/2006/main">
   <p:cSld>
     <p:spTree>
@@ -25912,7 +26190,7 @@
           <p:cNvPr id="2" name="Title 1">
             <a:extLst>
               <a:ext uri="{FF2B5EF4-FFF2-40B4-BE49-F238E27FC236}">
-                <a16:creationId xmlns:a16="http://schemas.microsoft.com/office/drawing/2014/main" id="{CE895F25-B8E3-58E9-2A41-C8F488672062}"/>
+                <a16:creationId xmlns:a16="http://schemas.microsoft.com/office/drawing/2014/main" id="{6F8AE727-BD13-EC3F-91AA-390D973D3B90}"/>
               </a:ext>
             </a:extLst>
           </p:cNvPr>
@@ -25928,10 +26206,7 @@
           <a:bodyPr/>
           <a:lstStyle/>
           <a:p>
-            <a:r>
-              <a:rPr lang="en-US" dirty="0"/>
-              <a:t>Memory Types – Non-Volatile</a:t>
-            </a:r>
+            <a:endParaRPr lang="en-US"/>
           </a:p>
         </p:txBody>
       </p:sp>
@@ -25940,7 +26215,7 @@
           <p:cNvPr id="3" name="Content Placeholder 2">
             <a:extLst>
               <a:ext uri="{FF2B5EF4-FFF2-40B4-BE49-F238E27FC236}">
-                <a16:creationId xmlns:a16="http://schemas.microsoft.com/office/drawing/2014/main" id="{966791B4-2343-6597-739F-3E1DB49D0B9D}"/>
+                <a16:creationId xmlns:a16="http://schemas.microsoft.com/office/drawing/2014/main" id="{4A7B80C3-68C6-1B01-716F-996A718FFFC5}"/>
               </a:ext>
             </a:extLst>
           </p:cNvPr>
@@ -25956,38 +26231,14 @@
           <a:bodyPr/>
           <a:lstStyle/>
           <a:p>
-            <a:r>
-              <a:rPr lang="en-US" dirty="0"/>
-              <a:t>ROM (Read Only Memory): can be used to store data on an embedded system permanently. It is usually used to store at least the software required by an embedded device to function on the field.</a:t>
-            </a:r>
-          </a:p>
-          <a:p>
-            <a:pPr lvl="1"/>
-            <a:r>
-              <a:rPr lang="en-US" dirty="0"/>
-              <a:t>Mask ROM: Data is permanently programmed into a chip by the manufacturer.</a:t>
-            </a:r>
-          </a:p>
-          <a:p>
-            <a:pPr lvl="1"/>
-            <a:r>
-              <a:rPr lang="en-US" dirty="0"/>
-              <a:t>EEPROM (Electrically Erasable Programable ROM): can be erased and reprogrammed more than once . Its contents can be written and erased “in bytes” electrically.</a:t>
-            </a:r>
-          </a:p>
-          <a:p>
-            <a:pPr lvl="1"/>
-            <a:r>
-              <a:rPr lang="en-US" dirty="0"/>
-              <a:t>FLASH: can be written and erased in blocks/sectors. It is cheaper and faster than an EEPROM.</a:t>
-            </a:r>
+            <a:endParaRPr lang="en-US"/>
           </a:p>
         </p:txBody>
       </p:sp>
     </p:spTree>
     <p:extLst>
       <p:ext uri="{BB962C8B-B14F-4D97-AF65-F5344CB8AC3E}">
-        <p14:creationId xmlns:p14="http://schemas.microsoft.com/office/powerpoint/2010/main" val="1476329464"/>
+        <p14:creationId xmlns:p14="http://schemas.microsoft.com/office/powerpoint/2010/main" val="2694715879"/>
       </p:ext>
     </p:extLst>
   </p:cSld>
